--- a/VEEPortingGuide/images/multisandbox.pptx
+++ b/VEEPortingGuide/images/multisandbox.pptx
@@ -12,8 +12,8 @@
   </p:handoutMasterIdLst>
   <p:sldIdLst>
     <p:sldId id="322" r:id="rId2"/>
-    <p:sldId id="316" r:id="rId3"/>
-    <p:sldId id="324" r:id="rId4"/>
+    <p:sldId id="324" r:id="rId3"/>
+    <p:sldId id="316" r:id="rId4"/>
   </p:sldIdLst>
   <p:sldSz cx="12192000" cy="6858000"/>
   <p:notesSz cx="6858000" cy="9144000"/>
@@ -220,7 +220,7 @@
               <a:rPr lang="fr-FR" smtClean="0">
                 <a:latin typeface="Calibri Regular" charset="0"/>
               </a:rPr>
-              <a:t>lundi 3 avril 2023</a:t>
+              <a:t>vendredi 18 août 2023</a:t>
             </a:fld>
             <a:endParaRPr lang="en-US" dirty="0">
               <a:latin typeface="Calibri Regular" charset="0"/>
@@ -398,7 +398,7 @@
           <a:p>
             <a:fld id="{885721CF-495B-2B41-A23A-4D3221F80235}" type="datetime2">
               <a:rPr lang="fr-FR" smtClean="0"/>
-              <a:t>lundi 3 avril 2023</a:t>
+              <a:t>vendredi 18 août 2023</a:t>
             </a:fld>
             <a:endParaRPr lang="en-US" dirty="0"/>
           </a:p>
@@ -1297,7 +1297,7 @@
           <p:cNvPr id="7" name="Text Placeholder 2">
             <a:extLst>
               <a:ext uri="{FF2B5EF4-FFF2-40B4-BE49-F238E27FC236}">
-                <a16:creationId xmlns:a16="http://schemas.microsoft.com/office/drawing/2014/main" xmlns="" id="{EE9EA528-AAC2-D34E-8538-0A0AAD80AD96}"/>
+                <a16:creationId xmlns="" xmlns:a16="http://schemas.microsoft.com/office/drawing/2014/main" id="{EE9EA528-AAC2-D34E-8538-0A0AAD80AD96}"/>
               </a:ext>
             </a:extLst>
           </p:cNvPr>
@@ -1383,7 +1383,7 @@
           <p:cNvPr id="10" name="Content Placeholder 3">
             <a:extLst>
               <a:ext uri="{FF2B5EF4-FFF2-40B4-BE49-F238E27FC236}">
-                <a16:creationId xmlns:a16="http://schemas.microsoft.com/office/drawing/2014/main" xmlns="" id="{DAF8326C-6710-4047-962C-1C0A0F78FFB5}"/>
+                <a16:creationId xmlns="" xmlns:a16="http://schemas.microsoft.com/office/drawing/2014/main" id="{DAF8326C-6710-4047-962C-1C0A0F78FFB5}"/>
               </a:ext>
             </a:extLst>
           </p:cNvPr>
@@ -2106,7 +2106,7 @@
           <p:cNvPr id="7" name="Text Placeholder 2">
             <a:extLst>
               <a:ext uri="{FF2B5EF4-FFF2-40B4-BE49-F238E27FC236}">
-                <a16:creationId xmlns:a16="http://schemas.microsoft.com/office/drawing/2014/main" xmlns="" id="{BADF2A12-0EA6-EC4F-864C-2E94AC36ADCE}"/>
+                <a16:creationId xmlns="" xmlns:a16="http://schemas.microsoft.com/office/drawing/2014/main" id="{BADF2A12-0EA6-EC4F-864C-2E94AC36ADCE}"/>
               </a:ext>
             </a:extLst>
           </p:cNvPr>
@@ -2961,7 +2961,7 @@
           <p:cNvPr id="7" name="Content Placeholder 3">
             <a:extLst>
               <a:ext uri="{FF2B5EF4-FFF2-40B4-BE49-F238E27FC236}">
-                <a16:creationId xmlns:a16="http://schemas.microsoft.com/office/drawing/2014/main" xmlns="" id="{2E4978A6-AF2C-644A-9245-7D0BA4E8B6CE}"/>
+                <a16:creationId xmlns="" xmlns:a16="http://schemas.microsoft.com/office/drawing/2014/main" id="{2E4978A6-AF2C-644A-9245-7D0BA4E8B6CE}"/>
               </a:ext>
             </a:extLst>
           </p:cNvPr>
@@ -3373,7 +3373,7 @@
           <p:cNvPr id="7" name="Text Placeholder 2">
             <a:extLst>
               <a:ext uri="{FF2B5EF4-FFF2-40B4-BE49-F238E27FC236}">
-                <a16:creationId xmlns:a16="http://schemas.microsoft.com/office/drawing/2014/main" xmlns="" id="{BADF2A12-0EA6-EC4F-864C-2E94AC36ADCE}"/>
+                <a16:creationId xmlns="" xmlns:a16="http://schemas.microsoft.com/office/drawing/2014/main" id="{BADF2A12-0EA6-EC4F-864C-2E94AC36ADCE}"/>
               </a:ext>
             </a:extLst>
           </p:cNvPr>
@@ -4362,7 +4362,7 @@
           <p:cNvPr id="13" name="Rectangle 12">
             <a:extLst>
               <a:ext uri="{FF2B5EF4-FFF2-40B4-BE49-F238E27FC236}">
-                <a16:creationId xmlns:a16="http://schemas.microsoft.com/office/drawing/2014/main" xmlns="" id="{200F2B4F-ED74-D84B-A5FF-644A79E13221}"/>
+                <a16:creationId xmlns="" xmlns:a16="http://schemas.microsoft.com/office/drawing/2014/main" id="{200F2B4F-ED74-D84B-A5FF-644A79E13221}"/>
               </a:ext>
             </a:extLst>
           </p:cNvPr>
@@ -4602,7 +4602,7 @@
           <p:cNvPr id="14" name="Footer Placeholder 5">
             <a:extLst>
               <a:ext uri="{FF2B5EF4-FFF2-40B4-BE49-F238E27FC236}">
-                <a16:creationId xmlns:a16="http://schemas.microsoft.com/office/drawing/2014/main" xmlns="" id="{9D0AEA00-A11E-E447-A27D-E3693067A9E6}"/>
+                <a16:creationId xmlns="" xmlns:a16="http://schemas.microsoft.com/office/drawing/2014/main" id="{9D0AEA00-A11E-E447-A27D-E3693067A9E6}"/>
               </a:ext>
             </a:extLst>
           </p:cNvPr>
@@ -4658,7 +4658,7 @@
           <p:cNvPr id="16" name="Picture 2" descr="C:\Users\cmorineau\Marketing-Private\Marcom\Graphics\Artwork_Corp\Logos\Logo-microej-grey-h50.png">
             <a:extLst>
               <a:ext uri="{FF2B5EF4-FFF2-40B4-BE49-F238E27FC236}">
-                <a16:creationId xmlns:a16="http://schemas.microsoft.com/office/drawing/2014/main" xmlns="" id="{75E7AEDB-C69E-AA4C-96BC-8D040A4C81DB}"/>
+                <a16:creationId xmlns="" xmlns:a16="http://schemas.microsoft.com/office/drawing/2014/main" id="{75E7AEDB-C69E-AA4C-96BC-8D040A4C81DB}"/>
               </a:ext>
             </a:extLst>
           </p:cNvPr>
@@ -4841,7 +4841,7 @@
           <p:cNvPr id="11" name="Picture 10">
             <a:extLst>
               <a:ext uri="{FF2B5EF4-FFF2-40B4-BE49-F238E27FC236}">
-                <a16:creationId xmlns:a16="http://schemas.microsoft.com/office/drawing/2014/main" xmlns="" id="{21EA2856-E9E7-8D44-8863-70888E0D7F19}"/>
+                <a16:creationId xmlns="" xmlns:a16="http://schemas.microsoft.com/office/drawing/2014/main" id="{21EA2856-E9E7-8D44-8863-70888E0D7F19}"/>
               </a:ext>
             </a:extLst>
           </p:cNvPr>
@@ -4877,7 +4877,7 @@
           <p:cNvPr id="15" name="Title Placeholder 1">
             <a:extLst>
               <a:ext uri="{FF2B5EF4-FFF2-40B4-BE49-F238E27FC236}">
-                <a16:creationId xmlns:a16="http://schemas.microsoft.com/office/drawing/2014/main" xmlns="" id="{ED4F756F-313C-9A45-AA9F-4637139720F4}"/>
+                <a16:creationId xmlns="" xmlns:a16="http://schemas.microsoft.com/office/drawing/2014/main" id="{ED4F756F-313C-9A45-AA9F-4637139720F4}"/>
               </a:ext>
             </a:extLst>
           </p:cNvPr>
@@ -4932,7 +4932,7 @@
           <p:cNvPr id="16" name="Picture 15">
             <a:extLst>
               <a:ext uri="{FF2B5EF4-FFF2-40B4-BE49-F238E27FC236}">
-                <a16:creationId xmlns:a16="http://schemas.microsoft.com/office/drawing/2014/main" xmlns="" id="{A9288502-3773-1F4B-A16F-58C59F5FD419}"/>
+                <a16:creationId xmlns="" xmlns:a16="http://schemas.microsoft.com/office/drawing/2014/main" id="{A9288502-3773-1F4B-A16F-58C59F5FD419}"/>
               </a:ext>
             </a:extLst>
           </p:cNvPr>
@@ -4968,7 +4968,7 @@
           <p:cNvPr id="32" name="Straight Connector 31">
             <a:extLst>
               <a:ext uri="{FF2B5EF4-FFF2-40B4-BE49-F238E27FC236}">
-                <a16:creationId xmlns:a16="http://schemas.microsoft.com/office/drawing/2014/main" xmlns="" id="{158023E0-65D2-F849-83D8-A55E2AC6BB63}"/>
+                <a16:creationId xmlns="" xmlns:a16="http://schemas.microsoft.com/office/drawing/2014/main" id="{158023E0-65D2-F849-83D8-A55E2AC6BB63}"/>
               </a:ext>
             </a:extLst>
           </p:cNvPr>
@@ -5006,7 +5006,7 @@
           <p:cNvPr id="36" name="Straight Connector 35">
             <a:extLst>
               <a:ext uri="{FF2B5EF4-FFF2-40B4-BE49-F238E27FC236}">
-                <a16:creationId xmlns:a16="http://schemas.microsoft.com/office/drawing/2014/main" xmlns="" id="{1C61BB10-90B1-A04F-AB02-727027D1950C}"/>
+                <a16:creationId xmlns="" xmlns:a16="http://schemas.microsoft.com/office/drawing/2014/main" id="{1C61BB10-90B1-A04F-AB02-727027D1950C}"/>
               </a:ext>
             </a:extLst>
           </p:cNvPr>
@@ -5049,7 +5049,7 @@
           <p:cNvPr id="37" name="Content Placeholder 3">
             <a:extLst>
               <a:ext uri="{FF2B5EF4-FFF2-40B4-BE49-F238E27FC236}">
-                <a16:creationId xmlns:a16="http://schemas.microsoft.com/office/drawing/2014/main" xmlns="" id="{E6FA2AB0-B1DC-CE4F-BA00-6F224EAE5B8E}"/>
+                <a16:creationId xmlns="" xmlns:a16="http://schemas.microsoft.com/office/drawing/2014/main" id="{E6FA2AB0-B1DC-CE4F-BA00-6F224EAE5B8E}"/>
               </a:ext>
             </a:extLst>
           </p:cNvPr>
@@ -5145,7 +5145,7 @@
           <p:cNvPr id="17" name="Content Placeholder 3">
             <a:extLst>
               <a:ext uri="{FF2B5EF4-FFF2-40B4-BE49-F238E27FC236}">
-                <a16:creationId xmlns:a16="http://schemas.microsoft.com/office/drawing/2014/main" xmlns="" id="{A143064D-45EC-0A4F-88C5-9640D09D7651}"/>
+                <a16:creationId xmlns="" xmlns:a16="http://schemas.microsoft.com/office/drawing/2014/main" id="{A143064D-45EC-0A4F-88C5-9640D09D7651}"/>
               </a:ext>
             </a:extLst>
           </p:cNvPr>
@@ -5776,7 +5776,7 @@
           <p:cNvPr id="8" name="Rectangle 7">
             <a:extLst>
               <a:ext uri="{FF2B5EF4-FFF2-40B4-BE49-F238E27FC236}">
-                <a16:creationId xmlns:a16="http://schemas.microsoft.com/office/drawing/2014/main" xmlns="" id="{6524FE37-B1D2-9A48-8EE1-B9816DBDEF3D}"/>
+                <a16:creationId xmlns="" xmlns:a16="http://schemas.microsoft.com/office/drawing/2014/main" id="{6524FE37-B1D2-9A48-8EE1-B9816DBDEF3D}"/>
               </a:ext>
             </a:extLst>
           </p:cNvPr>
@@ -5815,7 +5815,7 @@
           <p:cNvPr id="9" name="TextBox 8">
             <a:extLst>
               <a:ext uri="{FF2B5EF4-FFF2-40B4-BE49-F238E27FC236}">
-                <a16:creationId xmlns:a16="http://schemas.microsoft.com/office/drawing/2014/main" xmlns="" id="{46ADA988-EDE2-EB43-9964-F5CB85382BA1}"/>
+                <a16:creationId xmlns="" xmlns:a16="http://schemas.microsoft.com/office/drawing/2014/main" id="{46ADA988-EDE2-EB43-9964-F5CB85382BA1}"/>
               </a:ext>
             </a:extLst>
           </p:cNvPr>
@@ -6054,7 +6054,7 @@
           <p:cNvPr id="12" name="Straight Connector 11">
             <a:extLst>
               <a:ext uri="{FF2B5EF4-FFF2-40B4-BE49-F238E27FC236}">
-                <a16:creationId xmlns:a16="http://schemas.microsoft.com/office/drawing/2014/main" xmlns="" id="{80782101-745C-B64C-BF8C-0612C8A826F4}"/>
+                <a16:creationId xmlns="" xmlns:a16="http://schemas.microsoft.com/office/drawing/2014/main" id="{80782101-745C-B64C-BF8C-0612C8A826F4}"/>
               </a:ext>
             </a:extLst>
           </p:cNvPr>
@@ -6221,7 +6221,7 @@
           <p:cNvPr id="11" name="Rectangle 10">
             <a:extLst>
               <a:ext uri="{FF2B5EF4-FFF2-40B4-BE49-F238E27FC236}">
-                <a16:creationId xmlns:a16="http://schemas.microsoft.com/office/drawing/2014/main" xmlns="" id="{1A60FEF2-2730-8045-B797-AEA6DA2ED07B}"/>
+                <a16:creationId xmlns="" xmlns:a16="http://schemas.microsoft.com/office/drawing/2014/main" id="{1A60FEF2-2730-8045-B797-AEA6DA2ED07B}"/>
               </a:ext>
             </a:extLst>
           </p:cNvPr>
@@ -6257,7 +6257,7 @@
           <p:cNvPr id="12" name="Straight Connector 11">
             <a:extLst>
               <a:ext uri="{FF2B5EF4-FFF2-40B4-BE49-F238E27FC236}">
-                <a16:creationId xmlns:a16="http://schemas.microsoft.com/office/drawing/2014/main" xmlns="" id="{9FC44B9B-3ED3-CD4D-A4B4-670F9A0707A7}"/>
+                <a16:creationId xmlns="" xmlns:a16="http://schemas.microsoft.com/office/drawing/2014/main" id="{9FC44B9B-3ED3-CD4D-A4B4-670F9A0707A7}"/>
               </a:ext>
             </a:extLst>
           </p:cNvPr>
@@ -6293,7 +6293,7 @@
           <p:cNvPr id="13" name="Rectangle 12">
             <a:extLst>
               <a:ext uri="{FF2B5EF4-FFF2-40B4-BE49-F238E27FC236}">
-                <a16:creationId xmlns:a16="http://schemas.microsoft.com/office/drawing/2014/main" xmlns="" id="{A8E9047D-CEE7-1041-9CD2-438580517A8B}"/>
+                <a16:creationId xmlns="" xmlns:a16="http://schemas.microsoft.com/office/drawing/2014/main" id="{A8E9047D-CEE7-1041-9CD2-438580517A8B}"/>
               </a:ext>
             </a:extLst>
           </p:cNvPr>
@@ -6329,7 +6329,7 @@
           <p:cNvPr id="14" name="Straight Connector 13">
             <a:extLst>
               <a:ext uri="{FF2B5EF4-FFF2-40B4-BE49-F238E27FC236}">
-                <a16:creationId xmlns:a16="http://schemas.microsoft.com/office/drawing/2014/main" xmlns="" id="{A080B88E-5B35-9C42-B51A-25732C333881}"/>
+                <a16:creationId xmlns="" xmlns:a16="http://schemas.microsoft.com/office/drawing/2014/main" id="{A080B88E-5B35-9C42-B51A-25732C333881}"/>
               </a:ext>
             </a:extLst>
           </p:cNvPr>
@@ -6365,7 +6365,7 @@
           <p:cNvPr id="16" name="TextBox 15">
             <a:extLst>
               <a:ext uri="{FF2B5EF4-FFF2-40B4-BE49-F238E27FC236}">
-                <a16:creationId xmlns:a16="http://schemas.microsoft.com/office/drawing/2014/main" xmlns="" id="{B2BB3227-C774-FD42-B9A5-3508452E6A71}"/>
+                <a16:creationId xmlns="" xmlns:a16="http://schemas.microsoft.com/office/drawing/2014/main" id="{B2BB3227-C774-FD42-B9A5-3508452E6A71}"/>
               </a:ext>
             </a:extLst>
           </p:cNvPr>
@@ -6672,7 +6672,7 @@
           <p:cNvPr id="86" name="Rectangle 85">
             <a:extLst>
               <a:ext uri="{FF2B5EF4-FFF2-40B4-BE49-F238E27FC236}">
-                <a16:creationId xmlns:a16="http://schemas.microsoft.com/office/drawing/2014/main" xmlns="" id="{EDB109D6-5BF6-5E42-A1C1-45B238B41A7E}"/>
+                <a16:creationId xmlns="" xmlns:a16="http://schemas.microsoft.com/office/drawing/2014/main" id="{EDB109D6-5BF6-5E42-A1C1-45B238B41A7E}"/>
               </a:ext>
             </a:extLst>
           </p:cNvPr>
@@ -6734,7 +6734,7 @@
           <p:cNvPr id="45" name="Rectangle 1">
             <a:extLst>
               <a:ext uri="{FF2B5EF4-FFF2-40B4-BE49-F238E27FC236}">
-                <a16:creationId xmlns:a16="http://schemas.microsoft.com/office/drawing/2014/main" xmlns="" id="{7F24C5F6-F280-EE49-BEC1-D93D2617D356}"/>
+                <a16:creationId xmlns="" xmlns:a16="http://schemas.microsoft.com/office/drawing/2014/main" id="{7F24C5F6-F280-EE49-BEC1-D93D2617D356}"/>
               </a:ext>
             </a:extLst>
           </p:cNvPr>
@@ -6983,7 +6983,7 @@
           <p:cNvPr id="89" name="Rectangle 88">
             <a:extLst>
               <a:ext uri="{FF2B5EF4-FFF2-40B4-BE49-F238E27FC236}">
-                <a16:creationId xmlns:a16="http://schemas.microsoft.com/office/drawing/2014/main" xmlns="" id="{EFCB9C4D-5246-B743-853A-FA66CEE7DE4D}"/>
+                <a16:creationId xmlns="" xmlns:a16="http://schemas.microsoft.com/office/drawing/2014/main" id="{EFCB9C4D-5246-B743-853A-FA66CEE7DE4D}"/>
               </a:ext>
             </a:extLst>
           </p:cNvPr>
@@ -7035,7 +7035,7 @@
           <p:cNvPr id="93" name="Triangle 92">
             <a:extLst>
               <a:ext uri="{FF2B5EF4-FFF2-40B4-BE49-F238E27FC236}">
-                <a16:creationId xmlns:a16="http://schemas.microsoft.com/office/drawing/2014/main" xmlns="" id="{0D72A147-C32E-C540-8F80-59F865637BB1}"/>
+                <a16:creationId xmlns="" xmlns:a16="http://schemas.microsoft.com/office/drawing/2014/main" id="{0D72A147-C32E-C540-8F80-59F865637BB1}"/>
               </a:ext>
             </a:extLst>
           </p:cNvPr>
@@ -7090,7 +7090,7 @@
             <a:hlinkClick r:id="rId2"/>
             <a:extLst>
               <a:ext uri="{FF2B5EF4-FFF2-40B4-BE49-F238E27FC236}">
-                <a16:creationId xmlns:a16="http://schemas.microsoft.com/office/drawing/2014/main" xmlns="" id="{0A03D419-B4E4-A341-8258-BAF4FC5373B4}"/>
+                <a16:creationId xmlns="" xmlns:a16="http://schemas.microsoft.com/office/drawing/2014/main" id="{0A03D419-B4E4-A341-8258-BAF4FC5373B4}"/>
               </a:ext>
             </a:extLst>
           </p:cNvPr>
@@ -7153,7 +7153,7 @@
           <p:cNvPr id="95" name="Group 94">
             <a:extLst>
               <a:ext uri="{FF2B5EF4-FFF2-40B4-BE49-F238E27FC236}">
-                <a16:creationId xmlns:a16="http://schemas.microsoft.com/office/drawing/2014/main" xmlns="" id="{89E75E57-B1BB-1043-92B1-2837059A39CF}"/>
+                <a16:creationId xmlns="" xmlns:a16="http://schemas.microsoft.com/office/drawing/2014/main" id="{89E75E57-B1BB-1043-92B1-2837059A39CF}"/>
               </a:ext>
             </a:extLst>
           </p:cNvPr>
@@ -7173,7 +7173,7 @@
             <p:cNvPr id="96" name="Rounded Rectangle 95">
               <a:extLst>
                 <a:ext uri="{FF2B5EF4-FFF2-40B4-BE49-F238E27FC236}">
-                  <a16:creationId xmlns:a16="http://schemas.microsoft.com/office/drawing/2014/main" xmlns="" id="{C571F53C-F9A8-D34F-89E9-D59834F26F2A}"/>
+                  <a16:creationId xmlns="" xmlns:a16="http://schemas.microsoft.com/office/drawing/2014/main" id="{C571F53C-F9A8-D34F-89E9-D59834F26F2A}"/>
                 </a:ext>
               </a:extLst>
             </p:cNvPr>
@@ -7226,7 +7226,7 @@
               <a:hlinkClick r:id="rId3"/>
               <a:extLst>
                 <a:ext uri="{FF2B5EF4-FFF2-40B4-BE49-F238E27FC236}">
-                  <a16:creationId xmlns:a16="http://schemas.microsoft.com/office/drawing/2014/main" xmlns="" id="{BCCC18FD-7037-504F-B7DD-009E93D5CFC5}"/>
+                  <a16:creationId xmlns="" xmlns:a16="http://schemas.microsoft.com/office/drawing/2014/main" id="{BCCC18FD-7037-504F-B7DD-009E93D5CFC5}"/>
                 </a:ext>
               </a:extLst>
             </p:cNvPr>
@@ -7278,7 +7278,7 @@
             <a:hlinkClick r:id="rId3"/>
             <a:extLst>
               <a:ext uri="{FF2B5EF4-FFF2-40B4-BE49-F238E27FC236}">
-                <a16:creationId xmlns:a16="http://schemas.microsoft.com/office/drawing/2014/main" xmlns="" id="{31AA4A0D-C979-ED41-9053-191689A53F33}"/>
+                <a16:creationId xmlns="" xmlns:a16="http://schemas.microsoft.com/office/drawing/2014/main" id="{31AA4A0D-C979-ED41-9053-191689A53F33}"/>
               </a:ext>
             </a:extLst>
           </p:cNvPr>
@@ -7341,7 +7341,7 @@
           <p:cNvPr id="105" name="Group 104">
             <a:extLst>
               <a:ext uri="{FF2B5EF4-FFF2-40B4-BE49-F238E27FC236}">
-                <a16:creationId xmlns:a16="http://schemas.microsoft.com/office/drawing/2014/main" xmlns="" id="{7BF00640-0851-4A4E-8179-1BD384D8F525}"/>
+                <a16:creationId xmlns="" xmlns:a16="http://schemas.microsoft.com/office/drawing/2014/main" id="{7BF00640-0851-4A4E-8179-1BD384D8F525}"/>
               </a:ext>
             </a:extLst>
           </p:cNvPr>
@@ -7361,7 +7361,7 @@
             <p:cNvPr id="106" name="Rounded Rectangle 105">
               <a:extLst>
                 <a:ext uri="{FF2B5EF4-FFF2-40B4-BE49-F238E27FC236}">
-                  <a16:creationId xmlns:a16="http://schemas.microsoft.com/office/drawing/2014/main" xmlns="" id="{5AA2B150-5004-364C-910A-A392CD7A853A}"/>
+                  <a16:creationId xmlns="" xmlns:a16="http://schemas.microsoft.com/office/drawing/2014/main" id="{5AA2B150-5004-364C-910A-A392CD7A853A}"/>
                 </a:ext>
               </a:extLst>
             </p:cNvPr>
@@ -7414,7 +7414,7 @@
               <a:hlinkClick r:id="rId3"/>
               <a:extLst>
                 <a:ext uri="{FF2B5EF4-FFF2-40B4-BE49-F238E27FC236}">
-                  <a16:creationId xmlns:a16="http://schemas.microsoft.com/office/drawing/2014/main" xmlns="" id="{91AD4506-A6D6-124C-97E7-7D3DF0EBA900}"/>
+                  <a16:creationId xmlns="" xmlns:a16="http://schemas.microsoft.com/office/drawing/2014/main" id="{91AD4506-A6D6-124C-97E7-7D3DF0EBA900}"/>
                 </a:ext>
               </a:extLst>
             </p:cNvPr>
@@ -7473,7 +7473,7 @@
           <p:cNvPr id="122" name="Picture 121">
             <a:extLst>
               <a:ext uri="{FF2B5EF4-FFF2-40B4-BE49-F238E27FC236}">
-                <a16:creationId xmlns:a16="http://schemas.microsoft.com/office/drawing/2014/main" xmlns="" id="{B221A555-3C2F-E94D-96E4-6FC85564B891}"/>
+                <a16:creationId xmlns="" xmlns:a16="http://schemas.microsoft.com/office/drawing/2014/main" id="{B221A555-3C2F-E94D-96E4-6FC85564B891}"/>
               </a:ext>
             </a:extLst>
           </p:cNvPr>
@@ -7509,7 +7509,7 @@
           <p:cNvPr id="129" name="Title 24">
             <a:extLst>
               <a:ext uri="{FF2B5EF4-FFF2-40B4-BE49-F238E27FC236}">
-                <a16:creationId xmlns:a16="http://schemas.microsoft.com/office/drawing/2014/main" xmlns="" id="{C9C5C095-FA83-CE44-8BA2-FB0F4CF430D7}"/>
+                <a16:creationId xmlns="" xmlns:a16="http://schemas.microsoft.com/office/drawing/2014/main" id="{C9C5C095-FA83-CE44-8BA2-FB0F4CF430D7}"/>
               </a:ext>
             </a:extLst>
           </p:cNvPr>
@@ -7569,7 +7569,7 @@
           <p:cNvPr id="134" name="Picture 133">
             <a:extLst>
               <a:ext uri="{FF2B5EF4-FFF2-40B4-BE49-F238E27FC236}">
-                <a16:creationId xmlns:a16="http://schemas.microsoft.com/office/drawing/2014/main" xmlns="" id="{0E8E09F9-EF0B-4C47-B695-BE4EBAFCE677}"/>
+                <a16:creationId xmlns="" xmlns:a16="http://schemas.microsoft.com/office/drawing/2014/main" id="{0E8E09F9-EF0B-4C47-B695-BE4EBAFCE677}"/>
               </a:ext>
             </a:extLst>
           </p:cNvPr>
@@ -7604,7 +7604,7 @@
           <p:cNvPr id="135" name="Straight Connector 134">
             <a:extLst>
               <a:ext uri="{FF2B5EF4-FFF2-40B4-BE49-F238E27FC236}">
-                <a16:creationId xmlns:a16="http://schemas.microsoft.com/office/drawing/2014/main" xmlns="" id="{FF6AB179-2926-4D40-A4DD-8BB1E9EAEA7D}"/>
+                <a16:creationId xmlns="" xmlns:a16="http://schemas.microsoft.com/office/drawing/2014/main" id="{FF6AB179-2926-4D40-A4DD-8BB1E9EAEA7D}"/>
               </a:ext>
             </a:extLst>
           </p:cNvPr>
@@ -7645,7 +7645,7 @@
           <p:cNvPr id="41" name="Content Placeholder 52">
             <a:extLst>
               <a:ext uri="{FF2B5EF4-FFF2-40B4-BE49-F238E27FC236}">
-                <a16:creationId xmlns:a16="http://schemas.microsoft.com/office/drawing/2014/main" xmlns="" id="{03870E7E-5F8D-F64D-B6CF-AC70B18948A2}"/>
+                <a16:creationId xmlns="" xmlns:a16="http://schemas.microsoft.com/office/drawing/2014/main" id="{03870E7E-5F8D-F64D-B6CF-AC70B18948A2}"/>
               </a:ext>
             </a:extLst>
           </p:cNvPr>
@@ -7895,7 +7895,7 @@
           <p:cNvPr id="42" name="Content Placeholder 52">
             <a:extLst>
               <a:ext uri="{FF2B5EF4-FFF2-40B4-BE49-F238E27FC236}">
-                <a16:creationId xmlns:a16="http://schemas.microsoft.com/office/drawing/2014/main" xmlns="" id="{95FE5B9D-9272-3841-9EE5-9D5A046A1FF7}"/>
+                <a16:creationId xmlns="" xmlns:a16="http://schemas.microsoft.com/office/drawing/2014/main" id="{95FE5B9D-9272-3841-9EE5-9D5A046A1FF7}"/>
               </a:ext>
             </a:extLst>
           </p:cNvPr>
@@ -8131,7 +8131,7 @@
           <p:cNvPr id="43" name="Content Placeholder 52">
             <a:extLst>
               <a:ext uri="{FF2B5EF4-FFF2-40B4-BE49-F238E27FC236}">
-                <a16:creationId xmlns:a16="http://schemas.microsoft.com/office/drawing/2014/main" xmlns="" id="{8C3392A2-7BEC-C643-A397-ACB0C15BDDE1}"/>
+                <a16:creationId xmlns="" xmlns:a16="http://schemas.microsoft.com/office/drawing/2014/main" id="{8C3392A2-7BEC-C643-A397-ACB0C15BDDE1}"/>
               </a:ext>
             </a:extLst>
           </p:cNvPr>
@@ -8366,7 +8366,7 @@
           <p:cNvPr id="44" name="Content Placeholder 52">
             <a:extLst>
               <a:ext uri="{FF2B5EF4-FFF2-40B4-BE49-F238E27FC236}">
-                <a16:creationId xmlns:a16="http://schemas.microsoft.com/office/drawing/2014/main" xmlns="" id="{5BF202D4-4239-7E4F-93CD-8E57B0E44847}"/>
+                <a16:creationId xmlns="" xmlns:a16="http://schemas.microsoft.com/office/drawing/2014/main" id="{5BF202D4-4239-7E4F-93CD-8E57B0E44847}"/>
               </a:ext>
             </a:extLst>
           </p:cNvPr>
@@ -8610,7 +8610,7 @@
           <p:cNvPr id="46" name="Content Placeholder 52">
             <a:extLst>
               <a:ext uri="{FF2B5EF4-FFF2-40B4-BE49-F238E27FC236}">
-                <a16:creationId xmlns:a16="http://schemas.microsoft.com/office/drawing/2014/main" xmlns="" id="{16FDB233-B738-8D4E-B43F-750A1A983DE9}"/>
+                <a16:creationId xmlns="" xmlns:a16="http://schemas.microsoft.com/office/drawing/2014/main" id="{16FDB233-B738-8D4E-B43F-750A1A983DE9}"/>
               </a:ext>
             </a:extLst>
           </p:cNvPr>
@@ -8846,7 +8846,7 @@
           <p:cNvPr id="47" name="Picture 46">
             <a:extLst>
               <a:ext uri="{FF2B5EF4-FFF2-40B4-BE49-F238E27FC236}">
-                <a16:creationId xmlns:a16="http://schemas.microsoft.com/office/drawing/2014/main" xmlns="" id="{E394D0E0-025D-644F-82A2-ED215AC1B381}"/>
+                <a16:creationId xmlns="" xmlns:a16="http://schemas.microsoft.com/office/drawing/2014/main" id="{E394D0E0-025D-644F-82A2-ED215AC1B381}"/>
               </a:ext>
             </a:extLst>
           </p:cNvPr>
@@ -8882,7 +8882,7 @@
           <p:cNvPr id="48" name="Picture 47">
             <a:extLst>
               <a:ext uri="{FF2B5EF4-FFF2-40B4-BE49-F238E27FC236}">
-                <a16:creationId xmlns:a16="http://schemas.microsoft.com/office/drawing/2014/main" xmlns="" id="{35E0AA7F-0EA4-224A-92F8-C9A9D5B1B802}"/>
+                <a16:creationId xmlns="" xmlns:a16="http://schemas.microsoft.com/office/drawing/2014/main" id="{35E0AA7F-0EA4-224A-92F8-C9A9D5B1B802}"/>
               </a:ext>
             </a:extLst>
           </p:cNvPr>
@@ -8918,7 +8918,7 @@
           <p:cNvPr id="49" name="Picture 48">
             <a:extLst>
               <a:ext uri="{FF2B5EF4-FFF2-40B4-BE49-F238E27FC236}">
-                <a16:creationId xmlns:a16="http://schemas.microsoft.com/office/drawing/2014/main" xmlns="" id="{A48092AC-915B-524D-9672-FE0826E130E7}"/>
+                <a16:creationId xmlns="" xmlns:a16="http://schemas.microsoft.com/office/drawing/2014/main" id="{A48092AC-915B-524D-9672-FE0826E130E7}"/>
               </a:ext>
             </a:extLst>
           </p:cNvPr>
@@ -8954,7 +8954,7 @@
           <p:cNvPr id="51" name="Picture 50">
             <a:extLst>
               <a:ext uri="{FF2B5EF4-FFF2-40B4-BE49-F238E27FC236}">
-                <a16:creationId xmlns:a16="http://schemas.microsoft.com/office/drawing/2014/main" xmlns="" id="{27E440A9-1FB1-A44A-8917-F3A839BAF906}"/>
+                <a16:creationId xmlns="" xmlns:a16="http://schemas.microsoft.com/office/drawing/2014/main" id="{27E440A9-1FB1-A44A-8917-F3A839BAF906}"/>
               </a:ext>
             </a:extLst>
           </p:cNvPr>
@@ -8990,7 +8990,7 @@
           <p:cNvPr id="52" name="Picture 51">
             <a:extLst>
               <a:ext uri="{FF2B5EF4-FFF2-40B4-BE49-F238E27FC236}">
-                <a16:creationId xmlns:a16="http://schemas.microsoft.com/office/drawing/2014/main" xmlns="" id="{FFFF220F-F683-2F48-A73D-6A41401B0D05}"/>
+                <a16:creationId xmlns="" xmlns:a16="http://schemas.microsoft.com/office/drawing/2014/main" id="{FFFF220F-F683-2F48-A73D-6A41401B0D05}"/>
               </a:ext>
             </a:extLst>
           </p:cNvPr>
@@ -9026,7 +9026,7 @@
           <p:cNvPr id="53" name="Picture 52">
             <a:extLst>
               <a:ext uri="{FF2B5EF4-FFF2-40B4-BE49-F238E27FC236}">
-                <a16:creationId xmlns:a16="http://schemas.microsoft.com/office/drawing/2014/main" xmlns="" id="{FC96BF3C-2C18-7E4E-AADA-8075C799317A}"/>
+                <a16:creationId xmlns="" xmlns:a16="http://schemas.microsoft.com/office/drawing/2014/main" id="{FC96BF3C-2C18-7E4E-AADA-8075C799317A}"/>
               </a:ext>
             </a:extLst>
           </p:cNvPr>
@@ -9062,7 +9062,7 @@
           <p:cNvPr id="54" name="Content Placeholder 52">
             <a:extLst>
               <a:ext uri="{FF2B5EF4-FFF2-40B4-BE49-F238E27FC236}">
-                <a16:creationId xmlns:a16="http://schemas.microsoft.com/office/drawing/2014/main" xmlns="" id="{8184E9DC-A05F-994B-8D0E-6F0964DE93A1}"/>
+                <a16:creationId xmlns="" xmlns:a16="http://schemas.microsoft.com/office/drawing/2014/main" id="{8184E9DC-A05F-994B-8D0E-6F0964DE93A1}"/>
               </a:ext>
             </a:extLst>
           </p:cNvPr>
@@ -9327,7 +9327,7 @@
           <p:cNvPr id="37" name="Content Placeholder 52">
             <a:extLst>
               <a:ext uri="{FF2B5EF4-FFF2-40B4-BE49-F238E27FC236}">
-                <a16:creationId xmlns:a16="http://schemas.microsoft.com/office/drawing/2014/main" xmlns="" id="{A1F29D74-7F07-D84E-B102-930FD141E5B9}"/>
+                <a16:creationId xmlns="" xmlns:a16="http://schemas.microsoft.com/office/drawing/2014/main" id="{A1F29D74-7F07-D84E-B102-930FD141E5B9}"/>
               </a:ext>
             </a:extLst>
           </p:cNvPr>
@@ -9563,7 +9563,7 @@
           <p:cNvPr id="38" name="Picture 37">
             <a:extLst>
               <a:ext uri="{FF2B5EF4-FFF2-40B4-BE49-F238E27FC236}">
-                <a16:creationId xmlns:a16="http://schemas.microsoft.com/office/drawing/2014/main" xmlns="" id="{B4EE7BA3-3882-054B-9C71-4C6C9D45BBC3}"/>
+                <a16:creationId xmlns="" xmlns:a16="http://schemas.microsoft.com/office/drawing/2014/main" id="{B4EE7BA3-3882-054B-9C71-4C6C9D45BBC3}"/>
               </a:ext>
             </a:extLst>
           </p:cNvPr>
@@ -9600,7 +9600,7 @@
             <a:hlinkClick r:id="rId3"/>
             <a:extLst>
               <a:ext uri="{FF2B5EF4-FFF2-40B4-BE49-F238E27FC236}">
-                <a16:creationId xmlns:a16="http://schemas.microsoft.com/office/drawing/2014/main" xmlns="" id="{8ECC0D63-20D7-0343-86D0-A87AE2BB8F87}"/>
+                <a16:creationId xmlns="" xmlns:a16="http://schemas.microsoft.com/office/drawing/2014/main" id="{8ECC0D63-20D7-0343-86D0-A87AE2BB8F87}"/>
               </a:ext>
             </a:extLst>
           </p:cNvPr>
@@ -9659,7 +9659,7 @@
             <a:hlinkClick r:id="rId2"/>
             <a:extLst>
               <a:ext uri="{FF2B5EF4-FFF2-40B4-BE49-F238E27FC236}">
-                <a16:creationId xmlns:a16="http://schemas.microsoft.com/office/drawing/2014/main" xmlns="" id="{B01DB6F7-4A56-E648-8CE4-FB8C132141F4}"/>
+                <a16:creationId xmlns="" xmlns:a16="http://schemas.microsoft.com/office/drawing/2014/main" id="{B01DB6F7-4A56-E648-8CE4-FB8C132141F4}"/>
               </a:ext>
             </a:extLst>
           </p:cNvPr>
@@ -9747,7 +9747,7 @@
           <p:cNvPr id="86" name="Rectangle 85">
             <a:extLst>
               <a:ext uri="{FF2B5EF4-FFF2-40B4-BE49-F238E27FC236}">
-                <a16:creationId xmlns:a16="http://schemas.microsoft.com/office/drawing/2014/main" xmlns="" id="{EDB109D6-5BF6-5E42-A1C1-45B238B41A7E}"/>
+                <a16:creationId xmlns="" xmlns:a16="http://schemas.microsoft.com/office/drawing/2014/main" id="{EDB109D6-5BF6-5E42-A1C1-45B238B41A7E}"/>
               </a:ext>
             </a:extLst>
           </p:cNvPr>
@@ -9809,7 +9809,7 @@
           <p:cNvPr id="131" name="Rectangle 1">
             <a:extLst>
               <a:ext uri="{FF2B5EF4-FFF2-40B4-BE49-F238E27FC236}">
-                <a16:creationId xmlns:a16="http://schemas.microsoft.com/office/drawing/2014/main" xmlns="" id="{D03E41E1-380E-DF4A-8F15-AB2EAE2322B9}"/>
+                <a16:creationId xmlns="" xmlns:a16="http://schemas.microsoft.com/office/drawing/2014/main" id="{D03E41E1-380E-DF4A-8F15-AB2EAE2322B9}"/>
               </a:ext>
             </a:extLst>
           </p:cNvPr>
@@ -10058,7 +10058,7 @@
           <p:cNvPr id="89" name="Rectangle 88">
             <a:extLst>
               <a:ext uri="{FF2B5EF4-FFF2-40B4-BE49-F238E27FC236}">
-                <a16:creationId xmlns:a16="http://schemas.microsoft.com/office/drawing/2014/main" xmlns="" id="{EFCB9C4D-5246-B743-853A-FA66CEE7DE4D}"/>
+                <a16:creationId xmlns="" xmlns:a16="http://schemas.microsoft.com/office/drawing/2014/main" id="{EFCB9C4D-5246-B743-853A-FA66CEE7DE4D}"/>
               </a:ext>
             </a:extLst>
           </p:cNvPr>
@@ -10110,7 +10110,7 @@
           <p:cNvPr id="93" name="Triangle 92">
             <a:extLst>
               <a:ext uri="{FF2B5EF4-FFF2-40B4-BE49-F238E27FC236}">
-                <a16:creationId xmlns:a16="http://schemas.microsoft.com/office/drawing/2014/main" xmlns="" id="{0D72A147-C32E-C540-8F80-59F865637BB1}"/>
+                <a16:creationId xmlns="" xmlns:a16="http://schemas.microsoft.com/office/drawing/2014/main" id="{0D72A147-C32E-C540-8F80-59F865637BB1}"/>
               </a:ext>
             </a:extLst>
           </p:cNvPr>
@@ -10165,7 +10165,7 @@
             <a:hlinkClick r:id="rId2"/>
             <a:extLst>
               <a:ext uri="{FF2B5EF4-FFF2-40B4-BE49-F238E27FC236}">
-                <a16:creationId xmlns:a16="http://schemas.microsoft.com/office/drawing/2014/main" xmlns="" id="{0A03D419-B4E4-A341-8258-BAF4FC5373B4}"/>
+                <a16:creationId xmlns="" xmlns:a16="http://schemas.microsoft.com/office/drawing/2014/main" id="{0A03D419-B4E4-A341-8258-BAF4FC5373B4}"/>
               </a:ext>
             </a:extLst>
           </p:cNvPr>
@@ -10228,7 +10228,7 @@
           <p:cNvPr id="95" name="Group 94">
             <a:extLst>
               <a:ext uri="{FF2B5EF4-FFF2-40B4-BE49-F238E27FC236}">
-                <a16:creationId xmlns:a16="http://schemas.microsoft.com/office/drawing/2014/main" xmlns="" id="{89E75E57-B1BB-1043-92B1-2837059A39CF}"/>
+                <a16:creationId xmlns="" xmlns:a16="http://schemas.microsoft.com/office/drawing/2014/main" id="{89E75E57-B1BB-1043-92B1-2837059A39CF}"/>
               </a:ext>
             </a:extLst>
           </p:cNvPr>
@@ -10248,7 +10248,7 @@
             <p:cNvPr id="96" name="Rounded Rectangle 95">
               <a:extLst>
                 <a:ext uri="{FF2B5EF4-FFF2-40B4-BE49-F238E27FC236}">
-                  <a16:creationId xmlns:a16="http://schemas.microsoft.com/office/drawing/2014/main" xmlns="" id="{C571F53C-F9A8-D34F-89E9-D59834F26F2A}"/>
+                  <a16:creationId xmlns="" xmlns:a16="http://schemas.microsoft.com/office/drawing/2014/main" id="{C571F53C-F9A8-D34F-89E9-D59834F26F2A}"/>
                 </a:ext>
               </a:extLst>
             </p:cNvPr>
@@ -10301,7 +10301,7 @@
               <a:hlinkClick r:id="rId3"/>
               <a:extLst>
                 <a:ext uri="{FF2B5EF4-FFF2-40B4-BE49-F238E27FC236}">
-                  <a16:creationId xmlns:a16="http://schemas.microsoft.com/office/drawing/2014/main" xmlns="" id="{BCCC18FD-7037-504F-B7DD-009E93D5CFC5}"/>
+                  <a16:creationId xmlns="" xmlns:a16="http://schemas.microsoft.com/office/drawing/2014/main" id="{BCCC18FD-7037-504F-B7DD-009E93D5CFC5}"/>
                 </a:ext>
               </a:extLst>
             </p:cNvPr>
@@ -10353,7 +10353,7 @@
             <a:hlinkClick r:id="rId3"/>
             <a:extLst>
               <a:ext uri="{FF2B5EF4-FFF2-40B4-BE49-F238E27FC236}">
-                <a16:creationId xmlns:a16="http://schemas.microsoft.com/office/drawing/2014/main" xmlns="" id="{31AA4A0D-C979-ED41-9053-191689A53F33}"/>
+                <a16:creationId xmlns="" xmlns:a16="http://schemas.microsoft.com/office/drawing/2014/main" id="{31AA4A0D-C979-ED41-9053-191689A53F33}"/>
               </a:ext>
             </a:extLst>
           </p:cNvPr>
@@ -10416,7 +10416,7 @@
           <p:cNvPr id="105" name="Group 104">
             <a:extLst>
               <a:ext uri="{FF2B5EF4-FFF2-40B4-BE49-F238E27FC236}">
-                <a16:creationId xmlns:a16="http://schemas.microsoft.com/office/drawing/2014/main" xmlns="" id="{7BF00640-0851-4A4E-8179-1BD384D8F525}"/>
+                <a16:creationId xmlns="" xmlns:a16="http://schemas.microsoft.com/office/drawing/2014/main" id="{7BF00640-0851-4A4E-8179-1BD384D8F525}"/>
               </a:ext>
             </a:extLst>
           </p:cNvPr>
@@ -10436,7 +10436,7 @@
             <p:cNvPr id="106" name="Rounded Rectangle 105">
               <a:extLst>
                 <a:ext uri="{FF2B5EF4-FFF2-40B4-BE49-F238E27FC236}">
-                  <a16:creationId xmlns:a16="http://schemas.microsoft.com/office/drawing/2014/main" xmlns="" id="{5AA2B150-5004-364C-910A-A392CD7A853A}"/>
+                  <a16:creationId xmlns="" xmlns:a16="http://schemas.microsoft.com/office/drawing/2014/main" id="{5AA2B150-5004-364C-910A-A392CD7A853A}"/>
                 </a:ext>
               </a:extLst>
             </p:cNvPr>
@@ -10489,7 +10489,7 @@
               <a:hlinkClick r:id="rId3"/>
               <a:extLst>
                 <a:ext uri="{FF2B5EF4-FFF2-40B4-BE49-F238E27FC236}">
-                  <a16:creationId xmlns:a16="http://schemas.microsoft.com/office/drawing/2014/main" xmlns="" id="{91AD4506-A6D6-124C-97E7-7D3DF0EBA900}"/>
+                  <a16:creationId xmlns="" xmlns:a16="http://schemas.microsoft.com/office/drawing/2014/main" id="{91AD4506-A6D6-124C-97E7-7D3DF0EBA900}"/>
                 </a:ext>
               </a:extLst>
             </p:cNvPr>
@@ -10548,7 +10548,7 @@
           <p:cNvPr id="122" name="Picture 121">
             <a:extLst>
               <a:ext uri="{FF2B5EF4-FFF2-40B4-BE49-F238E27FC236}">
-                <a16:creationId xmlns:a16="http://schemas.microsoft.com/office/drawing/2014/main" xmlns="" id="{B221A555-3C2F-E94D-96E4-6FC85564B891}"/>
+                <a16:creationId xmlns="" xmlns:a16="http://schemas.microsoft.com/office/drawing/2014/main" id="{B221A555-3C2F-E94D-96E4-6FC85564B891}"/>
               </a:ext>
             </a:extLst>
           </p:cNvPr>
@@ -10584,7 +10584,7 @@
           <p:cNvPr id="129" name="Title 24">
             <a:extLst>
               <a:ext uri="{FF2B5EF4-FFF2-40B4-BE49-F238E27FC236}">
-                <a16:creationId xmlns:a16="http://schemas.microsoft.com/office/drawing/2014/main" xmlns="" id="{C9C5C095-FA83-CE44-8BA2-FB0F4CF430D7}"/>
+                <a16:creationId xmlns="" xmlns:a16="http://schemas.microsoft.com/office/drawing/2014/main" id="{C9C5C095-FA83-CE44-8BA2-FB0F4CF430D7}"/>
               </a:ext>
             </a:extLst>
           </p:cNvPr>
@@ -10644,7 +10644,7 @@
           <p:cNvPr id="135" name="Straight Connector 134">
             <a:extLst>
               <a:ext uri="{FF2B5EF4-FFF2-40B4-BE49-F238E27FC236}">
-                <a16:creationId xmlns:a16="http://schemas.microsoft.com/office/drawing/2014/main" xmlns="" id="{FF6AB179-2926-4D40-A4DD-8BB1E9EAEA7D}"/>
+                <a16:creationId xmlns="" xmlns:a16="http://schemas.microsoft.com/office/drawing/2014/main" id="{FF6AB179-2926-4D40-A4DD-8BB1E9EAEA7D}"/>
               </a:ext>
             </a:extLst>
           </p:cNvPr>
@@ -10685,7 +10685,7 @@
           <p:cNvPr id="41" name="Content Placeholder 52">
             <a:extLst>
               <a:ext uri="{FF2B5EF4-FFF2-40B4-BE49-F238E27FC236}">
-                <a16:creationId xmlns:a16="http://schemas.microsoft.com/office/drawing/2014/main" xmlns="" id="{03870E7E-5F8D-F64D-B6CF-AC70B18948A2}"/>
+                <a16:creationId xmlns="" xmlns:a16="http://schemas.microsoft.com/office/drawing/2014/main" id="{03870E7E-5F8D-F64D-B6CF-AC70B18948A2}"/>
               </a:ext>
             </a:extLst>
           </p:cNvPr>
@@ -10935,7 +10935,7 @@
           <p:cNvPr id="42" name="Content Placeholder 52">
             <a:extLst>
               <a:ext uri="{FF2B5EF4-FFF2-40B4-BE49-F238E27FC236}">
-                <a16:creationId xmlns:a16="http://schemas.microsoft.com/office/drawing/2014/main" xmlns="" id="{95FE5B9D-9272-3841-9EE5-9D5A046A1FF7}"/>
+                <a16:creationId xmlns="" xmlns:a16="http://schemas.microsoft.com/office/drawing/2014/main" id="{95FE5B9D-9272-3841-9EE5-9D5A046A1FF7}"/>
               </a:ext>
             </a:extLst>
           </p:cNvPr>
@@ -11171,7 +11171,7 @@
           <p:cNvPr id="43" name="Content Placeholder 52">
             <a:extLst>
               <a:ext uri="{FF2B5EF4-FFF2-40B4-BE49-F238E27FC236}">
-                <a16:creationId xmlns:a16="http://schemas.microsoft.com/office/drawing/2014/main" xmlns="" id="{8C3392A2-7BEC-C643-A397-ACB0C15BDDE1}"/>
+                <a16:creationId xmlns="" xmlns:a16="http://schemas.microsoft.com/office/drawing/2014/main" id="{8C3392A2-7BEC-C643-A397-ACB0C15BDDE1}"/>
               </a:ext>
             </a:extLst>
           </p:cNvPr>
@@ -11406,7 +11406,7 @@
           <p:cNvPr id="44" name="Content Placeholder 52">
             <a:extLst>
               <a:ext uri="{FF2B5EF4-FFF2-40B4-BE49-F238E27FC236}">
-                <a16:creationId xmlns:a16="http://schemas.microsoft.com/office/drawing/2014/main" xmlns="" id="{5BF202D4-4239-7E4F-93CD-8E57B0E44847}"/>
+                <a16:creationId xmlns="" xmlns:a16="http://schemas.microsoft.com/office/drawing/2014/main" id="{5BF202D4-4239-7E4F-93CD-8E57B0E44847}"/>
               </a:ext>
             </a:extLst>
           </p:cNvPr>
@@ -11650,7 +11650,7 @@
           <p:cNvPr id="46" name="Content Placeholder 52">
             <a:extLst>
               <a:ext uri="{FF2B5EF4-FFF2-40B4-BE49-F238E27FC236}">
-                <a16:creationId xmlns:a16="http://schemas.microsoft.com/office/drawing/2014/main" xmlns="" id="{16FDB233-B738-8D4E-B43F-750A1A983DE9}"/>
+                <a16:creationId xmlns="" xmlns:a16="http://schemas.microsoft.com/office/drawing/2014/main" id="{16FDB233-B738-8D4E-B43F-750A1A983DE9}"/>
               </a:ext>
             </a:extLst>
           </p:cNvPr>
@@ -11886,7 +11886,7 @@
           <p:cNvPr id="47" name="Picture 46">
             <a:extLst>
               <a:ext uri="{FF2B5EF4-FFF2-40B4-BE49-F238E27FC236}">
-                <a16:creationId xmlns:a16="http://schemas.microsoft.com/office/drawing/2014/main" xmlns="" id="{E394D0E0-025D-644F-82A2-ED215AC1B381}"/>
+                <a16:creationId xmlns="" xmlns:a16="http://schemas.microsoft.com/office/drawing/2014/main" id="{E394D0E0-025D-644F-82A2-ED215AC1B381}"/>
               </a:ext>
             </a:extLst>
           </p:cNvPr>
@@ -11922,7 +11922,7 @@
           <p:cNvPr id="48" name="Picture 47">
             <a:extLst>
               <a:ext uri="{FF2B5EF4-FFF2-40B4-BE49-F238E27FC236}">
-                <a16:creationId xmlns:a16="http://schemas.microsoft.com/office/drawing/2014/main" xmlns="" id="{35E0AA7F-0EA4-224A-92F8-C9A9D5B1B802}"/>
+                <a16:creationId xmlns="" xmlns:a16="http://schemas.microsoft.com/office/drawing/2014/main" id="{35E0AA7F-0EA4-224A-92F8-C9A9D5B1B802}"/>
               </a:ext>
             </a:extLst>
           </p:cNvPr>
@@ -11958,7 +11958,7 @@
           <p:cNvPr id="49" name="Picture 48">
             <a:extLst>
               <a:ext uri="{FF2B5EF4-FFF2-40B4-BE49-F238E27FC236}">
-                <a16:creationId xmlns:a16="http://schemas.microsoft.com/office/drawing/2014/main" xmlns="" id="{A48092AC-915B-524D-9672-FE0826E130E7}"/>
+                <a16:creationId xmlns="" xmlns:a16="http://schemas.microsoft.com/office/drawing/2014/main" id="{A48092AC-915B-524D-9672-FE0826E130E7}"/>
               </a:ext>
             </a:extLst>
           </p:cNvPr>
@@ -11994,7 +11994,7 @@
           <p:cNvPr id="51" name="Picture 50">
             <a:extLst>
               <a:ext uri="{FF2B5EF4-FFF2-40B4-BE49-F238E27FC236}">
-                <a16:creationId xmlns:a16="http://schemas.microsoft.com/office/drawing/2014/main" xmlns="" id="{27E440A9-1FB1-A44A-8917-F3A839BAF906}"/>
+                <a16:creationId xmlns="" xmlns:a16="http://schemas.microsoft.com/office/drawing/2014/main" id="{27E440A9-1FB1-A44A-8917-F3A839BAF906}"/>
               </a:ext>
             </a:extLst>
           </p:cNvPr>
@@ -12030,7 +12030,7 @@
           <p:cNvPr id="52" name="Picture 51">
             <a:extLst>
               <a:ext uri="{FF2B5EF4-FFF2-40B4-BE49-F238E27FC236}">
-                <a16:creationId xmlns:a16="http://schemas.microsoft.com/office/drawing/2014/main" xmlns="" id="{FFFF220F-F683-2F48-A73D-6A41401B0D05}"/>
+                <a16:creationId xmlns="" xmlns:a16="http://schemas.microsoft.com/office/drawing/2014/main" id="{FFFF220F-F683-2F48-A73D-6A41401B0D05}"/>
               </a:ext>
             </a:extLst>
           </p:cNvPr>
@@ -12066,7 +12066,7 @@
           <p:cNvPr id="53" name="Picture 52">
             <a:extLst>
               <a:ext uri="{FF2B5EF4-FFF2-40B4-BE49-F238E27FC236}">
-                <a16:creationId xmlns:a16="http://schemas.microsoft.com/office/drawing/2014/main" xmlns="" id="{FC96BF3C-2C18-7E4E-AADA-8075C799317A}"/>
+                <a16:creationId xmlns="" xmlns:a16="http://schemas.microsoft.com/office/drawing/2014/main" id="{FC96BF3C-2C18-7E4E-AADA-8075C799317A}"/>
               </a:ext>
             </a:extLst>
           </p:cNvPr>
@@ -12102,7 +12102,7 @@
           <p:cNvPr id="54" name="Content Placeholder 52">
             <a:extLst>
               <a:ext uri="{FF2B5EF4-FFF2-40B4-BE49-F238E27FC236}">
-                <a16:creationId xmlns:a16="http://schemas.microsoft.com/office/drawing/2014/main" xmlns="" id="{8184E9DC-A05F-994B-8D0E-6F0964DE93A1}"/>
+                <a16:creationId xmlns="" xmlns:a16="http://schemas.microsoft.com/office/drawing/2014/main" id="{8184E9DC-A05F-994B-8D0E-6F0964DE93A1}"/>
               </a:ext>
             </a:extLst>
           </p:cNvPr>
@@ -12367,7 +12367,7 @@
           <p:cNvPr id="37" name="Content Placeholder 52">
             <a:extLst>
               <a:ext uri="{FF2B5EF4-FFF2-40B4-BE49-F238E27FC236}">
-                <a16:creationId xmlns:a16="http://schemas.microsoft.com/office/drawing/2014/main" xmlns="" id="{A1F29D74-7F07-D84E-B102-930FD141E5B9}"/>
+                <a16:creationId xmlns="" xmlns:a16="http://schemas.microsoft.com/office/drawing/2014/main" id="{A1F29D74-7F07-D84E-B102-930FD141E5B9}"/>
               </a:ext>
             </a:extLst>
           </p:cNvPr>
@@ -12603,7 +12603,7 @@
           <p:cNvPr id="38" name="Picture 37">
             <a:extLst>
               <a:ext uri="{FF2B5EF4-FFF2-40B4-BE49-F238E27FC236}">
-                <a16:creationId xmlns:a16="http://schemas.microsoft.com/office/drawing/2014/main" xmlns="" id="{B4EE7BA3-3882-054B-9C71-4C6C9D45BBC3}"/>
+                <a16:creationId xmlns="" xmlns:a16="http://schemas.microsoft.com/office/drawing/2014/main" id="{B4EE7BA3-3882-054B-9C71-4C6C9D45BBC3}"/>
               </a:ext>
             </a:extLst>
           </p:cNvPr>
@@ -12639,7 +12639,7 @@
           <p:cNvPr id="63" name="Hexagon 5">
             <a:extLst>
               <a:ext uri="{FF2B5EF4-FFF2-40B4-BE49-F238E27FC236}">
-                <a16:creationId xmlns:a16="http://schemas.microsoft.com/office/drawing/2014/main" xmlns="" id="{364503C3-2EEB-304D-8F5A-656CAD26AC38}"/>
+                <a16:creationId xmlns="" xmlns:a16="http://schemas.microsoft.com/office/drawing/2014/main" id="{364503C3-2EEB-304D-8F5A-656CAD26AC38}"/>
               </a:ext>
             </a:extLst>
           </p:cNvPr>
@@ -12909,7 +12909,7 @@
           <p:cNvPr id="64" name="Picture 63">
             <a:extLst>
               <a:ext uri="{FF2B5EF4-FFF2-40B4-BE49-F238E27FC236}">
-                <a16:creationId xmlns:a16="http://schemas.microsoft.com/office/drawing/2014/main" xmlns="" id="{6241EA04-8B95-A04D-BFAA-ECA5355B2F83}"/>
+                <a16:creationId xmlns="" xmlns:a16="http://schemas.microsoft.com/office/drawing/2014/main" id="{6241EA04-8B95-A04D-BFAA-ECA5355B2F83}"/>
               </a:ext>
             </a:extLst>
           </p:cNvPr>
@@ -12946,7 +12946,7 @@
             <a:hlinkClick r:id="rId12"/>
             <a:extLst>
               <a:ext uri="{FF2B5EF4-FFF2-40B4-BE49-F238E27FC236}">
-                <a16:creationId xmlns:a16="http://schemas.microsoft.com/office/drawing/2014/main" xmlns="" id="{242972D4-E45D-4C48-98B1-E9B8928925A8}"/>
+                <a16:creationId xmlns="" xmlns:a16="http://schemas.microsoft.com/office/drawing/2014/main" id="{242972D4-E45D-4C48-98B1-E9B8928925A8}"/>
               </a:ext>
             </a:extLst>
           </p:cNvPr>
@@ -13009,7 +13009,7 @@
           <p:cNvPr id="68" name="Content Placeholder 52">
             <a:extLst>
               <a:ext uri="{FF2B5EF4-FFF2-40B4-BE49-F238E27FC236}">
-                <a16:creationId xmlns:a16="http://schemas.microsoft.com/office/drawing/2014/main" xmlns="" id="{B59D4673-E8B1-2C49-81BA-06195A220AB1}"/>
+                <a16:creationId xmlns="" xmlns:a16="http://schemas.microsoft.com/office/drawing/2014/main" id="{B59D4673-E8B1-2C49-81BA-06195A220AB1}"/>
               </a:ext>
             </a:extLst>
           </p:cNvPr>
@@ -13215,7 +13215,7 @@
             <a:hlinkClick r:id="rId12"/>
             <a:extLst>
               <a:ext uri="{FF2B5EF4-FFF2-40B4-BE49-F238E27FC236}">
-                <a16:creationId xmlns:a16="http://schemas.microsoft.com/office/drawing/2014/main" xmlns="" id="{E8323CE4-5234-8142-9DE4-A809DB291451}"/>
+                <a16:creationId xmlns="" xmlns:a16="http://schemas.microsoft.com/office/drawing/2014/main" id="{E8323CE4-5234-8142-9DE4-A809DB291451}"/>
               </a:ext>
             </a:extLst>
           </p:cNvPr>
@@ -13274,7 +13274,7 @@
             <a:hlinkClick r:id="rId3"/>
             <a:extLst>
               <a:ext uri="{FF2B5EF4-FFF2-40B4-BE49-F238E27FC236}">
-                <a16:creationId xmlns:a16="http://schemas.microsoft.com/office/drawing/2014/main" xmlns="" id="{6C78789D-668C-3346-9A82-AE9B686AF055}"/>
+                <a16:creationId xmlns="" xmlns:a16="http://schemas.microsoft.com/office/drawing/2014/main" id="{6C78789D-668C-3346-9A82-AE9B686AF055}"/>
               </a:ext>
             </a:extLst>
           </p:cNvPr>
@@ -13333,7 +13333,7 @@
             <a:hlinkClick r:id="rId2"/>
             <a:extLst>
               <a:ext uri="{FF2B5EF4-FFF2-40B4-BE49-F238E27FC236}">
-                <a16:creationId xmlns:a16="http://schemas.microsoft.com/office/drawing/2014/main" xmlns="" id="{B054C5B9-06BF-FE44-99FF-F2FA5C20AC60}"/>
+                <a16:creationId xmlns="" xmlns:a16="http://schemas.microsoft.com/office/drawing/2014/main" id="{B054C5B9-06BF-FE44-99FF-F2FA5C20AC60}"/>
               </a:ext>
             </a:extLst>
           </p:cNvPr>
@@ -15573,7 +15573,7 @@
           <p:cNvPr id="14" name="Slide Number Placeholder 5">
             <a:extLst>
               <a:ext uri="{FF2B5EF4-FFF2-40B4-BE49-F238E27FC236}">
-                <a16:creationId xmlns:a16="http://schemas.microsoft.com/office/drawing/2014/main" xmlns="" id="{D6A5EA0A-9DA9-564F-8F7D-CF263DB84C39}"/>
+                <a16:creationId xmlns="" xmlns:a16="http://schemas.microsoft.com/office/drawing/2014/main" id="{D6A5EA0A-9DA9-564F-8F7D-CF263DB84C39}"/>
               </a:ext>
             </a:extLst>
           </p:cNvPr>
@@ -15711,7 +15711,7 @@
           <p:cNvPr id="21" name="Straight Connector 20">
             <a:extLst>
               <a:ext uri="{FF2B5EF4-FFF2-40B4-BE49-F238E27FC236}">
-                <a16:creationId xmlns:a16="http://schemas.microsoft.com/office/drawing/2014/main" xmlns="" id="{F4443C96-B82D-F449-A71B-02134B6BB207}"/>
+                <a16:creationId xmlns="" xmlns:a16="http://schemas.microsoft.com/office/drawing/2014/main" id="{F4443C96-B82D-F449-A71B-02134B6BB207}"/>
               </a:ext>
             </a:extLst>
           </p:cNvPr>
@@ -15797,7 +15797,7 @@
           <p:cNvPr id="6" name="Picture 5">
             <a:extLst>
               <a:ext uri="{FF2B5EF4-FFF2-40B4-BE49-F238E27FC236}">
-                <a16:creationId xmlns:a16="http://schemas.microsoft.com/office/drawing/2014/main" xmlns="" id="{FFB611C2-DDCE-7F48-9E56-C0AF82F39DC1}"/>
+                <a16:creationId xmlns="" xmlns:a16="http://schemas.microsoft.com/office/drawing/2014/main" id="{FFB611C2-DDCE-7F48-9E56-C0AF82F39DC1}"/>
               </a:ext>
             </a:extLst>
           </p:cNvPr>
@@ -17143,7 +17143,7 @@
           <p:cNvPr id="15" name="Group 14">
             <a:extLst>
               <a:ext uri="{FF2B5EF4-FFF2-40B4-BE49-F238E27FC236}">
-                <a16:creationId xmlns:a16="http://schemas.microsoft.com/office/drawing/2014/main" xmlns="" id="{15BC43EA-EC65-9B4E-800D-0F0DF0929470}"/>
+                <a16:creationId xmlns="" xmlns:a16="http://schemas.microsoft.com/office/drawing/2014/main" id="{15BC43EA-EC65-9B4E-800D-0F0DF0929470}"/>
               </a:ext>
             </a:extLst>
           </p:cNvPr>
@@ -17163,7 +17163,7 @@
             <p:cNvPr id="16" name="Picture 15">
               <a:extLst>
                 <a:ext uri="{FF2B5EF4-FFF2-40B4-BE49-F238E27FC236}">
-                  <a16:creationId xmlns:a16="http://schemas.microsoft.com/office/drawing/2014/main" xmlns="" id="{33D843E7-E97C-394E-B834-687499FC1D14}"/>
+                  <a16:creationId xmlns="" xmlns:a16="http://schemas.microsoft.com/office/drawing/2014/main" id="{33D843E7-E97C-394E-B834-687499FC1D14}"/>
                 </a:ext>
               </a:extLst>
             </p:cNvPr>
@@ -17200,7 +17200,7 @@
             <p:cNvPr id="17" name="Picture 16">
               <a:extLst>
                 <a:ext uri="{FF2B5EF4-FFF2-40B4-BE49-F238E27FC236}">
-                  <a16:creationId xmlns:a16="http://schemas.microsoft.com/office/drawing/2014/main" xmlns="" id="{62FF445E-CBEC-7446-878C-D56FDB709BE5}"/>
+                  <a16:creationId xmlns="" xmlns:a16="http://schemas.microsoft.com/office/drawing/2014/main" id="{62FF445E-CBEC-7446-878C-D56FDB709BE5}"/>
                 </a:ext>
               </a:extLst>
             </p:cNvPr>
@@ -17243,7 +17243,7 @@
             <p:cNvPr id="18" name="Rectangle 17">
               <a:extLst>
                 <a:ext uri="{FF2B5EF4-FFF2-40B4-BE49-F238E27FC236}">
-                  <a16:creationId xmlns:a16="http://schemas.microsoft.com/office/drawing/2014/main" xmlns="" id="{2EDF0AB2-C32D-D543-9E57-25F96D93E28B}"/>
+                  <a16:creationId xmlns="" xmlns:a16="http://schemas.microsoft.com/office/drawing/2014/main" id="{2EDF0AB2-C32D-D543-9E57-25F96D93E28B}"/>
                 </a:ext>
               </a:extLst>
             </p:cNvPr>
@@ -17361,7 +17361,7 @@
           <p:cNvPr id="27" name="TextBox 25">
             <a:extLst>
               <a:ext uri="{FF2B5EF4-FFF2-40B4-BE49-F238E27FC236}">
-                <a16:creationId xmlns="" xmlns:a16="http://schemas.microsoft.com/office/drawing/2014/main" xmlns:lc="http://schemas.openxmlformats.org/drawingml/2006/lockedCanvas" id="{02FBA541-B7B7-48BA-8F04-E0D53532B862}"/>
+                <a16:creationId xmlns:lc="http://schemas.openxmlformats.org/drawingml/2006/lockedCanvas" xmlns:a16="http://schemas.microsoft.com/office/drawing/2014/main" xmlns="" id="{02FBA541-B7B7-48BA-8F04-E0D53532B862}"/>
               </a:ext>
             </a:extLst>
           </p:cNvPr>
@@ -17370,7 +17370,7 @@
         </p:nvSpPr>
         <p:spPr>
           <a:xfrm>
-            <a:off x="8398647" y="2594425"/>
+            <a:off x="8351731" y="1277871"/>
             <a:ext cx="675503" cy="369332"/>
           </a:xfrm>
           <a:prstGeom prst="rect">
@@ -17507,14 +17507,23 @@
             <p:ph type="dt" sz="half" idx="10"/>
           </p:nvPr>
         </p:nvSpPr>
-        <p:spPr/>
+        <p:spPr>
+          <a:xfrm>
+            <a:off x="10032628" y="6994513"/>
+            <a:ext cx="1296144" cy="144016"/>
+          </a:xfrm>
+        </p:spPr>
         <p:txBody>
           <a:bodyPr/>
           <a:lstStyle/>
           <a:p>
             <a:r>
-              <a:rPr lang="en-US" smtClean="0"/>
-              <a:t>Vx.y Jan. 2022</a:t>
+              <a:rPr lang="en-US" dirty="0" err="1" smtClean="0"/>
+              <a:t>Vx.y</a:t>
+            </a:r>
+            <a:r>
+              <a:rPr lang="en-US" dirty="0" smtClean="0"/>
+              <a:t> Jan. 2022</a:t>
             </a:r>
             <a:endParaRPr lang="en-US" dirty="0"/>
           </a:p>
@@ -17530,14 +17539,27 @@
             <p:ph type="ftr" sz="quarter" idx="11"/>
           </p:nvPr>
         </p:nvSpPr>
-        <p:spPr/>
+        <p:spPr>
+          <a:xfrm>
+            <a:off x="98614" y="6686537"/>
+            <a:ext cx="5212080" cy="144016"/>
+          </a:xfrm>
+        </p:spPr>
         <p:txBody>
           <a:bodyPr/>
           <a:lstStyle/>
           <a:p>
             <a:r>
-              <a:rPr lang="en-US" smtClean="0"/>
-              <a:t>© MicroEJ Corp. 2022 - CONFIDENTIAL</a:t>
+              <a:rPr lang="en-US" dirty="0" smtClean="0"/>
+              <a:t>© </a:t>
+            </a:r>
+            <a:r>
+              <a:rPr lang="en-US" dirty="0" err="1" smtClean="0"/>
+              <a:t>MicroEJ</a:t>
+            </a:r>
+            <a:r>
+              <a:rPr lang="en-US" dirty="0" smtClean="0"/>
+              <a:t> Corp. 2022 - CONFIDENTIAL</a:t>
             </a:r>
             <a:endParaRPr lang="en-US" dirty="0"/>
           </a:p>
@@ -17565,19 +17587,7 @@
           <a:p>
             <a:r>
               <a:rPr lang="en-US" dirty="0" smtClean="0"/>
-              <a:t>In-</a:t>
-            </a:r>
-            <a:r>
-              <a:rPr lang="en-US" dirty="0" err="1" smtClean="0"/>
-              <a:t>PlacE</a:t>
-            </a:r>
-            <a:r>
-              <a:rPr lang="en-US" dirty="0"/>
-              <a:t> </a:t>
-            </a:r>
-            <a:r>
-              <a:rPr lang="en-US" dirty="0" smtClean="0"/>
-              <a:t>INSTALLATION</a:t>
+              <a:t>INSTALLATION FLOW</a:t>
             </a:r>
             <a:endParaRPr lang="en-US" dirty="0"/>
           </a:p>
@@ -17591,8 +17601,8 @@
         </p:nvSpPr>
         <p:spPr>
           <a:xfrm>
-            <a:off x="6632203" y="1224521"/>
-            <a:ext cx="1793876" cy="3557029"/>
+            <a:off x="6632203" y="1166701"/>
+            <a:ext cx="1793876" cy="3399066"/>
           </a:xfrm>
           <a:prstGeom prst="roundRect">
             <a:avLst>
@@ -17732,150 +17742,13 @@
       </p:sp>
       <p:sp>
         <p:nvSpPr>
-          <p:cNvPr id="26" name="Rounded Rectangle 25"/>
-          <p:cNvSpPr/>
-          <p:nvPr/>
-        </p:nvSpPr>
-        <p:spPr>
-          <a:xfrm>
-            <a:off x="6748057" y="1343849"/>
-            <a:ext cx="1567847" cy="2255815"/>
-          </a:xfrm>
-          <a:prstGeom prst="roundRect">
-            <a:avLst>
-              <a:gd name="adj" fmla="val 8016"/>
-            </a:avLst>
-          </a:prstGeom>
-          <a:solidFill>
-            <a:schemeClr val="accent1"/>
-          </a:solidFill>
-          <a:ln w="12700">
-            <a:noFill/>
-          </a:ln>
-          <a:effectLst/>
-        </p:spPr>
-        <p:style>
-          <a:lnRef idx="2">
-            <a:schemeClr val="dk1"/>
-          </a:lnRef>
-          <a:fillRef idx="1">
-            <a:schemeClr val="lt1"/>
-          </a:fillRef>
-          <a:effectRef idx="0">
-            <a:schemeClr val="dk1"/>
-          </a:effectRef>
-          <a:fontRef idx="minor">
-            <a:schemeClr val="dk1"/>
-          </a:fontRef>
-        </p:style>
-        <p:txBody>
-          <a:bodyPr wrap="square" tIns="36000" bIns="36000" rtlCol="0" anchor="t" anchorCtr="0">
-            <a:noAutofit/>
-          </a:bodyPr>
-          <a:lstStyle/>
-          <a:p>
-            <a:pPr algn="ctr"/>
-            <a:r>
-              <a:rPr lang="en-US" sz="1200" b="1" i="1" dirty="0">
-                <a:solidFill>
-                  <a:schemeClr val="bg1"/>
-                </a:solidFill>
-                <a:latin typeface="Source Sans Pro Light" charset="0"/>
-                <a:ea typeface="Source Sans Pro Light" charset="0"/>
-                <a:cs typeface="Source Sans Pro Light" charset="0"/>
-              </a:rPr>
-              <a:t>Kernel Working Buffer</a:t>
-            </a:r>
-          </a:p>
-        </p:txBody>
-      </p:sp>
-      <p:sp>
-        <p:nvSpPr>
-          <p:cNvPr id="30" name="Rounded Rectangle 29"/>
-          <p:cNvSpPr/>
-          <p:nvPr/>
-        </p:nvSpPr>
-        <p:spPr>
-          <a:xfrm>
-            <a:off x="6748057" y="3704773"/>
-            <a:ext cx="1567847" cy="977324"/>
-          </a:xfrm>
-          <a:prstGeom prst="roundRect">
-            <a:avLst>
-              <a:gd name="adj" fmla="val 19644"/>
-            </a:avLst>
-          </a:prstGeom>
-          <a:solidFill>
-            <a:srgbClr val="F0B602"/>
-          </a:solidFill>
-          <a:ln w="12700">
-            <a:noFill/>
-          </a:ln>
-          <a:effectLst/>
-        </p:spPr>
-        <p:style>
-          <a:lnRef idx="2">
-            <a:schemeClr val="dk1"/>
-          </a:lnRef>
-          <a:fillRef idx="1">
-            <a:schemeClr val="lt1"/>
-          </a:fillRef>
-          <a:effectRef idx="0">
-            <a:schemeClr val="dk1"/>
-          </a:effectRef>
-          <a:fontRef idx="minor">
-            <a:schemeClr val="dk1"/>
-          </a:fontRef>
-        </p:style>
-        <p:txBody>
-          <a:bodyPr wrap="square" tIns="36000" bIns="36000" rtlCol="0" anchor="t" anchorCtr="0">
-            <a:noAutofit/>
-          </a:bodyPr>
-          <a:lstStyle/>
-          <a:p>
-            <a:pPr algn="ctr"/>
-            <a:r>
-              <a:rPr lang="en-US" sz="1200" b="1" i="1" dirty="0">
-                <a:solidFill>
-                  <a:schemeClr val="bg1"/>
-                </a:solidFill>
-                <a:latin typeface="Source Sans Pro Light" charset="0"/>
-                <a:ea typeface="Source Sans Pro Light" charset="0"/>
-                <a:cs typeface="Source Sans Pro Light" charset="0"/>
-              </a:rPr>
-              <a:t>Java </a:t>
-            </a:r>
-            <a:r>
-              <a:rPr lang="en-US" sz="1200" b="1" i="1" dirty="0" smtClean="0">
-                <a:solidFill>
-                  <a:schemeClr val="bg1"/>
-                </a:solidFill>
-                <a:latin typeface="Source Sans Pro Light" charset="0"/>
-                <a:ea typeface="Source Sans Pro Light" charset="0"/>
-                <a:cs typeface="Source Sans Pro Light" charset="0"/>
-              </a:rPr>
-              <a:t>Heap</a:t>
-            </a:r>
-            <a:endParaRPr lang="en-US" sz="1200" b="1" i="1" dirty="0" smtClean="0">
-              <a:solidFill>
-                <a:schemeClr val="bg1"/>
-              </a:solidFill>
-              <a:latin typeface="Source Sans Pro Light" charset="0"/>
-              <a:ea typeface="Source Sans Pro Light" charset="0"/>
-              <a:cs typeface="Source Sans Pro Light" charset="0"/>
-            </a:endParaRPr>
-          </a:p>
-        </p:txBody>
-      </p:sp>
-      <p:sp>
-        <p:nvSpPr>
           <p:cNvPr id="43" name="Rounded Rectangle 42"/>
           <p:cNvSpPr/>
           <p:nvPr/>
         </p:nvSpPr>
         <p:spPr>
           <a:xfrm>
-            <a:off x="1018111" y="2010816"/>
+            <a:off x="1016173" y="2093041"/>
             <a:ext cx="1473200" cy="2584450"/>
           </a:xfrm>
           <a:prstGeom prst="roundRect">
@@ -18022,7 +17895,7 @@
         </p:nvSpPr>
         <p:spPr>
           <a:xfrm>
-            <a:off x="1123305" y="3351205"/>
+            <a:off x="1121367" y="3433430"/>
             <a:ext cx="1260000" cy="540000"/>
           </a:xfrm>
           <a:prstGeom prst="roundRect">
@@ -18186,7 +18059,7 @@
         </p:nvSpPr>
         <p:spPr>
           <a:xfrm>
-            <a:off x="1124295" y="2724377"/>
+            <a:off x="1122357" y="2806602"/>
             <a:ext cx="1260000" cy="540000"/>
           </a:xfrm>
           <a:prstGeom prst="roundRect">
@@ -18349,7 +18222,7 @@
         </p:nvSpPr>
         <p:spPr>
           <a:xfrm>
-            <a:off x="1123305" y="3975865"/>
+            <a:off x="1121367" y="4058090"/>
             <a:ext cx="1260000" cy="540000"/>
           </a:xfrm>
           <a:prstGeom prst="roundRect">
@@ -18514,7 +18387,7 @@
         </p:nvSpPr>
         <p:spPr>
           <a:xfrm>
-            <a:off x="1124295" y="2100429"/>
+            <a:off x="1122357" y="2182654"/>
             <a:ext cx="1260000" cy="540000"/>
           </a:xfrm>
           <a:prstGeom prst="roundRect">
@@ -18671,665 +18544,10 @@
       </p:sp>
       <p:sp>
         <p:nvSpPr>
-          <p:cNvPr id="56" name="Rounded Rectangle 55"/>
-          <p:cNvSpPr/>
-          <p:nvPr/>
-        </p:nvSpPr>
-        <p:spPr>
-          <a:xfrm>
-            <a:off x="6882100" y="1676669"/>
-            <a:ext cx="1260000" cy="540000"/>
-          </a:xfrm>
-          <a:prstGeom prst="roundRect">
-            <a:avLst>
-              <a:gd name="adj" fmla="val 19644"/>
-            </a:avLst>
-          </a:prstGeom>
-          <a:solidFill>
-            <a:schemeClr val="tx2">
-              <a:lumMod val="60000"/>
-              <a:lumOff val="40000"/>
-            </a:schemeClr>
-          </a:solidFill>
-          <a:ln w="12700">
-            <a:noFill/>
-          </a:ln>
-          <a:effectLst/>
-        </p:spPr>
-        <p:style>
-          <a:lnRef idx="2">
-            <a:schemeClr val="dk1"/>
-          </a:lnRef>
-          <a:fillRef idx="1">
-            <a:schemeClr val="lt1"/>
-          </a:fillRef>
-          <a:effectRef idx="0">
-            <a:schemeClr val="dk1"/>
-          </a:effectRef>
-          <a:fontRef idx="minor">
-            <a:schemeClr val="dk1"/>
-          </a:fontRef>
-        </p:style>
-        <p:txBody>
-          <a:bodyPr wrap="square" tIns="36000" bIns="36000" rtlCol="0" anchor="ctr">
-            <a:noAutofit/>
-          </a:bodyPr>
-          <a:lstStyle>
-            <a:defPPr>
-              <a:defRPr lang="en-US"/>
-            </a:defPPr>
-            <a:lvl1pPr marL="0" algn="l" defTabSz="914377" rtl="0" eaLnBrk="1" latinLnBrk="0" hangingPunct="1">
-              <a:defRPr sz="1800" kern="1200">
-                <a:solidFill>
-                  <a:schemeClr val="dk1"/>
-                </a:solidFill>
-                <a:latin typeface="+mn-lt"/>
-                <a:ea typeface="+mn-ea"/>
-                <a:cs typeface="+mn-cs"/>
-              </a:defRPr>
-            </a:lvl1pPr>
-            <a:lvl2pPr marL="457189" algn="l" defTabSz="914377" rtl="0" eaLnBrk="1" latinLnBrk="0" hangingPunct="1">
-              <a:defRPr sz="1800" kern="1200">
-                <a:solidFill>
-                  <a:schemeClr val="dk1"/>
-                </a:solidFill>
-                <a:latin typeface="+mn-lt"/>
-                <a:ea typeface="+mn-ea"/>
-                <a:cs typeface="+mn-cs"/>
-              </a:defRPr>
-            </a:lvl2pPr>
-            <a:lvl3pPr marL="914377" algn="l" defTabSz="914377" rtl="0" eaLnBrk="1" latinLnBrk="0" hangingPunct="1">
-              <a:defRPr sz="1800" kern="1200">
-                <a:solidFill>
-                  <a:schemeClr val="dk1"/>
-                </a:solidFill>
-                <a:latin typeface="+mn-lt"/>
-                <a:ea typeface="+mn-ea"/>
-                <a:cs typeface="+mn-cs"/>
-              </a:defRPr>
-            </a:lvl3pPr>
-            <a:lvl4pPr marL="1371566" algn="l" defTabSz="914377" rtl="0" eaLnBrk="1" latinLnBrk="0" hangingPunct="1">
-              <a:defRPr sz="1800" kern="1200">
-                <a:solidFill>
-                  <a:schemeClr val="dk1"/>
-                </a:solidFill>
-                <a:latin typeface="+mn-lt"/>
-                <a:ea typeface="+mn-ea"/>
-                <a:cs typeface="+mn-cs"/>
-              </a:defRPr>
-            </a:lvl4pPr>
-            <a:lvl5pPr marL="1828754" algn="l" defTabSz="914377" rtl="0" eaLnBrk="1" latinLnBrk="0" hangingPunct="1">
-              <a:defRPr sz="1800" kern="1200">
-                <a:solidFill>
-                  <a:schemeClr val="dk1"/>
-                </a:solidFill>
-                <a:latin typeface="+mn-lt"/>
-                <a:ea typeface="+mn-ea"/>
-                <a:cs typeface="+mn-cs"/>
-              </a:defRPr>
-            </a:lvl5pPr>
-            <a:lvl6pPr marL="2285943" algn="l" defTabSz="914377" rtl="0" eaLnBrk="1" latinLnBrk="0" hangingPunct="1">
-              <a:defRPr sz="1800" kern="1200">
-                <a:solidFill>
-                  <a:schemeClr val="dk1"/>
-                </a:solidFill>
-                <a:latin typeface="+mn-lt"/>
-                <a:ea typeface="+mn-ea"/>
-                <a:cs typeface="+mn-cs"/>
-              </a:defRPr>
-            </a:lvl6pPr>
-            <a:lvl7pPr marL="2743131" algn="l" defTabSz="914377" rtl="0" eaLnBrk="1" latinLnBrk="0" hangingPunct="1">
-              <a:defRPr sz="1800" kern="1200">
-                <a:solidFill>
-                  <a:schemeClr val="dk1"/>
-                </a:solidFill>
-                <a:latin typeface="+mn-lt"/>
-                <a:ea typeface="+mn-ea"/>
-                <a:cs typeface="+mn-cs"/>
-              </a:defRPr>
-            </a:lvl7pPr>
-            <a:lvl8pPr marL="3200320" algn="l" defTabSz="914377" rtl="0" eaLnBrk="1" latinLnBrk="0" hangingPunct="1">
-              <a:defRPr sz="1800" kern="1200">
-                <a:solidFill>
-                  <a:schemeClr val="dk1"/>
-                </a:solidFill>
-                <a:latin typeface="+mn-lt"/>
-                <a:ea typeface="+mn-ea"/>
-                <a:cs typeface="+mn-cs"/>
-              </a:defRPr>
-            </a:lvl8pPr>
-            <a:lvl9pPr marL="3657509" algn="l" defTabSz="914377" rtl="0" eaLnBrk="1" latinLnBrk="0" hangingPunct="1">
-              <a:defRPr sz="1800" kern="1200">
-                <a:solidFill>
-                  <a:schemeClr val="dk1"/>
-                </a:solidFill>
-                <a:latin typeface="+mn-lt"/>
-                <a:ea typeface="+mn-ea"/>
-                <a:cs typeface="+mn-cs"/>
-              </a:defRPr>
-            </a:lvl9pPr>
-          </a:lstStyle>
-          <a:p>
-            <a:pPr algn="ctr"/>
-            <a:r>
-              <a:rPr lang="en-US" sz="1200" i="1" dirty="0" smtClean="0">
-                <a:solidFill>
-                  <a:schemeClr val="bg1"/>
-                </a:solidFill>
-                <a:latin typeface="Source Sans Pro Light" charset="0"/>
-                <a:ea typeface="Source Sans Pro Light" charset="0"/>
-                <a:cs typeface="Source Sans Pro Light" charset="0"/>
-              </a:rPr>
-              <a:t>RW Data</a:t>
-            </a:r>
-            <a:endParaRPr lang="en-US" sz="1200" i="1" dirty="0">
-              <a:solidFill>
-                <a:schemeClr val="bg1"/>
-              </a:solidFill>
-              <a:latin typeface="Source Sans Pro Light" charset="0"/>
-              <a:ea typeface="Source Sans Pro Light" charset="0"/>
-              <a:cs typeface="Source Sans Pro Light" charset="0"/>
-            </a:endParaRPr>
-          </a:p>
-        </p:txBody>
-      </p:sp>
-      <p:sp>
-        <p:nvSpPr>
-          <p:cNvPr id="57" name="Rounded Rectangle 56"/>
-          <p:cNvSpPr/>
-          <p:nvPr/>
-        </p:nvSpPr>
-        <p:spPr>
-          <a:xfrm>
-            <a:off x="6899337" y="2300496"/>
-            <a:ext cx="1260000" cy="540000"/>
-          </a:xfrm>
-          <a:prstGeom prst="roundRect">
-            <a:avLst>
-              <a:gd name="adj" fmla="val 19644"/>
-            </a:avLst>
-          </a:prstGeom>
-          <a:solidFill>
-            <a:schemeClr val="bg2">
-              <a:lumMod val="50000"/>
-            </a:schemeClr>
-          </a:solidFill>
-          <a:ln w="12700">
-            <a:noFill/>
-          </a:ln>
-          <a:effectLst/>
-        </p:spPr>
-        <p:style>
-          <a:lnRef idx="2">
-            <a:schemeClr val="dk1"/>
-          </a:lnRef>
-          <a:fillRef idx="1">
-            <a:schemeClr val="lt1"/>
-          </a:fillRef>
-          <a:effectRef idx="0">
-            <a:schemeClr val="dk1"/>
-          </a:effectRef>
-          <a:fontRef idx="minor">
-            <a:schemeClr val="dk1"/>
-          </a:fontRef>
-        </p:style>
-        <p:txBody>
-          <a:bodyPr wrap="square" tIns="36000" bIns="36000" rtlCol="0" anchor="ctr">
-            <a:noAutofit/>
-          </a:bodyPr>
-          <a:lstStyle>
-            <a:defPPr>
-              <a:defRPr lang="en-US"/>
-            </a:defPPr>
-            <a:lvl1pPr marL="0" algn="l" defTabSz="914377" rtl="0" eaLnBrk="1" latinLnBrk="0" hangingPunct="1">
-              <a:defRPr sz="1800" kern="1200">
-                <a:solidFill>
-                  <a:schemeClr val="dk1"/>
-                </a:solidFill>
-                <a:latin typeface="+mn-lt"/>
-                <a:ea typeface="+mn-ea"/>
-                <a:cs typeface="+mn-cs"/>
-              </a:defRPr>
-            </a:lvl1pPr>
-            <a:lvl2pPr marL="457189" algn="l" defTabSz="914377" rtl="0" eaLnBrk="1" latinLnBrk="0" hangingPunct="1">
-              <a:defRPr sz="1800" kern="1200">
-                <a:solidFill>
-                  <a:schemeClr val="dk1"/>
-                </a:solidFill>
-                <a:latin typeface="+mn-lt"/>
-                <a:ea typeface="+mn-ea"/>
-                <a:cs typeface="+mn-cs"/>
-              </a:defRPr>
-            </a:lvl2pPr>
-            <a:lvl3pPr marL="914377" algn="l" defTabSz="914377" rtl="0" eaLnBrk="1" latinLnBrk="0" hangingPunct="1">
-              <a:defRPr sz="1800" kern="1200">
-                <a:solidFill>
-                  <a:schemeClr val="dk1"/>
-                </a:solidFill>
-                <a:latin typeface="+mn-lt"/>
-                <a:ea typeface="+mn-ea"/>
-                <a:cs typeface="+mn-cs"/>
-              </a:defRPr>
-            </a:lvl3pPr>
-            <a:lvl4pPr marL="1371566" algn="l" defTabSz="914377" rtl="0" eaLnBrk="1" latinLnBrk="0" hangingPunct="1">
-              <a:defRPr sz="1800" kern="1200">
-                <a:solidFill>
-                  <a:schemeClr val="dk1"/>
-                </a:solidFill>
-                <a:latin typeface="+mn-lt"/>
-                <a:ea typeface="+mn-ea"/>
-                <a:cs typeface="+mn-cs"/>
-              </a:defRPr>
-            </a:lvl4pPr>
-            <a:lvl5pPr marL="1828754" algn="l" defTabSz="914377" rtl="0" eaLnBrk="1" latinLnBrk="0" hangingPunct="1">
-              <a:defRPr sz="1800" kern="1200">
-                <a:solidFill>
-                  <a:schemeClr val="dk1"/>
-                </a:solidFill>
-                <a:latin typeface="+mn-lt"/>
-                <a:ea typeface="+mn-ea"/>
-                <a:cs typeface="+mn-cs"/>
-              </a:defRPr>
-            </a:lvl5pPr>
-            <a:lvl6pPr marL="2285943" algn="l" defTabSz="914377" rtl="0" eaLnBrk="1" latinLnBrk="0" hangingPunct="1">
-              <a:defRPr sz="1800" kern="1200">
-                <a:solidFill>
-                  <a:schemeClr val="dk1"/>
-                </a:solidFill>
-                <a:latin typeface="+mn-lt"/>
-                <a:ea typeface="+mn-ea"/>
-                <a:cs typeface="+mn-cs"/>
-              </a:defRPr>
-            </a:lvl6pPr>
-            <a:lvl7pPr marL="2743131" algn="l" defTabSz="914377" rtl="0" eaLnBrk="1" latinLnBrk="0" hangingPunct="1">
-              <a:defRPr sz="1800" kern="1200">
-                <a:solidFill>
-                  <a:schemeClr val="dk1"/>
-                </a:solidFill>
-                <a:latin typeface="+mn-lt"/>
-                <a:ea typeface="+mn-ea"/>
-                <a:cs typeface="+mn-cs"/>
-              </a:defRPr>
-            </a:lvl7pPr>
-            <a:lvl8pPr marL="3200320" algn="l" defTabSz="914377" rtl="0" eaLnBrk="1" latinLnBrk="0" hangingPunct="1">
-              <a:defRPr sz="1800" kern="1200">
-                <a:solidFill>
-                  <a:schemeClr val="dk1"/>
-                </a:solidFill>
-                <a:latin typeface="+mn-lt"/>
-                <a:ea typeface="+mn-ea"/>
-                <a:cs typeface="+mn-cs"/>
-              </a:defRPr>
-            </a:lvl8pPr>
-            <a:lvl9pPr marL="3657509" algn="l" defTabSz="914377" rtl="0" eaLnBrk="1" latinLnBrk="0" hangingPunct="1">
-              <a:defRPr sz="1800" kern="1200">
-                <a:solidFill>
-                  <a:schemeClr val="dk1"/>
-                </a:solidFill>
-                <a:latin typeface="+mn-lt"/>
-                <a:ea typeface="+mn-ea"/>
-                <a:cs typeface="+mn-cs"/>
-              </a:defRPr>
-            </a:lvl9pPr>
-          </a:lstStyle>
-          <a:p>
-            <a:pPr algn="ctr"/>
-            <a:r>
-              <a:rPr lang="en-US" sz="1200" i="1" dirty="0" smtClean="0">
-                <a:solidFill>
-                  <a:schemeClr val="bg1"/>
-                </a:solidFill>
-                <a:latin typeface="Source Sans Pro Light" charset="0"/>
-                <a:ea typeface="Source Sans Pro Light" charset="0"/>
-                <a:cs typeface="Source Sans Pro Light" charset="0"/>
-              </a:rPr>
-              <a:t>RO Data</a:t>
-            </a:r>
-            <a:endParaRPr lang="en-US" sz="1200" i="1" dirty="0">
-              <a:solidFill>
-                <a:schemeClr val="bg1"/>
-              </a:solidFill>
-              <a:latin typeface="Source Sans Pro Light" charset="0"/>
-              <a:ea typeface="Source Sans Pro Light" charset="0"/>
-              <a:cs typeface="Source Sans Pro Light" charset="0"/>
-            </a:endParaRPr>
-          </a:p>
-        </p:txBody>
-      </p:sp>
-      <p:sp>
-        <p:nvSpPr>
-          <p:cNvPr id="58" name="Rounded Rectangle 57"/>
-          <p:cNvSpPr/>
-          <p:nvPr/>
-        </p:nvSpPr>
-        <p:spPr>
-          <a:xfrm>
-            <a:off x="6899337" y="2924323"/>
-            <a:ext cx="1260000" cy="540000"/>
-          </a:xfrm>
-          <a:prstGeom prst="roundRect">
-            <a:avLst>
-              <a:gd name="adj" fmla="val 19644"/>
-            </a:avLst>
-          </a:prstGeom>
-          <a:solidFill>
-            <a:schemeClr val="bg2">
-              <a:lumMod val="25000"/>
-            </a:schemeClr>
-          </a:solidFill>
-          <a:ln w="12700">
-            <a:noFill/>
-          </a:ln>
-          <a:effectLst/>
-        </p:spPr>
-        <p:style>
-          <a:lnRef idx="2">
-            <a:schemeClr val="dk1"/>
-          </a:lnRef>
-          <a:fillRef idx="1">
-            <a:schemeClr val="lt1"/>
-          </a:fillRef>
-          <a:effectRef idx="0">
-            <a:schemeClr val="dk1"/>
-          </a:effectRef>
-          <a:fontRef idx="minor">
-            <a:schemeClr val="dk1"/>
-          </a:fontRef>
-        </p:style>
-        <p:txBody>
-          <a:bodyPr wrap="square" tIns="36000" bIns="36000" rtlCol="0" anchor="ctr">
-            <a:noAutofit/>
-          </a:bodyPr>
-          <a:lstStyle>
-            <a:defPPr>
-              <a:defRPr lang="en-US"/>
-            </a:defPPr>
-            <a:lvl1pPr marL="0" algn="l" defTabSz="914377" rtl="0" eaLnBrk="1" latinLnBrk="0" hangingPunct="1">
-              <a:defRPr sz="1800" kern="1200">
-                <a:solidFill>
-                  <a:schemeClr val="dk1"/>
-                </a:solidFill>
-                <a:latin typeface="+mn-lt"/>
-                <a:ea typeface="+mn-ea"/>
-                <a:cs typeface="+mn-cs"/>
-              </a:defRPr>
-            </a:lvl1pPr>
-            <a:lvl2pPr marL="457189" algn="l" defTabSz="914377" rtl="0" eaLnBrk="1" latinLnBrk="0" hangingPunct="1">
-              <a:defRPr sz="1800" kern="1200">
-                <a:solidFill>
-                  <a:schemeClr val="dk1"/>
-                </a:solidFill>
-                <a:latin typeface="+mn-lt"/>
-                <a:ea typeface="+mn-ea"/>
-                <a:cs typeface="+mn-cs"/>
-              </a:defRPr>
-            </a:lvl2pPr>
-            <a:lvl3pPr marL="914377" algn="l" defTabSz="914377" rtl="0" eaLnBrk="1" latinLnBrk="0" hangingPunct="1">
-              <a:defRPr sz="1800" kern="1200">
-                <a:solidFill>
-                  <a:schemeClr val="dk1"/>
-                </a:solidFill>
-                <a:latin typeface="+mn-lt"/>
-                <a:ea typeface="+mn-ea"/>
-                <a:cs typeface="+mn-cs"/>
-              </a:defRPr>
-            </a:lvl3pPr>
-            <a:lvl4pPr marL="1371566" algn="l" defTabSz="914377" rtl="0" eaLnBrk="1" latinLnBrk="0" hangingPunct="1">
-              <a:defRPr sz="1800" kern="1200">
-                <a:solidFill>
-                  <a:schemeClr val="dk1"/>
-                </a:solidFill>
-                <a:latin typeface="+mn-lt"/>
-                <a:ea typeface="+mn-ea"/>
-                <a:cs typeface="+mn-cs"/>
-              </a:defRPr>
-            </a:lvl4pPr>
-            <a:lvl5pPr marL="1828754" algn="l" defTabSz="914377" rtl="0" eaLnBrk="1" latinLnBrk="0" hangingPunct="1">
-              <a:defRPr sz="1800" kern="1200">
-                <a:solidFill>
-                  <a:schemeClr val="dk1"/>
-                </a:solidFill>
-                <a:latin typeface="+mn-lt"/>
-                <a:ea typeface="+mn-ea"/>
-                <a:cs typeface="+mn-cs"/>
-              </a:defRPr>
-            </a:lvl5pPr>
-            <a:lvl6pPr marL="2285943" algn="l" defTabSz="914377" rtl="0" eaLnBrk="1" latinLnBrk="0" hangingPunct="1">
-              <a:defRPr sz="1800" kern="1200">
-                <a:solidFill>
-                  <a:schemeClr val="dk1"/>
-                </a:solidFill>
-                <a:latin typeface="+mn-lt"/>
-                <a:ea typeface="+mn-ea"/>
-                <a:cs typeface="+mn-cs"/>
-              </a:defRPr>
-            </a:lvl6pPr>
-            <a:lvl7pPr marL="2743131" algn="l" defTabSz="914377" rtl="0" eaLnBrk="1" latinLnBrk="0" hangingPunct="1">
-              <a:defRPr sz="1800" kern="1200">
-                <a:solidFill>
-                  <a:schemeClr val="dk1"/>
-                </a:solidFill>
-                <a:latin typeface="+mn-lt"/>
-                <a:ea typeface="+mn-ea"/>
-                <a:cs typeface="+mn-cs"/>
-              </a:defRPr>
-            </a:lvl7pPr>
-            <a:lvl8pPr marL="3200320" algn="l" defTabSz="914377" rtl="0" eaLnBrk="1" latinLnBrk="0" hangingPunct="1">
-              <a:defRPr sz="1800" kern="1200">
-                <a:solidFill>
-                  <a:schemeClr val="dk1"/>
-                </a:solidFill>
-                <a:latin typeface="+mn-lt"/>
-                <a:ea typeface="+mn-ea"/>
-                <a:cs typeface="+mn-cs"/>
-              </a:defRPr>
-            </a:lvl8pPr>
-            <a:lvl9pPr marL="3657509" algn="l" defTabSz="914377" rtl="0" eaLnBrk="1" latinLnBrk="0" hangingPunct="1">
-              <a:defRPr sz="1800" kern="1200">
-                <a:solidFill>
-                  <a:schemeClr val="dk1"/>
-                </a:solidFill>
-                <a:latin typeface="+mn-lt"/>
-                <a:ea typeface="+mn-ea"/>
-                <a:cs typeface="+mn-cs"/>
-              </a:defRPr>
-            </a:lvl9pPr>
-          </a:lstStyle>
-          <a:p>
-            <a:pPr algn="ctr"/>
-            <a:r>
-              <a:rPr lang="en-US" sz="1200" i="1" dirty="0" smtClean="0">
-                <a:solidFill>
-                  <a:schemeClr val="bg1"/>
-                </a:solidFill>
-                <a:latin typeface="Source Sans Pro Light" charset="0"/>
-                <a:ea typeface="Source Sans Pro Light" charset="0"/>
-                <a:cs typeface="Source Sans Pro Light" charset="0"/>
-              </a:rPr>
-              <a:t>Linked Code</a:t>
-            </a:r>
-            <a:endParaRPr lang="en-US" sz="1200" i="1" dirty="0">
-              <a:solidFill>
-                <a:schemeClr val="bg1"/>
-              </a:solidFill>
-              <a:latin typeface="Source Sans Pro Light" charset="0"/>
-              <a:ea typeface="Source Sans Pro Light" charset="0"/>
-              <a:cs typeface="Source Sans Pro Light" charset="0"/>
-            </a:endParaRPr>
-          </a:p>
-        </p:txBody>
-      </p:sp>
-      <p:sp>
-        <p:nvSpPr>
-          <p:cNvPr id="59" name="Rounded Rectangle 58"/>
-          <p:cNvSpPr/>
-          <p:nvPr/>
-        </p:nvSpPr>
-        <p:spPr>
-          <a:xfrm>
-            <a:off x="6898347" y="4047078"/>
-            <a:ext cx="1260000" cy="540000"/>
-          </a:xfrm>
-          <a:prstGeom prst="roundRect">
-            <a:avLst>
-              <a:gd name="adj" fmla="val 19644"/>
-            </a:avLst>
-          </a:prstGeom>
-          <a:solidFill>
-            <a:schemeClr val="bg1">
-              <a:lumMod val="95000"/>
-            </a:schemeClr>
-          </a:solidFill>
-          <a:ln w="12700">
-            <a:solidFill>
-              <a:schemeClr val="bg2"/>
-            </a:solidFill>
-          </a:ln>
-          <a:effectLst/>
-        </p:spPr>
-        <p:style>
-          <a:lnRef idx="2">
-            <a:schemeClr val="dk1"/>
-          </a:lnRef>
-          <a:fillRef idx="1">
-            <a:schemeClr val="lt1"/>
-          </a:fillRef>
-          <a:effectRef idx="0">
-            <a:schemeClr val="dk1"/>
-          </a:effectRef>
-          <a:fontRef idx="minor">
-            <a:schemeClr val="dk1"/>
-          </a:fontRef>
-        </p:style>
-        <p:txBody>
-          <a:bodyPr wrap="square" tIns="36000" bIns="36000" rtlCol="0" anchor="ctr">
-            <a:noAutofit/>
-          </a:bodyPr>
-          <a:lstStyle>
-            <a:defPPr>
-              <a:defRPr lang="en-US"/>
-            </a:defPPr>
-            <a:lvl1pPr marL="0" algn="l" defTabSz="914377" rtl="0" eaLnBrk="1" latinLnBrk="0" hangingPunct="1">
-              <a:defRPr sz="1800" kern="1200">
-                <a:solidFill>
-                  <a:schemeClr val="dk1"/>
-                </a:solidFill>
-                <a:latin typeface="+mn-lt"/>
-                <a:ea typeface="+mn-ea"/>
-                <a:cs typeface="+mn-cs"/>
-              </a:defRPr>
-            </a:lvl1pPr>
-            <a:lvl2pPr marL="457189" algn="l" defTabSz="914377" rtl="0" eaLnBrk="1" latinLnBrk="0" hangingPunct="1">
-              <a:defRPr sz="1800" kern="1200">
-                <a:solidFill>
-                  <a:schemeClr val="dk1"/>
-                </a:solidFill>
-                <a:latin typeface="+mn-lt"/>
-                <a:ea typeface="+mn-ea"/>
-                <a:cs typeface="+mn-cs"/>
-              </a:defRPr>
-            </a:lvl2pPr>
-            <a:lvl3pPr marL="914377" algn="l" defTabSz="914377" rtl="0" eaLnBrk="1" latinLnBrk="0" hangingPunct="1">
-              <a:defRPr sz="1800" kern="1200">
-                <a:solidFill>
-                  <a:schemeClr val="dk1"/>
-                </a:solidFill>
-                <a:latin typeface="+mn-lt"/>
-                <a:ea typeface="+mn-ea"/>
-                <a:cs typeface="+mn-cs"/>
-              </a:defRPr>
-            </a:lvl3pPr>
-            <a:lvl4pPr marL="1371566" algn="l" defTabSz="914377" rtl="0" eaLnBrk="1" latinLnBrk="0" hangingPunct="1">
-              <a:defRPr sz="1800" kern="1200">
-                <a:solidFill>
-                  <a:schemeClr val="dk1"/>
-                </a:solidFill>
-                <a:latin typeface="+mn-lt"/>
-                <a:ea typeface="+mn-ea"/>
-                <a:cs typeface="+mn-cs"/>
-              </a:defRPr>
-            </a:lvl4pPr>
-            <a:lvl5pPr marL="1828754" algn="l" defTabSz="914377" rtl="0" eaLnBrk="1" latinLnBrk="0" hangingPunct="1">
-              <a:defRPr sz="1800" kern="1200">
-                <a:solidFill>
-                  <a:schemeClr val="dk1"/>
-                </a:solidFill>
-                <a:latin typeface="+mn-lt"/>
-                <a:ea typeface="+mn-ea"/>
-                <a:cs typeface="+mn-cs"/>
-              </a:defRPr>
-            </a:lvl5pPr>
-            <a:lvl6pPr marL="2285943" algn="l" defTabSz="914377" rtl="0" eaLnBrk="1" latinLnBrk="0" hangingPunct="1">
-              <a:defRPr sz="1800" kern="1200">
-                <a:solidFill>
-                  <a:schemeClr val="dk1"/>
-                </a:solidFill>
-                <a:latin typeface="+mn-lt"/>
-                <a:ea typeface="+mn-ea"/>
-                <a:cs typeface="+mn-cs"/>
-              </a:defRPr>
-            </a:lvl6pPr>
-            <a:lvl7pPr marL="2743131" algn="l" defTabSz="914377" rtl="0" eaLnBrk="1" latinLnBrk="0" hangingPunct="1">
-              <a:defRPr sz="1800" kern="1200">
-                <a:solidFill>
-                  <a:schemeClr val="dk1"/>
-                </a:solidFill>
-                <a:latin typeface="+mn-lt"/>
-                <a:ea typeface="+mn-ea"/>
-                <a:cs typeface="+mn-cs"/>
-              </a:defRPr>
-            </a:lvl7pPr>
-            <a:lvl8pPr marL="3200320" algn="l" defTabSz="914377" rtl="0" eaLnBrk="1" latinLnBrk="0" hangingPunct="1">
-              <a:defRPr sz="1800" kern="1200">
-                <a:solidFill>
-                  <a:schemeClr val="dk1"/>
-                </a:solidFill>
-                <a:latin typeface="+mn-lt"/>
-                <a:ea typeface="+mn-ea"/>
-                <a:cs typeface="+mn-cs"/>
-              </a:defRPr>
-            </a:lvl8pPr>
-            <a:lvl9pPr marL="3657509" algn="l" defTabSz="914377" rtl="0" eaLnBrk="1" latinLnBrk="0" hangingPunct="1">
-              <a:defRPr sz="1800" kern="1200">
-                <a:solidFill>
-                  <a:schemeClr val="dk1"/>
-                </a:solidFill>
-                <a:latin typeface="+mn-lt"/>
-                <a:ea typeface="+mn-ea"/>
-                <a:cs typeface="+mn-cs"/>
-              </a:defRPr>
-            </a:lvl9pPr>
-          </a:lstStyle>
-          <a:p>
-            <a:pPr algn="ctr"/>
-            <a:r>
-              <a:rPr lang="en-US" sz="1200" i="1" dirty="0" smtClean="0">
-                <a:solidFill>
-                  <a:schemeClr val="tx1"/>
-                </a:solidFill>
-                <a:latin typeface="Source Sans Pro Light" charset="0"/>
-                <a:ea typeface="Source Sans Pro Light" charset="0"/>
-                <a:cs typeface="Source Sans Pro Light" charset="0"/>
-              </a:rPr>
-              <a:t>Metadata</a:t>
-            </a:r>
-            <a:endParaRPr lang="en-US" sz="1200" i="1" dirty="0">
-              <a:solidFill>
-                <a:schemeClr val="tx1"/>
-              </a:solidFill>
-              <a:latin typeface="Source Sans Pro Light" charset="0"/>
-              <a:ea typeface="Source Sans Pro Light" charset="0"/>
-              <a:cs typeface="Source Sans Pro Light" charset="0"/>
-            </a:endParaRPr>
-          </a:p>
-        </p:txBody>
-      </p:sp>
-      <p:sp>
-        <p:nvSpPr>
           <p:cNvPr id="61" name="Oval 60">
             <a:extLst>
               <a:ext uri="{FF2B5EF4-FFF2-40B4-BE49-F238E27FC236}">
-                <a16:creationId xmlns:a16="http://schemas.microsoft.com/office/drawing/2014/main" xmlns="" id="{1738B30C-7F19-6540-929D-76AF6C73BEF4}"/>
+                <a16:creationId xmlns="" xmlns:a16="http://schemas.microsoft.com/office/drawing/2014/main" id="{1738B30C-7F19-6540-929D-76AF6C73BEF4}"/>
               </a:ext>
             </a:extLst>
           </p:cNvPr>
@@ -19338,7 +18556,7 @@
         </p:nvSpPr>
         <p:spPr>
           <a:xfrm>
-            <a:off x="3010183" y="1896106"/>
+            <a:off x="2621208" y="2027297"/>
             <a:ext cx="288032" cy="288032"/>
           </a:xfrm>
           <a:prstGeom prst="ellipse">
@@ -19370,7 +18588,7 @@
           <a:p>
             <a:pPr algn="ctr"/>
             <a:r>
-              <a:rPr lang="en-US" b="1" dirty="0">
+              <a:rPr lang="en-US" b="1" dirty="0" smtClean="0">
                 <a:solidFill>
                   <a:schemeClr val="bg1"/>
                 </a:solidFill>
@@ -19380,6 +18598,14 @@
               </a:rPr>
               <a:t>1</a:t>
             </a:r>
+            <a:endParaRPr lang="en-US" b="1" dirty="0">
+              <a:solidFill>
+                <a:schemeClr val="bg1"/>
+              </a:solidFill>
+              <a:latin typeface="Source Sans Pro" panose="020B0503030403020204" pitchFamily="34" charset="0"/>
+              <a:ea typeface="Source Sans Pro" panose="020B0503030403020204" pitchFamily="34" charset="0"/>
+              <a:cs typeface="Source Sans Pro Light" charset="0"/>
+            </a:endParaRPr>
           </a:p>
         </p:txBody>
       </p:sp>
@@ -19388,7 +18614,7 @@
           <p:cNvPr id="62" name="Oval 61">
             <a:extLst>
               <a:ext uri="{FF2B5EF4-FFF2-40B4-BE49-F238E27FC236}">
-                <a16:creationId xmlns:a16="http://schemas.microsoft.com/office/drawing/2014/main" xmlns="" id="{D23C6353-F2C3-EA4A-9C2E-DAB87E982EFE}"/>
+                <a16:creationId xmlns="" xmlns:a16="http://schemas.microsoft.com/office/drawing/2014/main" id="{D23C6353-F2C3-EA4A-9C2E-DAB87E982EFE}"/>
               </a:ext>
             </a:extLst>
           </p:cNvPr>
@@ -19397,7 +18623,7 @@
         </p:nvSpPr>
         <p:spPr>
           <a:xfrm>
-            <a:off x="2998799" y="3133978"/>
+            <a:off x="2621535" y="4251787"/>
             <a:ext cx="288032" cy="288032"/>
           </a:xfrm>
           <a:prstGeom prst="ellipse">
@@ -19442,45 +18668,6 @@
           </a:p>
         </p:txBody>
       </p:sp>
-      <p:cxnSp>
-        <p:nvCxnSpPr>
-          <p:cNvPr id="63" name="Straight Connector 62"/>
-          <p:cNvCxnSpPr/>
-          <p:nvPr/>
-        </p:nvCxnSpPr>
-        <p:spPr>
-          <a:xfrm flipH="1">
-            <a:off x="2491313" y="2305274"/>
-            <a:ext cx="4140890" cy="0"/>
-          </a:xfrm>
-          <a:prstGeom prst="line">
-            <a:avLst/>
-          </a:prstGeom>
-          <a:ln w="28575">
-            <a:solidFill>
-              <a:schemeClr val="tx2">
-                <a:lumMod val="60000"/>
-                <a:lumOff val="40000"/>
-              </a:schemeClr>
-            </a:solidFill>
-            <a:headEnd type="triangle"/>
-          </a:ln>
-        </p:spPr>
-        <p:style>
-          <a:lnRef idx="1">
-            <a:schemeClr val="accent1"/>
-          </a:lnRef>
-          <a:fillRef idx="0">
-            <a:schemeClr val="accent1"/>
-          </a:fillRef>
-          <a:effectRef idx="0">
-            <a:schemeClr val="accent1"/>
-          </a:effectRef>
-          <a:fontRef idx="minor">
-            <a:schemeClr val="tx1"/>
-          </a:fontRef>
-        </p:style>
-      </p:cxnSp>
       <p:sp>
         <p:nvSpPr>
           <p:cNvPr id="64" name="Rectangle 63"/>
@@ -19489,8 +18676,8 @@
         </p:nvSpPr>
         <p:spPr>
           <a:xfrm>
-            <a:off x="3536807" y="3166168"/>
-            <a:ext cx="2130341" cy="215444"/>
+            <a:off x="2962668" y="4288081"/>
+            <a:ext cx="3385061" cy="215444"/>
           </a:xfrm>
           <a:prstGeom prst="rect">
             <a:avLst/>
@@ -19517,10 +18704,10 @@
                 <a:ea typeface="Source Sans Pro Light" charset="0"/>
                 <a:cs typeface="Source Sans Pro Light" charset="0"/>
               </a:rPr>
-              <a:t>Apply </a:t>
-            </a:r>
-            <a:r>
-              <a:rPr lang="en-US" sz="1400" dirty="0" smtClean="0">
+              <a:t>Transfer RO Data (Resources) to </a:t>
+            </a:r>
+            <a:r>
+              <a:rPr lang="en-US" sz="1400" dirty="0">
                 <a:solidFill>
                   <a:schemeClr val="tx2"/>
                 </a:solidFill>
@@ -19528,7 +18715,18 @@
                 <a:ea typeface="Source Sans Pro Light" charset="0"/>
                 <a:cs typeface="Source Sans Pro Light" charset="0"/>
               </a:rPr>
-              <a:t>Code relocations</a:t>
+              <a:t>target </a:t>
+            </a:r>
+            <a:r>
+              <a:rPr lang="en-US" sz="1400" dirty="0" smtClean="0">
+                <a:solidFill>
+                  <a:schemeClr val="tx2"/>
+                </a:solidFill>
+                <a:latin typeface="Source Sans Pro Light" charset="0"/>
+                <a:ea typeface="Source Sans Pro Light" charset="0"/>
+                <a:cs typeface="Source Sans Pro Light" charset="0"/>
+              </a:rPr>
+              <a:t>location</a:t>
             </a:r>
             <a:endParaRPr lang="en-US" sz="1400" dirty="0">
               <a:solidFill>
@@ -19541,81 +18739,12 @@
           </a:p>
         </p:txBody>
       </p:sp>
-      <p:sp>
-        <p:nvSpPr>
-          <p:cNvPr id="66" name="TextBox 65"/>
-          <p:cNvSpPr txBox="1"/>
-          <p:nvPr/>
-        </p:nvSpPr>
-        <p:spPr>
-          <a:xfrm>
-            <a:off x="3536808" y="1809716"/>
-            <a:ext cx="2288491" cy="430887"/>
-          </a:xfrm>
-          <a:prstGeom prst="rect">
-            <a:avLst/>
-          </a:prstGeom>
-          <a:noFill/>
-        </p:spPr>
-        <p:txBody>
-          <a:bodyPr vert="horz" wrap="square" lIns="0" tIns="0" rIns="0" bIns="0" numCol="1" spcCol="288000" rtlCol="0" anchor="t" anchorCtr="0">
-            <a:spAutoFit/>
-          </a:bodyPr>
-          <a:lstStyle/>
-          <a:p>
-            <a:r>
-              <a:rPr lang="en-US" sz="1400" dirty="0" smtClean="0">
-                <a:solidFill>
-                  <a:schemeClr val="tx2"/>
-                </a:solidFill>
-                <a:latin typeface="Source Sans Pro Light" charset="0"/>
-                <a:ea typeface="Source Sans Pro Light" charset="0"/>
-                <a:cs typeface="Source Sans Pro Light" charset="0"/>
-              </a:rPr>
-              <a:t>Allocate </a:t>
-            </a:r>
-            <a:r>
-              <a:rPr lang="en-US" sz="1400" dirty="0" smtClean="0">
-                <a:solidFill>
-                  <a:schemeClr val="tx2"/>
-                </a:solidFill>
-                <a:latin typeface="Source Sans Pro Light" charset="0"/>
-                <a:ea typeface="Source Sans Pro Light" charset="0"/>
-                <a:cs typeface="Source Sans Pro Light" charset="0"/>
-              </a:rPr>
-              <a:t>sections and transfer bytes to Kernel </a:t>
-            </a:r>
-            <a:r>
-              <a:rPr lang="en-US" sz="1400" dirty="0" smtClean="0">
-                <a:solidFill>
-                  <a:schemeClr val="tx2"/>
-                </a:solidFill>
-                <a:latin typeface="Source Sans Pro Light" charset="0"/>
-                <a:ea typeface="Source Sans Pro Light" charset="0"/>
-                <a:cs typeface="Source Sans Pro Light" charset="0"/>
-              </a:rPr>
-              <a:t>Working Buffer</a:t>
-            </a:r>
-            <a:endParaRPr lang="en-US" sz="1400" b="0" i="0" spc="0" dirty="0" smtClean="0">
-              <a:ln>
-                <a:noFill/>
-              </a:ln>
-              <a:solidFill>
-                <a:schemeClr val="tx2"/>
-              </a:solidFill>
-              <a:latin typeface="Source Sans Pro Light" charset="0"/>
-              <a:ea typeface="Source Sans Pro Light" charset="0"/>
-              <a:cs typeface="Source Sans Pro Light" charset="0"/>
-            </a:endParaRPr>
-          </a:p>
-        </p:txBody>
-      </p:sp>
       <p:grpSp>
         <p:nvGrpSpPr>
           <p:cNvPr id="68" name="Group 67">
             <a:extLst>
               <a:ext uri="{FF2B5EF4-FFF2-40B4-BE49-F238E27FC236}">
-                <a16:creationId xmlns:a16="http://schemas.microsoft.com/office/drawing/2014/main" xmlns="" id="{15BC43EA-EC65-9B4E-800D-0F0DF0929470}"/>
+                <a16:creationId xmlns="" xmlns:a16="http://schemas.microsoft.com/office/drawing/2014/main" id="{15BC43EA-EC65-9B4E-800D-0F0DF0929470}"/>
               </a:ext>
             </a:extLst>
           </p:cNvPr>
@@ -19624,7 +18753,7 @@
         </p:nvGrpSpPr>
         <p:grpSpPr>
           <a:xfrm>
-            <a:off x="1429588" y="1182954"/>
+            <a:off x="1427650" y="1265179"/>
             <a:ext cx="647434" cy="764048"/>
             <a:chOff x="2881736" y="3875028"/>
             <a:chExt cx="1246398" cy="1246398"/>
@@ -19635,7 +18764,7 @@
             <p:cNvPr id="69" name="Picture 68">
               <a:extLst>
                 <a:ext uri="{FF2B5EF4-FFF2-40B4-BE49-F238E27FC236}">
-                  <a16:creationId xmlns:a16="http://schemas.microsoft.com/office/drawing/2014/main" xmlns="" id="{33D843E7-E97C-394E-B834-687499FC1D14}"/>
+                  <a16:creationId xmlns="" xmlns:a16="http://schemas.microsoft.com/office/drawing/2014/main" id="{33D843E7-E97C-394E-B834-687499FC1D14}"/>
                 </a:ext>
               </a:extLst>
             </p:cNvPr>
@@ -19672,7 +18801,7 @@
             <p:cNvPr id="70" name="Picture 69">
               <a:extLst>
                 <a:ext uri="{FF2B5EF4-FFF2-40B4-BE49-F238E27FC236}">
-                  <a16:creationId xmlns:a16="http://schemas.microsoft.com/office/drawing/2014/main" xmlns="" id="{62FF445E-CBEC-7446-878C-D56FDB709BE5}"/>
+                  <a16:creationId xmlns="" xmlns:a16="http://schemas.microsoft.com/office/drawing/2014/main" id="{62FF445E-CBEC-7446-878C-D56FDB709BE5}"/>
                 </a:ext>
               </a:extLst>
             </p:cNvPr>
@@ -19715,7 +18844,7 @@
             <p:cNvPr id="71" name="Rectangle 70">
               <a:extLst>
                 <a:ext uri="{FF2B5EF4-FFF2-40B4-BE49-F238E27FC236}">
-                  <a16:creationId xmlns:a16="http://schemas.microsoft.com/office/drawing/2014/main" xmlns="" id="{2EDF0AB2-C32D-D543-9E57-25F96D93E28B}"/>
+                  <a16:creationId xmlns="" xmlns:a16="http://schemas.microsoft.com/office/drawing/2014/main" id="{2EDF0AB2-C32D-D543-9E57-25F96D93E28B}"/>
                 </a:ext>
               </a:extLst>
             </p:cNvPr>
@@ -19793,10 +18922,1586 @@
       </p:grpSp>
       <p:sp>
         <p:nvSpPr>
-          <p:cNvPr id="86" name="Arc 85">
+          <p:cNvPr id="88" name="TextBox 87"/>
+          <p:cNvSpPr txBox="1"/>
+          <p:nvPr/>
+        </p:nvSpPr>
+        <p:spPr>
+          <a:xfrm>
+            <a:off x="2970541" y="5780747"/>
+            <a:ext cx="2756937" cy="215444"/>
+          </a:xfrm>
+          <a:prstGeom prst="rect">
+            <a:avLst/>
+          </a:prstGeom>
+          <a:noFill/>
+        </p:spPr>
+        <p:txBody>
+          <a:bodyPr vert="horz" wrap="square" lIns="0" tIns="0" rIns="0" bIns="0" numCol="1" spcCol="288000" rtlCol="0" anchor="t" anchorCtr="0">
+            <a:spAutoFit/>
+          </a:bodyPr>
+          <a:lstStyle/>
+          <a:p>
+            <a:pPr>
+              <a:spcBef>
+                <a:spcPts val="0"/>
+              </a:spcBef>
+              <a:spcAft>
+                <a:spcPts val="600"/>
+              </a:spcAft>
+            </a:pPr>
+            <a:r>
+              <a:rPr lang="en-US" sz="1400" b="0" i="0" spc="0" dirty="0" smtClean="0">
+                <a:ln>
+                  <a:noFill/>
+                </a:ln>
+                <a:solidFill>
+                  <a:schemeClr val="tx2"/>
+                </a:solidFill>
+                <a:latin typeface="Source Sans Pro Light" charset="0"/>
+                <a:ea typeface="Source Sans Pro Light" charset="0"/>
+                <a:cs typeface="Source Sans Pro Light" charset="0"/>
+              </a:rPr>
+              <a:t>Free </a:t>
+            </a:r>
+            <a:r>
+              <a:rPr lang="en-US" sz="1400" dirty="0" smtClean="0">
+                <a:solidFill>
+                  <a:schemeClr val="tx2"/>
+                </a:solidFill>
+                <a:latin typeface="Source Sans Pro Light" charset="0"/>
+                <a:ea typeface="Source Sans Pro Light" charset="0"/>
+                <a:cs typeface="Source Sans Pro Light" charset="0"/>
+              </a:rPr>
+              <a:t>temporary locations</a:t>
+            </a:r>
+            <a:endParaRPr lang="en-US" sz="1400" b="0" i="0" spc="0" dirty="0" smtClean="0">
+              <a:ln>
+                <a:noFill/>
+              </a:ln>
+              <a:solidFill>
+                <a:schemeClr val="tx2"/>
+              </a:solidFill>
+              <a:latin typeface="Source Sans Pro Light" charset="0"/>
+              <a:ea typeface="Source Sans Pro Light" charset="0"/>
+              <a:cs typeface="Source Sans Pro Light" charset="0"/>
+            </a:endParaRPr>
+          </a:p>
+        </p:txBody>
+      </p:sp>
+      <p:sp>
+        <p:nvSpPr>
+          <p:cNvPr id="34" name="Rounded Rectangle 33"/>
+          <p:cNvSpPr/>
+          <p:nvPr/>
+        </p:nvSpPr>
+        <p:spPr>
+          <a:xfrm>
+            <a:off x="6748057" y="2381404"/>
+            <a:ext cx="1567847" cy="979586"/>
+          </a:xfrm>
+          <a:prstGeom prst="roundRect">
+            <a:avLst>
+              <a:gd name="adj" fmla="val 8016"/>
+            </a:avLst>
+          </a:prstGeom>
+          <a:solidFill>
+            <a:schemeClr val="accent1"/>
+          </a:solidFill>
+          <a:ln w="12700">
+            <a:noFill/>
+          </a:ln>
+          <a:effectLst/>
+        </p:spPr>
+        <p:style>
+          <a:lnRef idx="2">
+            <a:schemeClr val="dk1"/>
+          </a:lnRef>
+          <a:fillRef idx="1">
+            <a:schemeClr val="lt1"/>
+          </a:fillRef>
+          <a:effectRef idx="0">
+            <a:schemeClr val="dk1"/>
+          </a:effectRef>
+          <a:fontRef idx="minor">
+            <a:schemeClr val="dk1"/>
+          </a:fontRef>
+        </p:style>
+        <p:txBody>
+          <a:bodyPr wrap="square" tIns="36000" bIns="36000" rtlCol="0" anchor="t" anchorCtr="0">
+            <a:noAutofit/>
+          </a:bodyPr>
+          <a:lstStyle/>
+          <a:p>
+            <a:pPr algn="ctr"/>
+            <a:r>
+              <a:rPr lang="en-US" sz="1200" b="1" i="1" dirty="0" smtClean="0">
+                <a:solidFill>
+                  <a:schemeClr val="bg1"/>
+                </a:solidFill>
+                <a:latin typeface="Source Sans Pro Light" charset="0"/>
+                <a:ea typeface="Source Sans Pro Light" charset="0"/>
+                <a:cs typeface="Source Sans Pro Light" charset="0"/>
+              </a:rPr>
+              <a:t>Core Engine</a:t>
+            </a:r>
+            <a:endParaRPr lang="en-US" sz="1200" b="1" i="1" dirty="0">
+              <a:solidFill>
+                <a:schemeClr val="bg1"/>
+              </a:solidFill>
+              <a:latin typeface="Source Sans Pro Light" charset="0"/>
+              <a:ea typeface="Source Sans Pro Light" charset="0"/>
+              <a:cs typeface="Source Sans Pro Light" charset="0"/>
+            </a:endParaRPr>
+          </a:p>
+        </p:txBody>
+      </p:sp>
+      <p:sp>
+        <p:nvSpPr>
+          <p:cNvPr id="35" name="Rounded Rectangle 34"/>
+          <p:cNvSpPr/>
+          <p:nvPr/>
+        </p:nvSpPr>
+        <p:spPr>
+          <a:xfrm>
+            <a:off x="6748057" y="3467465"/>
+            <a:ext cx="1567847" cy="977324"/>
+          </a:xfrm>
+          <a:prstGeom prst="roundRect">
+            <a:avLst>
+              <a:gd name="adj" fmla="val 11847"/>
+            </a:avLst>
+          </a:prstGeom>
+          <a:solidFill>
+            <a:srgbClr val="F0B602"/>
+          </a:solidFill>
+          <a:ln w="12700">
+            <a:noFill/>
+          </a:ln>
+          <a:effectLst/>
+        </p:spPr>
+        <p:style>
+          <a:lnRef idx="2">
+            <a:schemeClr val="dk1"/>
+          </a:lnRef>
+          <a:fillRef idx="1">
+            <a:schemeClr val="lt1"/>
+          </a:fillRef>
+          <a:effectRef idx="0">
+            <a:schemeClr val="dk1"/>
+          </a:effectRef>
+          <a:fontRef idx="minor">
+            <a:schemeClr val="dk1"/>
+          </a:fontRef>
+        </p:style>
+        <p:txBody>
+          <a:bodyPr wrap="square" tIns="36000" bIns="36000" rtlCol="0" anchor="t" anchorCtr="0">
+            <a:noAutofit/>
+          </a:bodyPr>
+          <a:lstStyle/>
+          <a:p>
+            <a:pPr algn="ctr"/>
+            <a:r>
+              <a:rPr lang="en-US" sz="1200" b="1" i="1" dirty="0">
+                <a:solidFill>
+                  <a:schemeClr val="bg1"/>
+                </a:solidFill>
+                <a:latin typeface="Source Sans Pro Light" charset="0"/>
+                <a:ea typeface="Source Sans Pro Light" charset="0"/>
+                <a:cs typeface="Source Sans Pro Light" charset="0"/>
+              </a:rPr>
+              <a:t>Java </a:t>
+            </a:r>
+            <a:r>
+              <a:rPr lang="en-US" sz="1200" b="1" i="1" dirty="0" smtClean="0">
+                <a:solidFill>
+                  <a:schemeClr val="bg1"/>
+                </a:solidFill>
+                <a:latin typeface="Source Sans Pro Light" charset="0"/>
+                <a:ea typeface="Source Sans Pro Light" charset="0"/>
+                <a:cs typeface="Source Sans Pro Light" charset="0"/>
+              </a:rPr>
+              <a:t>Heap</a:t>
+            </a:r>
+          </a:p>
+        </p:txBody>
+      </p:sp>
+      <p:sp>
+        <p:nvSpPr>
+          <p:cNvPr id="36" name="Rounded Rectangle 35"/>
+          <p:cNvSpPr/>
+          <p:nvPr/>
+        </p:nvSpPr>
+        <p:spPr>
+          <a:xfrm>
+            <a:off x="6899337" y="2714102"/>
+            <a:ext cx="1260000" cy="540000"/>
+          </a:xfrm>
+          <a:prstGeom prst="roundRect">
+            <a:avLst>
+              <a:gd name="adj" fmla="val 19644"/>
+            </a:avLst>
+          </a:prstGeom>
+          <a:solidFill>
+            <a:schemeClr val="bg2">
+              <a:lumMod val="25000"/>
+            </a:schemeClr>
+          </a:solidFill>
+          <a:ln w="12700">
+            <a:noFill/>
+          </a:ln>
+          <a:effectLst/>
+        </p:spPr>
+        <p:style>
+          <a:lnRef idx="2">
+            <a:schemeClr val="dk1"/>
+          </a:lnRef>
+          <a:fillRef idx="1">
+            <a:schemeClr val="lt1"/>
+          </a:fillRef>
+          <a:effectRef idx="0">
+            <a:schemeClr val="dk1"/>
+          </a:effectRef>
+          <a:fontRef idx="minor">
+            <a:schemeClr val="dk1"/>
+          </a:fontRef>
+        </p:style>
+        <p:txBody>
+          <a:bodyPr wrap="square" tIns="36000" bIns="36000" rtlCol="0" anchor="ctr">
+            <a:noAutofit/>
+          </a:bodyPr>
+          <a:lstStyle>
+            <a:defPPr>
+              <a:defRPr lang="en-US"/>
+            </a:defPPr>
+            <a:lvl1pPr marL="0" algn="l" defTabSz="914377" rtl="0" eaLnBrk="1" latinLnBrk="0" hangingPunct="1">
+              <a:defRPr sz="1800" kern="1200">
+                <a:solidFill>
+                  <a:schemeClr val="dk1"/>
+                </a:solidFill>
+                <a:latin typeface="+mn-lt"/>
+                <a:ea typeface="+mn-ea"/>
+                <a:cs typeface="+mn-cs"/>
+              </a:defRPr>
+            </a:lvl1pPr>
+            <a:lvl2pPr marL="457189" algn="l" defTabSz="914377" rtl="0" eaLnBrk="1" latinLnBrk="0" hangingPunct="1">
+              <a:defRPr sz="1800" kern="1200">
+                <a:solidFill>
+                  <a:schemeClr val="dk1"/>
+                </a:solidFill>
+                <a:latin typeface="+mn-lt"/>
+                <a:ea typeface="+mn-ea"/>
+                <a:cs typeface="+mn-cs"/>
+              </a:defRPr>
+            </a:lvl2pPr>
+            <a:lvl3pPr marL="914377" algn="l" defTabSz="914377" rtl="0" eaLnBrk="1" latinLnBrk="0" hangingPunct="1">
+              <a:defRPr sz="1800" kern="1200">
+                <a:solidFill>
+                  <a:schemeClr val="dk1"/>
+                </a:solidFill>
+                <a:latin typeface="+mn-lt"/>
+                <a:ea typeface="+mn-ea"/>
+                <a:cs typeface="+mn-cs"/>
+              </a:defRPr>
+            </a:lvl3pPr>
+            <a:lvl4pPr marL="1371566" algn="l" defTabSz="914377" rtl="0" eaLnBrk="1" latinLnBrk="0" hangingPunct="1">
+              <a:defRPr sz="1800" kern="1200">
+                <a:solidFill>
+                  <a:schemeClr val="dk1"/>
+                </a:solidFill>
+                <a:latin typeface="+mn-lt"/>
+                <a:ea typeface="+mn-ea"/>
+                <a:cs typeface="+mn-cs"/>
+              </a:defRPr>
+            </a:lvl4pPr>
+            <a:lvl5pPr marL="1828754" algn="l" defTabSz="914377" rtl="0" eaLnBrk="1" latinLnBrk="0" hangingPunct="1">
+              <a:defRPr sz="1800" kern="1200">
+                <a:solidFill>
+                  <a:schemeClr val="dk1"/>
+                </a:solidFill>
+                <a:latin typeface="+mn-lt"/>
+                <a:ea typeface="+mn-ea"/>
+                <a:cs typeface="+mn-cs"/>
+              </a:defRPr>
+            </a:lvl5pPr>
+            <a:lvl6pPr marL="2285943" algn="l" defTabSz="914377" rtl="0" eaLnBrk="1" latinLnBrk="0" hangingPunct="1">
+              <a:defRPr sz="1800" kern="1200">
+                <a:solidFill>
+                  <a:schemeClr val="dk1"/>
+                </a:solidFill>
+                <a:latin typeface="+mn-lt"/>
+                <a:ea typeface="+mn-ea"/>
+                <a:cs typeface="+mn-cs"/>
+              </a:defRPr>
+            </a:lvl6pPr>
+            <a:lvl7pPr marL="2743131" algn="l" defTabSz="914377" rtl="0" eaLnBrk="1" latinLnBrk="0" hangingPunct="1">
+              <a:defRPr sz="1800" kern="1200">
+                <a:solidFill>
+                  <a:schemeClr val="dk1"/>
+                </a:solidFill>
+                <a:latin typeface="+mn-lt"/>
+                <a:ea typeface="+mn-ea"/>
+                <a:cs typeface="+mn-cs"/>
+              </a:defRPr>
+            </a:lvl7pPr>
+            <a:lvl8pPr marL="3200320" algn="l" defTabSz="914377" rtl="0" eaLnBrk="1" latinLnBrk="0" hangingPunct="1">
+              <a:defRPr sz="1800" kern="1200">
+                <a:solidFill>
+                  <a:schemeClr val="dk1"/>
+                </a:solidFill>
+                <a:latin typeface="+mn-lt"/>
+                <a:ea typeface="+mn-ea"/>
+                <a:cs typeface="+mn-cs"/>
+              </a:defRPr>
+            </a:lvl8pPr>
+            <a:lvl9pPr marL="3657509" algn="l" defTabSz="914377" rtl="0" eaLnBrk="1" latinLnBrk="0" hangingPunct="1">
+              <a:defRPr sz="1800" kern="1200">
+                <a:solidFill>
+                  <a:schemeClr val="dk1"/>
+                </a:solidFill>
+                <a:latin typeface="+mn-lt"/>
+                <a:ea typeface="+mn-ea"/>
+                <a:cs typeface="+mn-cs"/>
+              </a:defRPr>
+            </a:lvl9pPr>
+          </a:lstStyle>
+          <a:p>
+            <a:pPr algn="ctr"/>
+            <a:r>
+              <a:rPr lang="en-US" sz="1200" i="1" dirty="0" smtClean="0">
+                <a:solidFill>
+                  <a:schemeClr val="bg1"/>
+                </a:solidFill>
+                <a:latin typeface="Source Sans Pro Light" charset="0"/>
+                <a:ea typeface="Source Sans Pro Light" charset="0"/>
+                <a:cs typeface="Source Sans Pro Light" charset="0"/>
+              </a:rPr>
+              <a:t>Code chunk</a:t>
+            </a:r>
+            <a:endParaRPr lang="en-US" sz="1200" i="1" dirty="0">
+              <a:solidFill>
+                <a:schemeClr val="bg1"/>
+              </a:solidFill>
+              <a:latin typeface="Source Sans Pro Light" charset="0"/>
+              <a:ea typeface="Source Sans Pro Light" charset="0"/>
+              <a:cs typeface="Source Sans Pro Light" charset="0"/>
+            </a:endParaRPr>
+          </a:p>
+        </p:txBody>
+      </p:sp>
+      <p:sp>
+        <p:nvSpPr>
+          <p:cNvPr id="37" name="Rounded Rectangle 36"/>
+          <p:cNvSpPr/>
+          <p:nvPr/>
+        </p:nvSpPr>
+        <p:spPr>
+          <a:xfrm>
+            <a:off x="6898347" y="3809770"/>
+            <a:ext cx="1260000" cy="540000"/>
+          </a:xfrm>
+          <a:prstGeom prst="roundRect">
+            <a:avLst>
+              <a:gd name="adj" fmla="val 19644"/>
+            </a:avLst>
+          </a:prstGeom>
+          <a:solidFill>
+            <a:schemeClr val="bg1">
+              <a:lumMod val="95000"/>
+            </a:schemeClr>
+          </a:solidFill>
+          <a:ln w="12700">
+            <a:solidFill>
+              <a:schemeClr val="bg2"/>
+            </a:solidFill>
+          </a:ln>
+          <a:effectLst/>
+        </p:spPr>
+        <p:style>
+          <a:lnRef idx="2">
+            <a:schemeClr val="dk1"/>
+          </a:lnRef>
+          <a:fillRef idx="1">
+            <a:schemeClr val="lt1"/>
+          </a:fillRef>
+          <a:effectRef idx="0">
+            <a:schemeClr val="dk1"/>
+          </a:effectRef>
+          <a:fontRef idx="minor">
+            <a:schemeClr val="dk1"/>
+          </a:fontRef>
+        </p:style>
+        <p:txBody>
+          <a:bodyPr wrap="square" tIns="36000" bIns="36000" rtlCol="0" anchor="ctr">
+            <a:noAutofit/>
+          </a:bodyPr>
+          <a:lstStyle>
+            <a:defPPr>
+              <a:defRPr lang="en-US"/>
+            </a:defPPr>
+            <a:lvl1pPr marL="0" algn="l" defTabSz="914377" rtl="0" eaLnBrk="1" latinLnBrk="0" hangingPunct="1">
+              <a:defRPr sz="1800" kern="1200">
+                <a:solidFill>
+                  <a:schemeClr val="dk1"/>
+                </a:solidFill>
+                <a:latin typeface="+mn-lt"/>
+                <a:ea typeface="+mn-ea"/>
+                <a:cs typeface="+mn-cs"/>
+              </a:defRPr>
+            </a:lvl1pPr>
+            <a:lvl2pPr marL="457189" algn="l" defTabSz="914377" rtl="0" eaLnBrk="1" latinLnBrk="0" hangingPunct="1">
+              <a:defRPr sz="1800" kern="1200">
+                <a:solidFill>
+                  <a:schemeClr val="dk1"/>
+                </a:solidFill>
+                <a:latin typeface="+mn-lt"/>
+                <a:ea typeface="+mn-ea"/>
+                <a:cs typeface="+mn-cs"/>
+              </a:defRPr>
+            </a:lvl2pPr>
+            <a:lvl3pPr marL="914377" algn="l" defTabSz="914377" rtl="0" eaLnBrk="1" latinLnBrk="0" hangingPunct="1">
+              <a:defRPr sz="1800" kern="1200">
+                <a:solidFill>
+                  <a:schemeClr val="dk1"/>
+                </a:solidFill>
+                <a:latin typeface="+mn-lt"/>
+                <a:ea typeface="+mn-ea"/>
+                <a:cs typeface="+mn-cs"/>
+              </a:defRPr>
+            </a:lvl3pPr>
+            <a:lvl4pPr marL="1371566" algn="l" defTabSz="914377" rtl="0" eaLnBrk="1" latinLnBrk="0" hangingPunct="1">
+              <a:defRPr sz="1800" kern="1200">
+                <a:solidFill>
+                  <a:schemeClr val="dk1"/>
+                </a:solidFill>
+                <a:latin typeface="+mn-lt"/>
+                <a:ea typeface="+mn-ea"/>
+                <a:cs typeface="+mn-cs"/>
+              </a:defRPr>
+            </a:lvl4pPr>
+            <a:lvl5pPr marL="1828754" algn="l" defTabSz="914377" rtl="0" eaLnBrk="1" latinLnBrk="0" hangingPunct="1">
+              <a:defRPr sz="1800" kern="1200">
+                <a:solidFill>
+                  <a:schemeClr val="dk1"/>
+                </a:solidFill>
+                <a:latin typeface="+mn-lt"/>
+                <a:ea typeface="+mn-ea"/>
+                <a:cs typeface="+mn-cs"/>
+              </a:defRPr>
+            </a:lvl5pPr>
+            <a:lvl6pPr marL="2285943" algn="l" defTabSz="914377" rtl="0" eaLnBrk="1" latinLnBrk="0" hangingPunct="1">
+              <a:defRPr sz="1800" kern="1200">
+                <a:solidFill>
+                  <a:schemeClr val="dk1"/>
+                </a:solidFill>
+                <a:latin typeface="+mn-lt"/>
+                <a:ea typeface="+mn-ea"/>
+                <a:cs typeface="+mn-cs"/>
+              </a:defRPr>
+            </a:lvl6pPr>
+            <a:lvl7pPr marL="2743131" algn="l" defTabSz="914377" rtl="0" eaLnBrk="1" latinLnBrk="0" hangingPunct="1">
+              <a:defRPr sz="1800" kern="1200">
+                <a:solidFill>
+                  <a:schemeClr val="dk1"/>
+                </a:solidFill>
+                <a:latin typeface="+mn-lt"/>
+                <a:ea typeface="+mn-ea"/>
+                <a:cs typeface="+mn-cs"/>
+              </a:defRPr>
+            </a:lvl7pPr>
+            <a:lvl8pPr marL="3200320" algn="l" defTabSz="914377" rtl="0" eaLnBrk="1" latinLnBrk="0" hangingPunct="1">
+              <a:defRPr sz="1800" kern="1200">
+                <a:solidFill>
+                  <a:schemeClr val="dk1"/>
+                </a:solidFill>
+                <a:latin typeface="+mn-lt"/>
+                <a:ea typeface="+mn-ea"/>
+                <a:cs typeface="+mn-cs"/>
+              </a:defRPr>
+            </a:lvl8pPr>
+            <a:lvl9pPr marL="3657509" algn="l" defTabSz="914377" rtl="0" eaLnBrk="1" latinLnBrk="0" hangingPunct="1">
+              <a:defRPr sz="1800" kern="1200">
+                <a:solidFill>
+                  <a:schemeClr val="dk1"/>
+                </a:solidFill>
+                <a:latin typeface="+mn-lt"/>
+                <a:ea typeface="+mn-ea"/>
+                <a:cs typeface="+mn-cs"/>
+              </a:defRPr>
+            </a:lvl9pPr>
+          </a:lstStyle>
+          <a:p>
+            <a:pPr algn="ctr"/>
+            <a:r>
+              <a:rPr lang="en-US" sz="1200" i="1" dirty="0" smtClean="0">
+                <a:solidFill>
+                  <a:schemeClr val="tx1"/>
+                </a:solidFill>
+                <a:latin typeface="Source Sans Pro Light" charset="0"/>
+                <a:ea typeface="Source Sans Pro Light" charset="0"/>
+                <a:cs typeface="Source Sans Pro Light" charset="0"/>
+              </a:rPr>
+              <a:t>Metadata</a:t>
+            </a:r>
+            <a:endParaRPr lang="en-US" sz="1200" i="1" dirty="0">
+              <a:solidFill>
+                <a:schemeClr val="tx1"/>
+              </a:solidFill>
+              <a:latin typeface="Source Sans Pro Light" charset="0"/>
+              <a:ea typeface="Source Sans Pro Light" charset="0"/>
+              <a:cs typeface="Source Sans Pro Light" charset="0"/>
+            </a:endParaRPr>
+          </a:p>
+        </p:txBody>
+      </p:sp>
+      <p:sp>
+        <p:nvSpPr>
+          <p:cNvPr id="38" name="Rounded Rectangle 37"/>
+          <p:cNvSpPr/>
+          <p:nvPr/>
+        </p:nvSpPr>
+        <p:spPr>
+          <a:xfrm>
+            <a:off x="6748057" y="1252049"/>
+            <a:ext cx="1567847" cy="999691"/>
+          </a:xfrm>
+          <a:prstGeom prst="roundRect">
+            <a:avLst>
+              <a:gd name="adj" fmla="val 9163"/>
+            </a:avLst>
+          </a:prstGeom>
+          <a:solidFill>
+            <a:schemeClr val="accent4"/>
+          </a:solidFill>
+          <a:ln w="12700">
+            <a:noFill/>
+          </a:ln>
+          <a:effectLst/>
+        </p:spPr>
+        <p:style>
+          <a:lnRef idx="2">
+            <a:schemeClr val="dk1"/>
+          </a:lnRef>
+          <a:fillRef idx="1">
+            <a:schemeClr val="lt1"/>
+          </a:fillRef>
+          <a:effectRef idx="0">
+            <a:schemeClr val="dk1"/>
+          </a:effectRef>
+          <a:fontRef idx="minor">
+            <a:schemeClr val="dk1"/>
+          </a:fontRef>
+        </p:style>
+        <p:txBody>
+          <a:bodyPr wrap="square" tIns="36000" bIns="36000" rtlCol="0" anchor="t" anchorCtr="0">
+            <a:noAutofit/>
+          </a:bodyPr>
+          <a:lstStyle/>
+          <a:p>
+            <a:pPr algn="ctr"/>
+            <a:r>
+              <a:rPr lang="en-US" sz="1200" b="1" i="1" dirty="0" smtClean="0">
+                <a:solidFill>
+                  <a:schemeClr val="bg1"/>
+                </a:solidFill>
+                <a:latin typeface="Source Sans Pro Light" charset="0"/>
+                <a:ea typeface="Source Sans Pro Light" charset="0"/>
+                <a:cs typeface="Source Sans Pro Light" charset="0"/>
+              </a:rPr>
+              <a:t>Features RAM Area </a:t>
+            </a:r>
+          </a:p>
+        </p:txBody>
+      </p:sp>
+      <p:sp>
+        <p:nvSpPr>
+          <p:cNvPr id="39" name="Rounded Rectangle 38"/>
+          <p:cNvSpPr/>
+          <p:nvPr/>
+        </p:nvSpPr>
+        <p:spPr>
+          <a:xfrm>
+            <a:off x="6898347" y="1582010"/>
+            <a:ext cx="1260000" cy="540000"/>
+          </a:xfrm>
+          <a:prstGeom prst="roundRect">
+            <a:avLst>
+              <a:gd name="adj" fmla="val 19644"/>
+            </a:avLst>
+          </a:prstGeom>
+          <a:solidFill>
+            <a:schemeClr val="tx2">
+              <a:lumMod val="60000"/>
+              <a:lumOff val="40000"/>
+            </a:schemeClr>
+          </a:solidFill>
+          <a:ln w="12700">
+            <a:noFill/>
+          </a:ln>
+          <a:effectLst/>
+        </p:spPr>
+        <p:style>
+          <a:lnRef idx="2">
+            <a:schemeClr val="dk1"/>
+          </a:lnRef>
+          <a:fillRef idx="1">
+            <a:schemeClr val="lt1"/>
+          </a:fillRef>
+          <a:effectRef idx="0">
+            <a:schemeClr val="dk1"/>
+          </a:effectRef>
+          <a:fontRef idx="minor">
+            <a:schemeClr val="dk1"/>
+          </a:fontRef>
+        </p:style>
+        <p:txBody>
+          <a:bodyPr wrap="square" tIns="36000" bIns="36000" rtlCol="0" anchor="ctr">
+            <a:noAutofit/>
+          </a:bodyPr>
+          <a:lstStyle>
+            <a:defPPr>
+              <a:defRPr lang="en-US"/>
+            </a:defPPr>
+            <a:lvl1pPr marL="0" algn="l" defTabSz="914377" rtl="0" eaLnBrk="1" latinLnBrk="0" hangingPunct="1">
+              <a:defRPr sz="1800" kern="1200">
+                <a:solidFill>
+                  <a:schemeClr val="dk1"/>
+                </a:solidFill>
+                <a:latin typeface="+mn-lt"/>
+                <a:ea typeface="+mn-ea"/>
+                <a:cs typeface="+mn-cs"/>
+              </a:defRPr>
+            </a:lvl1pPr>
+            <a:lvl2pPr marL="457189" algn="l" defTabSz="914377" rtl="0" eaLnBrk="1" latinLnBrk="0" hangingPunct="1">
+              <a:defRPr sz="1800" kern="1200">
+                <a:solidFill>
+                  <a:schemeClr val="dk1"/>
+                </a:solidFill>
+                <a:latin typeface="+mn-lt"/>
+                <a:ea typeface="+mn-ea"/>
+                <a:cs typeface="+mn-cs"/>
+              </a:defRPr>
+            </a:lvl2pPr>
+            <a:lvl3pPr marL="914377" algn="l" defTabSz="914377" rtl="0" eaLnBrk="1" latinLnBrk="0" hangingPunct="1">
+              <a:defRPr sz="1800" kern="1200">
+                <a:solidFill>
+                  <a:schemeClr val="dk1"/>
+                </a:solidFill>
+                <a:latin typeface="+mn-lt"/>
+                <a:ea typeface="+mn-ea"/>
+                <a:cs typeface="+mn-cs"/>
+              </a:defRPr>
+            </a:lvl3pPr>
+            <a:lvl4pPr marL="1371566" algn="l" defTabSz="914377" rtl="0" eaLnBrk="1" latinLnBrk="0" hangingPunct="1">
+              <a:defRPr sz="1800" kern="1200">
+                <a:solidFill>
+                  <a:schemeClr val="dk1"/>
+                </a:solidFill>
+                <a:latin typeface="+mn-lt"/>
+                <a:ea typeface="+mn-ea"/>
+                <a:cs typeface="+mn-cs"/>
+              </a:defRPr>
+            </a:lvl4pPr>
+            <a:lvl5pPr marL="1828754" algn="l" defTabSz="914377" rtl="0" eaLnBrk="1" latinLnBrk="0" hangingPunct="1">
+              <a:defRPr sz="1800" kern="1200">
+                <a:solidFill>
+                  <a:schemeClr val="dk1"/>
+                </a:solidFill>
+                <a:latin typeface="+mn-lt"/>
+                <a:ea typeface="+mn-ea"/>
+                <a:cs typeface="+mn-cs"/>
+              </a:defRPr>
+            </a:lvl5pPr>
+            <a:lvl6pPr marL="2285943" algn="l" defTabSz="914377" rtl="0" eaLnBrk="1" latinLnBrk="0" hangingPunct="1">
+              <a:defRPr sz="1800" kern="1200">
+                <a:solidFill>
+                  <a:schemeClr val="dk1"/>
+                </a:solidFill>
+                <a:latin typeface="+mn-lt"/>
+                <a:ea typeface="+mn-ea"/>
+                <a:cs typeface="+mn-cs"/>
+              </a:defRPr>
+            </a:lvl6pPr>
+            <a:lvl7pPr marL="2743131" algn="l" defTabSz="914377" rtl="0" eaLnBrk="1" latinLnBrk="0" hangingPunct="1">
+              <a:defRPr sz="1800" kern="1200">
+                <a:solidFill>
+                  <a:schemeClr val="dk1"/>
+                </a:solidFill>
+                <a:latin typeface="+mn-lt"/>
+                <a:ea typeface="+mn-ea"/>
+                <a:cs typeface="+mn-cs"/>
+              </a:defRPr>
+            </a:lvl7pPr>
+            <a:lvl8pPr marL="3200320" algn="l" defTabSz="914377" rtl="0" eaLnBrk="1" latinLnBrk="0" hangingPunct="1">
+              <a:defRPr sz="1800" kern="1200">
+                <a:solidFill>
+                  <a:schemeClr val="dk1"/>
+                </a:solidFill>
+                <a:latin typeface="+mn-lt"/>
+                <a:ea typeface="+mn-ea"/>
+                <a:cs typeface="+mn-cs"/>
+              </a:defRPr>
+            </a:lvl8pPr>
+            <a:lvl9pPr marL="3657509" algn="l" defTabSz="914377" rtl="0" eaLnBrk="1" latinLnBrk="0" hangingPunct="1">
+              <a:defRPr sz="1800" kern="1200">
+                <a:solidFill>
+                  <a:schemeClr val="dk1"/>
+                </a:solidFill>
+                <a:latin typeface="+mn-lt"/>
+                <a:ea typeface="+mn-ea"/>
+                <a:cs typeface="+mn-cs"/>
+              </a:defRPr>
+            </a:lvl9pPr>
+          </a:lstStyle>
+          <a:p>
+            <a:pPr algn="ctr"/>
+            <a:r>
+              <a:rPr lang="en-US" sz="1200" i="1" dirty="0" smtClean="0">
+                <a:solidFill>
+                  <a:schemeClr val="bg1"/>
+                </a:solidFill>
+                <a:latin typeface="Source Sans Pro Light" charset="0"/>
+                <a:ea typeface="Source Sans Pro Light" charset="0"/>
+                <a:cs typeface="Source Sans Pro Light" charset="0"/>
+              </a:rPr>
+              <a:t>RW Data</a:t>
+            </a:r>
+            <a:endParaRPr lang="en-US" sz="1200" i="1" dirty="0">
+              <a:solidFill>
+                <a:schemeClr val="bg1"/>
+              </a:solidFill>
+              <a:latin typeface="Source Sans Pro Light" charset="0"/>
+              <a:ea typeface="Source Sans Pro Light" charset="0"/>
+              <a:cs typeface="Source Sans Pro Light" charset="0"/>
+            </a:endParaRPr>
+          </a:p>
+        </p:txBody>
+      </p:sp>
+      <p:sp>
+        <p:nvSpPr>
+          <p:cNvPr id="40" name="TextBox 25">
             <a:extLst>
               <a:ext uri="{FF2B5EF4-FFF2-40B4-BE49-F238E27FC236}">
-                <a16:creationId xmlns="" xmlns:a16="http://schemas.microsoft.com/office/drawing/2014/main" xmlns:lc="http://schemas.openxmlformats.org/drawingml/2006/lockedCanvas" id="{86EDDADF-7E45-6142-A0DD-94D136B9C42C}"/>
+                <a16:creationId xmlns:lc="http://schemas.openxmlformats.org/drawingml/2006/lockedCanvas" xmlns:a16="http://schemas.microsoft.com/office/drawing/2014/main" xmlns="" id="{02FBA541-B7B7-48BA-8F04-E0D53532B862}"/>
+              </a:ext>
+            </a:extLst>
+          </p:cNvPr>
+          <p:cNvSpPr txBox="1"/>
+          <p:nvPr/>
+        </p:nvSpPr>
+        <p:spPr>
+          <a:xfrm>
+            <a:off x="8384728" y="4673209"/>
+            <a:ext cx="675503" cy="369332"/>
+          </a:xfrm>
+          <a:prstGeom prst="rect">
+            <a:avLst/>
+          </a:prstGeom>
+          <a:solidFill>
+            <a:schemeClr val="bg1"/>
+          </a:solidFill>
+        </p:spPr>
+        <p:txBody>
+          <a:bodyPr wrap="square" lIns="108000" rIns="108000" rtlCol="0">
+            <a:spAutoFit/>
+          </a:bodyPr>
+          <a:lstStyle>
+            <a:defPPr>
+              <a:defRPr lang="en-US"/>
+            </a:defPPr>
+            <a:lvl1pPr marL="0" algn="l" defTabSz="914377" rtl="0" eaLnBrk="1" latinLnBrk="0" hangingPunct="1">
+              <a:defRPr sz="1800" kern="1200">
+                <a:solidFill>
+                  <a:schemeClr val="tx1"/>
+                </a:solidFill>
+                <a:latin typeface="+mn-lt"/>
+                <a:ea typeface="+mn-ea"/>
+                <a:cs typeface="+mn-cs"/>
+              </a:defRPr>
+            </a:lvl1pPr>
+            <a:lvl2pPr marL="457189" algn="l" defTabSz="914377" rtl="0" eaLnBrk="1" latinLnBrk="0" hangingPunct="1">
+              <a:defRPr sz="1800" kern="1200">
+                <a:solidFill>
+                  <a:schemeClr val="tx1"/>
+                </a:solidFill>
+                <a:latin typeface="+mn-lt"/>
+                <a:ea typeface="+mn-ea"/>
+                <a:cs typeface="+mn-cs"/>
+              </a:defRPr>
+            </a:lvl2pPr>
+            <a:lvl3pPr marL="914377" algn="l" defTabSz="914377" rtl="0" eaLnBrk="1" latinLnBrk="0" hangingPunct="1">
+              <a:defRPr sz="1800" kern="1200">
+                <a:solidFill>
+                  <a:schemeClr val="tx1"/>
+                </a:solidFill>
+                <a:latin typeface="+mn-lt"/>
+                <a:ea typeface="+mn-ea"/>
+                <a:cs typeface="+mn-cs"/>
+              </a:defRPr>
+            </a:lvl3pPr>
+            <a:lvl4pPr marL="1371566" algn="l" defTabSz="914377" rtl="0" eaLnBrk="1" latinLnBrk="0" hangingPunct="1">
+              <a:defRPr sz="1800" kern="1200">
+                <a:solidFill>
+                  <a:schemeClr val="tx1"/>
+                </a:solidFill>
+                <a:latin typeface="+mn-lt"/>
+                <a:ea typeface="+mn-ea"/>
+                <a:cs typeface="+mn-cs"/>
+              </a:defRPr>
+            </a:lvl4pPr>
+            <a:lvl5pPr marL="1828754" algn="l" defTabSz="914377" rtl="0" eaLnBrk="1" latinLnBrk="0" hangingPunct="1">
+              <a:defRPr sz="1800" kern="1200">
+                <a:solidFill>
+                  <a:schemeClr val="tx1"/>
+                </a:solidFill>
+                <a:latin typeface="+mn-lt"/>
+                <a:ea typeface="+mn-ea"/>
+                <a:cs typeface="+mn-cs"/>
+              </a:defRPr>
+            </a:lvl5pPr>
+            <a:lvl6pPr marL="2285943" algn="l" defTabSz="914377" rtl="0" eaLnBrk="1" latinLnBrk="0" hangingPunct="1">
+              <a:defRPr sz="1800" kern="1200">
+                <a:solidFill>
+                  <a:schemeClr val="tx1"/>
+                </a:solidFill>
+                <a:latin typeface="+mn-lt"/>
+                <a:ea typeface="+mn-ea"/>
+                <a:cs typeface="+mn-cs"/>
+              </a:defRPr>
+            </a:lvl6pPr>
+            <a:lvl7pPr marL="2743131" algn="l" defTabSz="914377" rtl="0" eaLnBrk="1" latinLnBrk="0" hangingPunct="1">
+              <a:defRPr sz="1800" kern="1200">
+                <a:solidFill>
+                  <a:schemeClr val="tx1"/>
+                </a:solidFill>
+                <a:latin typeface="+mn-lt"/>
+                <a:ea typeface="+mn-ea"/>
+                <a:cs typeface="+mn-cs"/>
+              </a:defRPr>
+            </a:lvl7pPr>
+            <a:lvl8pPr marL="3200320" algn="l" defTabSz="914377" rtl="0" eaLnBrk="1" latinLnBrk="0" hangingPunct="1">
+              <a:defRPr sz="1800" kern="1200">
+                <a:solidFill>
+                  <a:schemeClr val="tx1"/>
+                </a:solidFill>
+                <a:latin typeface="+mn-lt"/>
+                <a:ea typeface="+mn-ea"/>
+                <a:cs typeface="+mn-cs"/>
+              </a:defRPr>
+            </a:lvl8pPr>
+            <a:lvl9pPr marL="3657509" algn="l" defTabSz="914377" rtl="0" eaLnBrk="1" latinLnBrk="0" hangingPunct="1">
+              <a:defRPr sz="1800" kern="1200">
+                <a:solidFill>
+                  <a:schemeClr val="tx1"/>
+                </a:solidFill>
+                <a:latin typeface="+mn-lt"/>
+                <a:ea typeface="+mn-ea"/>
+                <a:cs typeface="+mn-cs"/>
+              </a:defRPr>
+            </a:lvl9pPr>
+          </a:lstStyle>
+          <a:p>
+            <a:pPr algn="ctr"/>
+            <a:r>
+              <a:rPr lang="en-US" dirty="0" smtClean="0">
+                <a:latin typeface="Source Sans Pro Light" charset="0"/>
+                <a:ea typeface="Source Sans Pro Light" charset="0"/>
+                <a:cs typeface="Source Sans Pro Light" charset="0"/>
+              </a:rPr>
+              <a:t>ROM</a:t>
+            </a:r>
+            <a:endParaRPr lang="en-US" dirty="0">
+              <a:latin typeface="Source Sans Pro Light" charset="0"/>
+              <a:ea typeface="Source Sans Pro Light" charset="0"/>
+              <a:cs typeface="Source Sans Pro Light" charset="0"/>
+            </a:endParaRPr>
+          </a:p>
+        </p:txBody>
+      </p:sp>
+      <p:sp>
+        <p:nvSpPr>
+          <p:cNvPr id="41" name="Rounded Rectangle 40"/>
+          <p:cNvSpPr/>
+          <p:nvPr/>
+        </p:nvSpPr>
+        <p:spPr>
+          <a:xfrm>
+            <a:off x="6632203" y="4662876"/>
+            <a:ext cx="1826336" cy="1956327"/>
+          </a:xfrm>
+          <a:prstGeom prst="roundRect">
+            <a:avLst>
+              <a:gd name="adj" fmla="val 9036"/>
+            </a:avLst>
+          </a:prstGeom>
+          <a:solidFill>
+            <a:schemeClr val="bg1"/>
+          </a:solidFill>
+          <a:ln w="12700">
+            <a:solidFill>
+              <a:schemeClr val="bg2"/>
+            </a:solidFill>
+          </a:ln>
+        </p:spPr>
+        <p:style>
+          <a:lnRef idx="2">
+            <a:schemeClr val="accent1">
+              <a:shade val="50000"/>
+            </a:schemeClr>
+          </a:lnRef>
+          <a:fillRef idx="1">
+            <a:schemeClr val="accent1"/>
+          </a:fillRef>
+          <a:effectRef idx="0">
+            <a:schemeClr val="accent1"/>
+          </a:effectRef>
+          <a:fontRef idx="minor">
+            <a:schemeClr val="lt1"/>
+          </a:fontRef>
+        </p:style>
+        <p:txBody>
+          <a:bodyPr rtlCol="0" anchor="ctr"/>
+          <a:lstStyle>
+            <a:defPPr>
+              <a:defRPr lang="en-US"/>
+            </a:defPPr>
+            <a:lvl1pPr marL="0" algn="l" defTabSz="914377" rtl="0" eaLnBrk="1" latinLnBrk="0" hangingPunct="1">
+              <a:defRPr sz="1800" kern="1200">
+                <a:solidFill>
+                  <a:schemeClr val="lt1"/>
+                </a:solidFill>
+                <a:latin typeface="+mn-lt"/>
+                <a:ea typeface="+mn-ea"/>
+                <a:cs typeface="+mn-cs"/>
+              </a:defRPr>
+            </a:lvl1pPr>
+            <a:lvl2pPr marL="457189" algn="l" defTabSz="914377" rtl="0" eaLnBrk="1" latinLnBrk="0" hangingPunct="1">
+              <a:defRPr sz="1800" kern="1200">
+                <a:solidFill>
+                  <a:schemeClr val="lt1"/>
+                </a:solidFill>
+                <a:latin typeface="+mn-lt"/>
+                <a:ea typeface="+mn-ea"/>
+                <a:cs typeface="+mn-cs"/>
+              </a:defRPr>
+            </a:lvl2pPr>
+            <a:lvl3pPr marL="914377" algn="l" defTabSz="914377" rtl="0" eaLnBrk="1" latinLnBrk="0" hangingPunct="1">
+              <a:defRPr sz="1800" kern="1200">
+                <a:solidFill>
+                  <a:schemeClr val="lt1"/>
+                </a:solidFill>
+                <a:latin typeface="+mn-lt"/>
+                <a:ea typeface="+mn-ea"/>
+                <a:cs typeface="+mn-cs"/>
+              </a:defRPr>
+            </a:lvl3pPr>
+            <a:lvl4pPr marL="1371566" algn="l" defTabSz="914377" rtl="0" eaLnBrk="1" latinLnBrk="0" hangingPunct="1">
+              <a:defRPr sz="1800" kern="1200">
+                <a:solidFill>
+                  <a:schemeClr val="lt1"/>
+                </a:solidFill>
+                <a:latin typeface="+mn-lt"/>
+                <a:ea typeface="+mn-ea"/>
+                <a:cs typeface="+mn-cs"/>
+              </a:defRPr>
+            </a:lvl4pPr>
+            <a:lvl5pPr marL="1828754" algn="l" defTabSz="914377" rtl="0" eaLnBrk="1" latinLnBrk="0" hangingPunct="1">
+              <a:defRPr sz="1800" kern="1200">
+                <a:solidFill>
+                  <a:schemeClr val="lt1"/>
+                </a:solidFill>
+                <a:latin typeface="+mn-lt"/>
+                <a:ea typeface="+mn-ea"/>
+                <a:cs typeface="+mn-cs"/>
+              </a:defRPr>
+            </a:lvl5pPr>
+            <a:lvl6pPr marL="2285943" algn="l" defTabSz="914377" rtl="0" eaLnBrk="1" latinLnBrk="0" hangingPunct="1">
+              <a:defRPr sz="1800" kern="1200">
+                <a:solidFill>
+                  <a:schemeClr val="lt1"/>
+                </a:solidFill>
+                <a:latin typeface="+mn-lt"/>
+                <a:ea typeface="+mn-ea"/>
+                <a:cs typeface="+mn-cs"/>
+              </a:defRPr>
+            </a:lvl6pPr>
+            <a:lvl7pPr marL="2743131" algn="l" defTabSz="914377" rtl="0" eaLnBrk="1" latinLnBrk="0" hangingPunct="1">
+              <a:defRPr sz="1800" kern="1200">
+                <a:solidFill>
+                  <a:schemeClr val="lt1"/>
+                </a:solidFill>
+                <a:latin typeface="+mn-lt"/>
+                <a:ea typeface="+mn-ea"/>
+                <a:cs typeface="+mn-cs"/>
+              </a:defRPr>
+            </a:lvl7pPr>
+            <a:lvl8pPr marL="3200320" algn="l" defTabSz="914377" rtl="0" eaLnBrk="1" latinLnBrk="0" hangingPunct="1">
+              <a:defRPr sz="1800" kern="1200">
+                <a:solidFill>
+                  <a:schemeClr val="lt1"/>
+                </a:solidFill>
+                <a:latin typeface="+mn-lt"/>
+                <a:ea typeface="+mn-ea"/>
+                <a:cs typeface="+mn-cs"/>
+              </a:defRPr>
+            </a:lvl8pPr>
+            <a:lvl9pPr marL="3657509" algn="l" defTabSz="914377" rtl="0" eaLnBrk="1" latinLnBrk="0" hangingPunct="1">
+              <a:defRPr sz="1800" kern="1200">
+                <a:solidFill>
+                  <a:schemeClr val="lt1"/>
+                </a:solidFill>
+                <a:latin typeface="+mn-lt"/>
+                <a:ea typeface="+mn-ea"/>
+                <a:cs typeface="+mn-cs"/>
+              </a:defRPr>
+            </a:lvl9pPr>
+          </a:lstStyle>
+          <a:p>
+            <a:pPr algn="ctr"/>
+            <a:endParaRPr lang="en-US" dirty="0">
+              <a:latin typeface="Source Sans Pro" panose="020B0503030403020204" pitchFamily="34" charset="0"/>
+              <a:ea typeface="Source Sans Pro" panose="020B0503030403020204" pitchFamily="34" charset="0"/>
+            </a:endParaRPr>
+          </a:p>
+        </p:txBody>
+      </p:sp>
+      <p:sp>
+        <p:nvSpPr>
+          <p:cNvPr id="42" name="Rounded Rectangle 41"/>
+          <p:cNvSpPr/>
+          <p:nvPr/>
+        </p:nvSpPr>
+        <p:spPr>
+          <a:xfrm>
+            <a:off x="6748057" y="4796619"/>
+            <a:ext cx="1567847" cy="1679710"/>
+          </a:xfrm>
+          <a:prstGeom prst="roundRect">
+            <a:avLst>
+              <a:gd name="adj" fmla="val 5064"/>
+            </a:avLst>
+          </a:prstGeom>
+          <a:solidFill>
+            <a:schemeClr val="accent2"/>
+          </a:solidFill>
+          <a:ln w="12700">
+            <a:noFill/>
+          </a:ln>
+          <a:effectLst/>
+        </p:spPr>
+        <p:style>
+          <a:lnRef idx="2">
+            <a:schemeClr val="dk1"/>
+          </a:lnRef>
+          <a:fillRef idx="1">
+            <a:schemeClr val="lt1"/>
+          </a:fillRef>
+          <a:effectRef idx="0">
+            <a:schemeClr val="dk1"/>
+          </a:effectRef>
+          <a:fontRef idx="minor">
+            <a:schemeClr val="dk1"/>
+          </a:fontRef>
+        </p:style>
+        <p:txBody>
+          <a:bodyPr wrap="square" tIns="36000" bIns="36000" rtlCol="0" anchor="t" anchorCtr="0">
+            <a:noAutofit/>
+          </a:bodyPr>
+          <a:lstStyle/>
+          <a:p>
+            <a:pPr algn="ctr"/>
+            <a:r>
+              <a:rPr lang="en-US" sz="1200" b="1" i="1" dirty="0" smtClean="0">
+                <a:solidFill>
+                  <a:schemeClr val="bg1"/>
+                </a:solidFill>
+                <a:latin typeface="Source Sans Pro Light" charset="0"/>
+                <a:ea typeface="Source Sans Pro Light" charset="0"/>
+                <a:cs typeface="Source Sans Pro Light" charset="0"/>
+              </a:rPr>
+              <a:t>Features ROM Area</a:t>
+            </a:r>
+            <a:endParaRPr lang="en-US" sz="1200" i="1" dirty="0">
+              <a:solidFill>
+                <a:schemeClr val="bg1"/>
+              </a:solidFill>
+              <a:latin typeface="Source Sans Pro Light" charset="0"/>
+              <a:ea typeface="Source Sans Pro Light" charset="0"/>
+              <a:cs typeface="Source Sans Pro Light" charset="0"/>
+            </a:endParaRPr>
+          </a:p>
+        </p:txBody>
+      </p:sp>
+      <p:sp>
+        <p:nvSpPr>
+          <p:cNvPr id="48" name="Rounded Rectangle 47"/>
+          <p:cNvSpPr/>
+          <p:nvPr/>
+        </p:nvSpPr>
+        <p:spPr>
+          <a:xfrm>
+            <a:off x="6915371" y="5789600"/>
+            <a:ext cx="1260000" cy="540000"/>
+          </a:xfrm>
+          <a:prstGeom prst="roundRect">
+            <a:avLst>
+              <a:gd name="adj" fmla="val 19644"/>
+            </a:avLst>
+          </a:prstGeom>
+          <a:solidFill>
+            <a:schemeClr val="bg2">
+              <a:lumMod val="50000"/>
+            </a:schemeClr>
+          </a:solidFill>
+          <a:ln w="12700">
+            <a:noFill/>
+          </a:ln>
+          <a:effectLst/>
+        </p:spPr>
+        <p:style>
+          <a:lnRef idx="2">
+            <a:schemeClr val="dk1"/>
+          </a:lnRef>
+          <a:fillRef idx="1">
+            <a:schemeClr val="lt1"/>
+          </a:fillRef>
+          <a:effectRef idx="0">
+            <a:schemeClr val="dk1"/>
+          </a:effectRef>
+          <a:fontRef idx="minor">
+            <a:schemeClr val="dk1"/>
+          </a:fontRef>
+        </p:style>
+        <p:txBody>
+          <a:bodyPr wrap="square" tIns="36000" bIns="36000" rtlCol="0" anchor="ctr">
+            <a:noAutofit/>
+          </a:bodyPr>
+          <a:lstStyle>
+            <a:defPPr>
+              <a:defRPr lang="en-US"/>
+            </a:defPPr>
+            <a:lvl1pPr marL="0" algn="l" defTabSz="914377" rtl="0" eaLnBrk="1" latinLnBrk="0" hangingPunct="1">
+              <a:defRPr sz="1800" kern="1200">
+                <a:solidFill>
+                  <a:schemeClr val="dk1"/>
+                </a:solidFill>
+                <a:latin typeface="+mn-lt"/>
+                <a:ea typeface="+mn-ea"/>
+                <a:cs typeface="+mn-cs"/>
+              </a:defRPr>
+            </a:lvl1pPr>
+            <a:lvl2pPr marL="457189" algn="l" defTabSz="914377" rtl="0" eaLnBrk="1" latinLnBrk="0" hangingPunct="1">
+              <a:defRPr sz="1800" kern="1200">
+                <a:solidFill>
+                  <a:schemeClr val="dk1"/>
+                </a:solidFill>
+                <a:latin typeface="+mn-lt"/>
+                <a:ea typeface="+mn-ea"/>
+                <a:cs typeface="+mn-cs"/>
+              </a:defRPr>
+            </a:lvl2pPr>
+            <a:lvl3pPr marL="914377" algn="l" defTabSz="914377" rtl="0" eaLnBrk="1" latinLnBrk="0" hangingPunct="1">
+              <a:defRPr sz="1800" kern="1200">
+                <a:solidFill>
+                  <a:schemeClr val="dk1"/>
+                </a:solidFill>
+                <a:latin typeface="+mn-lt"/>
+                <a:ea typeface="+mn-ea"/>
+                <a:cs typeface="+mn-cs"/>
+              </a:defRPr>
+            </a:lvl3pPr>
+            <a:lvl4pPr marL="1371566" algn="l" defTabSz="914377" rtl="0" eaLnBrk="1" latinLnBrk="0" hangingPunct="1">
+              <a:defRPr sz="1800" kern="1200">
+                <a:solidFill>
+                  <a:schemeClr val="dk1"/>
+                </a:solidFill>
+                <a:latin typeface="+mn-lt"/>
+                <a:ea typeface="+mn-ea"/>
+                <a:cs typeface="+mn-cs"/>
+              </a:defRPr>
+            </a:lvl4pPr>
+            <a:lvl5pPr marL="1828754" algn="l" defTabSz="914377" rtl="0" eaLnBrk="1" latinLnBrk="0" hangingPunct="1">
+              <a:defRPr sz="1800" kern="1200">
+                <a:solidFill>
+                  <a:schemeClr val="dk1"/>
+                </a:solidFill>
+                <a:latin typeface="+mn-lt"/>
+                <a:ea typeface="+mn-ea"/>
+                <a:cs typeface="+mn-cs"/>
+              </a:defRPr>
+            </a:lvl5pPr>
+            <a:lvl6pPr marL="2285943" algn="l" defTabSz="914377" rtl="0" eaLnBrk="1" latinLnBrk="0" hangingPunct="1">
+              <a:defRPr sz="1800" kern="1200">
+                <a:solidFill>
+                  <a:schemeClr val="dk1"/>
+                </a:solidFill>
+                <a:latin typeface="+mn-lt"/>
+                <a:ea typeface="+mn-ea"/>
+                <a:cs typeface="+mn-cs"/>
+              </a:defRPr>
+            </a:lvl6pPr>
+            <a:lvl7pPr marL="2743131" algn="l" defTabSz="914377" rtl="0" eaLnBrk="1" latinLnBrk="0" hangingPunct="1">
+              <a:defRPr sz="1800" kern="1200">
+                <a:solidFill>
+                  <a:schemeClr val="dk1"/>
+                </a:solidFill>
+                <a:latin typeface="+mn-lt"/>
+                <a:ea typeface="+mn-ea"/>
+                <a:cs typeface="+mn-cs"/>
+              </a:defRPr>
+            </a:lvl7pPr>
+            <a:lvl8pPr marL="3200320" algn="l" defTabSz="914377" rtl="0" eaLnBrk="1" latinLnBrk="0" hangingPunct="1">
+              <a:defRPr sz="1800" kern="1200">
+                <a:solidFill>
+                  <a:schemeClr val="dk1"/>
+                </a:solidFill>
+                <a:latin typeface="+mn-lt"/>
+                <a:ea typeface="+mn-ea"/>
+                <a:cs typeface="+mn-cs"/>
+              </a:defRPr>
+            </a:lvl8pPr>
+            <a:lvl9pPr marL="3657509" algn="l" defTabSz="914377" rtl="0" eaLnBrk="1" latinLnBrk="0" hangingPunct="1">
+              <a:defRPr sz="1800" kern="1200">
+                <a:solidFill>
+                  <a:schemeClr val="dk1"/>
+                </a:solidFill>
+                <a:latin typeface="+mn-lt"/>
+                <a:ea typeface="+mn-ea"/>
+                <a:cs typeface="+mn-cs"/>
+              </a:defRPr>
+            </a:lvl9pPr>
+          </a:lstStyle>
+          <a:p>
+            <a:pPr algn="ctr"/>
+            <a:r>
+              <a:rPr lang="en-US" sz="1200" i="1" dirty="0" smtClean="0">
+                <a:solidFill>
+                  <a:schemeClr val="bg1"/>
+                </a:solidFill>
+                <a:latin typeface="Source Sans Pro Light" charset="0"/>
+                <a:ea typeface="Source Sans Pro Light" charset="0"/>
+                <a:cs typeface="Source Sans Pro Light" charset="0"/>
+              </a:rPr>
+              <a:t>RO Data</a:t>
+            </a:r>
+            <a:endParaRPr lang="en-US" sz="1200" i="1" dirty="0">
+              <a:solidFill>
+                <a:schemeClr val="bg1"/>
+              </a:solidFill>
+              <a:latin typeface="Source Sans Pro Light" charset="0"/>
+              <a:ea typeface="Source Sans Pro Light" charset="0"/>
+              <a:cs typeface="Source Sans Pro Light" charset="0"/>
+            </a:endParaRPr>
+          </a:p>
+        </p:txBody>
+      </p:sp>
+      <p:sp>
+        <p:nvSpPr>
+          <p:cNvPr id="49" name="Rounded Rectangle 48"/>
+          <p:cNvSpPr/>
+          <p:nvPr/>
+        </p:nvSpPr>
+        <p:spPr>
+          <a:xfrm>
+            <a:off x="6916698" y="5121672"/>
+            <a:ext cx="1260000" cy="540000"/>
+          </a:xfrm>
+          <a:prstGeom prst="roundRect">
+            <a:avLst>
+              <a:gd name="adj" fmla="val 19644"/>
+            </a:avLst>
+          </a:prstGeom>
+          <a:solidFill>
+            <a:schemeClr val="bg2">
+              <a:lumMod val="25000"/>
+            </a:schemeClr>
+          </a:solidFill>
+          <a:ln w="12700">
+            <a:noFill/>
+          </a:ln>
+          <a:effectLst/>
+        </p:spPr>
+        <p:style>
+          <a:lnRef idx="2">
+            <a:schemeClr val="dk1"/>
+          </a:lnRef>
+          <a:fillRef idx="1">
+            <a:schemeClr val="lt1"/>
+          </a:fillRef>
+          <a:effectRef idx="0">
+            <a:schemeClr val="dk1"/>
+          </a:effectRef>
+          <a:fontRef idx="minor">
+            <a:schemeClr val="dk1"/>
+          </a:fontRef>
+        </p:style>
+        <p:txBody>
+          <a:bodyPr wrap="square" tIns="36000" bIns="36000" rtlCol="0" anchor="ctr">
+            <a:noAutofit/>
+          </a:bodyPr>
+          <a:lstStyle>
+            <a:defPPr>
+              <a:defRPr lang="en-US"/>
+            </a:defPPr>
+            <a:lvl1pPr marL="0" algn="l" defTabSz="914377" rtl="0" eaLnBrk="1" latinLnBrk="0" hangingPunct="1">
+              <a:defRPr sz="1800" kern="1200">
+                <a:solidFill>
+                  <a:schemeClr val="dk1"/>
+                </a:solidFill>
+                <a:latin typeface="+mn-lt"/>
+                <a:ea typeface="+mn-ea"/>
+                <a:cs typeface="+mn-cs"/>
+              </a:defRPr>
+            </a:lvl1pPr>
+            <a:lvl2pPr marL="457189" algn="l" defTabSz="914377" rtl="0" eaLnBrk="1" latinLnBrk="0" hangingPunct="1">
+              <a:defRPr sz="1800" kern="1200">
+                <a:solidFill>
+                  <a:schemeClr val="dk1"/>
+                </a:solidFill>
+                <a:latin typeface="+mn-lt"/>
+                <a:ea typeface="+mn-ea"/>
+                <a:cs typeface="+mn-cs"/>
+              </a:defRPr>
+            </a:lvl2pPr>
+            <a:lvl3pPr marL="914377" algn="l" defTabSz="914377" rtl="0" eaLnBrk="1" latinLnBrk="0" hangingPunct="1">
+              <a:defRPr sz="1800" kern="1200">
+                <a:solidFill>
+                  <a:schemeClr val="dk1"/>
+                </a:solidFill>
+                <a:latin typeface="+mn-lt"/>
+                <a:ea typeface="+mn-ea"/>
+                <a:cs typeface="+mn-cs"/>
+              </a:defRPr>
+            </a:lvl3pPr>
+            <a:lvl4pPr marL="1371566" algn="l" defTabSz="914377" rtl="0" eaLnBrk="1" latinLnBrk="0" hangingPunct="1">
+              <a:defRPr sz="1800" kern="1200">
+                <a:solidFill>
+                  <a:schemeClr val="dk1"/>
+                </a:solidFill>
+                <a:latin typeface="+mn-lt"/>
+                <a:ea typeface="+mn-ea"/>
+                <a:cs typeface="+mn-cs"/>
+              </a:defRPr>
+            </a:lvl4pPr>
+            <a:lvl5pPr marL="1828754" algn="l" defTabSz="914377" rtl="0" eaLnBrk="1" latinLnBrk="0" hangingPunct="1">
+              <a:defRPr sz="1800" kern="1200">
+                <a:solidFill>
+                  <a:schemeClr val="dk1"/>
+                </a:solidFill>
+                <a:latin typeface="+mn-lt"/>
+                <a:ea typeface="+mn-ea"/>
+                <a:cs typeface="+mn-cs"/>
+              </a:defRPr>
+            </a:lvl5pPr>
+            <a:lvl6pPr marL="2285943" algn="l" defTabSz="914377" rtl="0" eaLnBrk="1" latinLnBrk="0" hangingPunct="1">
+              <a:defRPr sz="1800" kern="1200">
+                <a:solidFill>
+                  <a:schemeClr val="dk1"/>
+                </a:solidFill>
+                <a:latin typeface="+mn-lt"/>
+                <a:ea typeface="+mn-ea"/>
+                <a:cs typeface="+mn-cs"/>
+              </a:defRPr>
+            </a:lvl6pPr>
+            <a:lvl7pPr marL="2743131" algn="l" defTabSz="914377" rtl="0" eaLnBrk="1" latinLnBrk="0" hangingPunct="1">
+              <a:defRPr sz="1800" kern="1200">
+                <a:solidFill>
+                  <a:schemeClr val="dk1"/>
+                </a:solidFill>
+                <a:latin typeface="+mn-lt"/>
+                <a:ea typeface="+mn-ea"/>
+                <a:cs typeface="+mn-cs"/>
+              </a:defRPr>
+            </a:lvl7pPr>
+            <a:lvl8pPr marL="3200320" algn="l" defTabSz="914377" rtl="0" eaLnBrk="1" latinLnBrk="0" hangingPunct="1">
+              <a:defRPr sz="1800" kern="1200">
+                <a:solidFill>
+                  <a:schemeClr val="dk1"/>
+                </a:solidFill>
+                <a:latin typeface="+mn-lt"/>
+                <a:ea typeface="+mn-ea"/>
+                <a:cs typeface="+mn-cs"/>
+              </a:defRPr>
+            </a:lvl8pPr>
+            <a:lvl9pPr marL="3657509" algn="l" defTabSz="914377" rtl="0" eaLnBrk="1" latinLnBrk="0" hangingPunct="1">
+              <a:defRPr sz="1800" kern="1200">
+                <a:solidFill>
+                  <a:schemeClr val="dk1"/>
+                </a:solidFill>
+                <a:latin typeface="+mn-lt"/>
+                <a:ea typeface="+mn-ea"/>
+                <a:cs typeface="+mn-cs"/>
+              </a:defRPr>
+            </a:lvl9pPr>
+          </a:lstStyle>
+          <a:p>
+            <a:pPr algn="ctr"/>
+            <a:r>
+              <a:rPr lang="en-US" sz="1200" i="1" dirty="0" smtClean="0">
+                <a:solidFill>
+                  <a:schemeClr val="bg1"/>
+                </a:solidFill>
+                <a:latin typeface="Source Sans Pro Light" charset="0"/>
+                <a:ea typeface="Source Sans Pro Light" charset="0"/>
+                <a:cs typeface="Source Sans Pro Light" charset="0"/>
+              </a:rPr>
+              <a:t>Linked Code</a:t>
+            </a:r>
+            <a:endParaRPr lang="en-US" sz="1200" i="1" dirty="0">
+              <a:solidFill>
+                <a:schemeClr val="bg1"/>
+              </a:solidFill>
+              <a:latin typeface="Source Sans Pro Light" charset="0"/>
+              <a:ea typeface="Source Sans Pro Light" charset="0"/>
+              <a:cs typeface="Source Sans Pro Light" charset="0"/>
+            </a:endParaRPr>
+          </a:p>
+        </p:txBody>
+      </p:sp>
+      <p:sp>
+        <p:nvSpPr>
+          <p:cNvPr id="50" name="Arc 49"/>
+          <p:cNvSpPr/>
+          <p:nvPr/>
+        </p:nvSpPr>
+        <p:spPr>
+          <a:xfrm flipH="1" flipV="1">
+            <a:off x="6463582" y="3346601"/>
+            <a:ext cx="384418" cy="1561789"/>
+          </a:xfrm>
+          <a:prstGeom prst="arc">
+            <a:avLst>
+              <a:gd name="adj1" fmla="val 16259913"/>
+              <a:gd name="adj2" fmla="val 5193504"/>
+            </a:avLst>
+          </a:prstGeom>
+          <a:ln w="19050">
+            <a:solidFill>
+              <a:schemeClr val="tx2">
+                <a:lumMod val="60000"/>
+                <a:lumOff val="40000"/>
+              </a:schemeClr>
+            </a:solidFill>
+            <a:headEnd type="triangle"/>
+          </a:ln>
+        </p:spPr>
+        <p:style>
+          <a:lnRef idx="1">
+            <a:schemeClr val="accent1"/>
+          </a:lnRef>
+          <a:fillRef idx="0">
+            <a:schemeClr val="accent1"/>
+          </a:fillRef>
+          <a:effectRef idx="0">
+            <a:schemeClr val="accent1"/>
+          </a:effectRef>
+          <a:fontRef idx="minor">
+            <a:schemeClr val="tx1"/>
+          </a:fontRef>
+        </p:style>
+        <p:txBody>
+          <a:bodyPr rtlCol="0" anchor="ctr"/>
+          <a:lstStyle/>
+          <a:p>
+            <a:pPr algn="ctr"/>
+            <a:endParaRPr lang="en-US"/>
+          </a:p>
+        </p:txBody>
+      </p:sp>
+      <p:sp>
+        <p:nvSpPr>
+          <p:cNvPr id="55" name="TextBox 54"/>
+          <p:cNvSpPr txBox="1"/>
+          <p:nvPr/>
+        </p:nvSpPr>
+        <p:spPr>
+          <a:xfrm>
+            <a:off x="2970541" y="2063591"/>
+            <a:ext cx="3125044" cy="215444"/>
+          </a:xfrm>
+          <a:prstGeom prst="rect">
+            <a:avLst/>
+          </a:prstGeom>
+          <a:noFill/>
+        </p:spPr>
+        <p:txBody>
+          <a:bodyPr vert="horz" wrap="square" lIns="0" tIns="0" rIns="0" bIns="0" numCol="1" spcCol="288000" rtlCol="0" anchor="t" anchorCtr="0">
+            <a:spAutoFit/>
+          </a:bodyPr>
+          <a:lstStyle/>
+          <a:p>
+            <a:pPr>
+              <a:spcBef>
+                <a:spcPts val="0"/>
+              </a:spcBef>
+            </a:pPr>
+            <a:r>
+              <a:rPr lang="en-US" sz="1400" dirty="0" smtClean="0">
+                <a:solidFill>
+                  <a:schemeClr val="tx2"/>
+                </a:solidFill>
+                <a:latin typeface="Source Sans Pro Light" charset="0"/>
+                <a:ea typeface="Source Sans Pro Light" charset="0"/>
+                <a:cs typeface="Source Sans Pro Light" charset="0"/>
+              </a:rPr>
+              <a:t>Transfer &amp; link </a:t>
+            </a:r>
+            <a:r>
+              <a:rPr lang="en-US" sz="1400" dirty="0" smtClean="0">
+                <a:solidFill>
+                  <a:schemeClr val="tx2"/>
+                </a:solidFill>
+                <a:latin typeface="Source Sans Pro Light" charset="0"/>
+                <a:ea typeface="Source Sans Pro Light" charset="0"/>
+                <a:cs typeface="Source Sans Pro Light" charset="0"/>
+              </a:rPr>
+              <a:t>Code (chunk by chunk)</a:t>
+            </a:r>
+          </a:p>
+        </p:txBody>
+      </p:sp>
+      <p:pic>
+        <p:nvPicPr>
+          <p:cNvPr id="60" name="Picture 59">
+            <a:extLst>
+              <a:ext uri="{FF2B5EF4-FFF2-40B4-BE49-F238E27FC236}">
+                <a16:creationId xmlns:lc="http://schemas.openxmlformats.org/drawingml/2006/lockedCanvas" xmlns:a16="http://schemas.microsoft.com/office/drawing/2014/main" xmlns="" id="{1D3FE1F1-8624-5141-BA1D-0717D0491635}"/>
+              </a:ext>
+            </a:extLst>
+          </p:cNvPr>
+          <p:cNvPicPr>
+            <a:picLocks noChangeAspect="1"/>
+          </p:cNvPicPr>
+          <p:nvPr/>
+        </p:nvPicPr>
+        <p:blipFill>
+          <a:blip r:embed="rId4" cstate="print">
+            <a:extLst>
+              <a:ext uri="{28A0092B-C50C-407E-A947-70E740481C1C}">
+                <a14:useLocalDpi xmlns:a14="http://schemas.microsoft.com/office/drawing/2010/main" val="0"/>
+              </a:ext>
+            </a:extLst>
+          </a:blip>
+          <a:stretch>
+            <a:fillRect/>
+          </a:stretch>
+        </p:blipFill>
+        <p:spPr>
+          <a:xfrm>
+            <a:off x="7904676" y="4067519"/>
+            <a:ext cx="252000" cy="252000"/>
+          </a:xfrm>
+          <a:prstGeom prst="rect">
+            <a:avLst/>
+          </a:prstGeom>
+        </p:spPr>
+      </p:pic>
+      <p:sp>
+        <p:nvSpPr>
+          <p:cNvPr id="56" name="Oval 55">
+            <a:extLst>
+              <a:ext uri="{FF2B5EF4-FFF2-40B4-BE49-F238E27FC236}">
+                <a16:creationId xmlns="" xmlns:a16="http://schemas.microsoft.com/office/drawing/2014/main" id="{8F099C04-5029-5348-BB2C-AE4DBD46822A}"/>
               </a:ext>
             </a:extLst>
           </p:cNvPr>
@@ -19804,9 +20509,401 @@
           <p:nvPr/>
         </p:nvSpPr>
         <p:spPr>
+          <a:xfrm>
+            <a:off x="2623995" y="5748133"/>
+            <a:ext cx="288032" cy="288032"/>
+          </a:xfrm>
+          <a:prstGeom prst="ellipse">
+            <a:avLst/>
+          </a:prstGeom>
+          <a:ln>
+            <a:noFill/>
+          </a:ln>
+        </p:spPr>
+        <p:style>
+          <a:lnRef idx="2">
+            <a:schemeClr val="accent1">
+              <a:shade val="50000"/>
+            </a:schemeClr>
+          </a:lnRef>
+          <a:fillRef idx="1">
+            <a:schemeClr val="accent1"/>
+          </a:fillRef>
+          <a:effectRef idx="0">
+            <a:schemeClr val="accent1"/>
+          </a:effectRef>
+          <a:fontRef idx="minor">
+            <a:schemeClr val="lt1"/>
+          </a:fontRef>
+        </p:style>
+        <p:txBody>
+          <a:bodyPr rtlCol="0" anchor="ctr"/>
+          <a:lstStyle/>
+          <a:p>
+            <a:pPr algn="ctr"/>
+            <a:r>
+              <a:rPr lang="en-US" b="1" dirty="0">
+                <a:solidFill>
+                  <a:schemeClr val="bg1"/>
+                </a:solidFill>
+                <a:latin typeface="Source Sans Pro" panose="020B0503030403020204" pitchFamily="34" charset="0"/>
+                <a:ea typeface="Source Sans Pro" panose="020B0503030403020204" pitchFamily="34" charset="0"/>
+                <a:cs typeface="Source Sans Pro Light" charset="0"/>
+              </a:rPr>
+              <a:t>3</a:t>
+            </a:r>
+          </a:p>
+        </p:txBody>
+      </p:sp>
+      <p:sp>
+        <p:nvSpPr>
+          <p:cNvPr id="57" name="Oval 56">
+            <a:extLst>
+              <a:ext uri="{FF2B5EF4-FFF2-40B4-BE49-F238E27FC236}">
+                <a16:creationId xmlns="" xmlns:a16="http://schemas.microsoft.com/office/drawing/2014/main" id="{D23C6353-F2C3-EA4A-9C2E-DAB87E982EFE}"/>
+              </a:ext>
+            </a:extLst>
+          </p:cNvPr>
+          <p:cNvSpPr/>
+          <p:nvPr/>
+        </p:nvSpPr>
+        <p:spPr>
+          <a:xfrm>
+            <a:off x="3365609" y="2373417"/>
+            <a:ext cx="289335" cy="298400"/>
+          </a:xfrm>
+          <a:prstGeom prst="ellipse">
+            <a:avLst/>
+          </a:prstGeom>
+          <a:ln>
+            <a:noFill/>
+          </a:ln>
+        </p:spPr>
+        <p:style>
+          <a:lnRef idx="2">
+            <a:schemeClr val="accent1">
+              <a:shade val="50000"/>
+            </a:schemeClr>
+          </a:lnRef>
+          <a:fillRef idx="1">
+            <a:schemeClr val="accent1"/>
+          </a:fillRef>
+          <a:effectRef idx="0">
+            <a:schemeClr val="accent1"/>
+          </a:effectRef>
+          <a:fontRef idx="minor">
+            <a:schemeClr val="lt1"/>
+          </a:fontRef>
+        </p:style>
+        <p:txBody>
+          <a:bodyPr lIns="0" tIns="0" rIns="0" bIns="0" rtlCol="0" anchor="ctr"/>
+          <a:lstStyle/>
+          <a:p>
+            <a:pPr algn="ctr"/>
+            <a:r>
+              <a:rPr lang="en-US" sz="1100" b="1" dirty="0" smtClean="0">
+                <a:solidFill>
+                  <a:schemeClr val="bg1"/>
+                </a:solidFill>
+                <a:latin typeface="Source Sans Pro" panose="020B0503030403020204" pitchFamily="34" charset="0"/>
+                <a:ea typeface="Source Sans Pro" panose="020B0503030403020204" pitchFamily="34" charset="0"/>
+                <a:cs typeface="Source Sans Pro Light" charset="0"/>
+              </a:rPr>
+              <a:t>1.1</a:t>
+            </a:r>
+            <a:endParaRPr lang="en-US" sz="1100" b="1" dirty="0">
+              <a:solidFill>
+                <a:schemeClr val="bg1"/>
+              </a:solidFill>
+              <a:latin typeface="Source Sans Pro" panose="020B0503030403020204" pitchFamily="34" charset="0"/>
+              <a:ea typeface="Source Sans Pro" panose="020B0503030403020204" pitchFamily="34" charset="0"/>
+              <a:cs typeface="Source Sans Pro Light" charset="0"/>
+            </a:endParaRPr>
+          </a:p>
+        </p:txBody>
+      </p:sp>
+      <p:sp>
+        <p:nvSpPr>
+          <p:cNvPr id="17" name="Rectangle 16"/>
+          <p:cNvSpPr/>
+          <p:nvPr/>
+        </p:nvSpPr>
+        <p:spPr>
+          <a:xfrm>
+            <a:off x="3640981" y="2383971"/>
+            <a:ext cx="2848857" cy="276999"/>
+          </a:xfrm>
+          <a:prstGeom prst="rect">
+            <a:avLst/>
+          </a:prstGeom>
+        </p:spPr>
+        <p:txBody>
+          <a:bodyPr wrap="none">
+            <a:spAutoFit/>
+          </a:bodyPr>
+          <a:lstStyle/>
+          <a:p>
+            <a:r>
+              <a:rPr lang="en-US" sz="1200" dirty="0">
+                <a:solidFill>
+                  <a:schemeClr val="tx2"/>
+                </a:solidFill>
+                <a:latin typeface="Source Sans Pro Light" charset="0"/>
+                <a:ea typeface="Source Sans Pro Light" charset="0"/>
+                <a:cs typeface="Source Sans Pro Light" charset="0"/>
+              </a:rPr>
+              <a:t>Transfer Code chunk to temporary location</a:t>
+            </a:r>
+          </a:p>
+        </p:txBody>
+      </p:sp>
+      <p:sp>
+        <p:nvSpPr>
+          <p:cNvPr id="58" name="Oval 57">
+            <a:extLst>
+              <a:ext uri="{FF2B5EF4-FFF2-40B4-BE49-F238E27FC236}">
+                <a16:creationId xmlns="" xmlns:a16="http://schemas.microsoft.com/office/drawing/2014/main" id="{D23C6353-F2C3-EA4A-9C2E-DAB87E982EFE}"/>
+              </a:ext>
+            </a:extLst>
+          </p:cNvPr>
+          <p:cNvSpPr/>
+          <p:nvPr/>
+        </p:nvSpPr>
+        <p:spPr>
+          <a:xfrm>
+            <a:off x="3367775" y="2809516"/>
+            <a:ext cx="289335" cy="298400"/>
+          </a:xfrm>
+          <a:prstGeom prst="ellipse">
+            <a:avLst/>
+          </a:prstGeom>
+          <a:ln>
+            <a:noFill/>
+          </a:ln>
+        </p:spPr>
+        <p:style>
+          <a:lnRef idx="2">
+            <a:schemeClr val="accent1">
+              <a:shade val="50000"/>
+            </a:schemeClr>
+          </a:lnRef>
+          <a:fillRef idx="1">
+            <a:schemeClr val="accent1"/>
+          </a:fillRef>
+          <a:effectRef idx="0">
+            <a:schemeClr val="accent1"/>
+          </a:effectRef>
+          <a:fontRef idx="minor">
+            <a:schemeClr val="lt1"/>
+          </a:fontRef>
+        </p:style>
+        <p:txBody>
+          <a:bodyPr lIns="0" tIns="0" rIns="0" bIns="0" rtlCol="0" anchor="ctr"/>
+          <a:lstStyle/>
+          <a:p>
+            <a:pPr algn="ctr"/>
+            <a:r>
+              <a:rPr lang="en-US" sz="1100" b="1" dirty="0" smtClean="0">
+                <a:solidFill>
+                  <a:schemeClr val="bg1"/>
+                </a:solidFill>
+                <a:latin typeface="Source Sans Pro" panose="020B0503030403020204" pitchFamily="34" charset="0"/>
+                <a:ea typeface="Source Sans Pro" panose="020B0503030403020204" pitchFamily="34" charset="0"/>
+                <a:cs typeface="Source Sans Pro Light" charset="0"/>
+              </a:rPr>
+              <a:t>1.2</a:t>
+            </a:r>
+            <a:endParaRPr lang="en-US" sz="1100" b="1" dirty="0">
+              <a:solidFill>
+                <a:schemeClr val="bg1"/>
+              </a:solidFill>
+              <a:latin typeface="Source Sans Pro" panose="020B0503030403020204" pitchFamily="34" charset="0"/>
+              <a:ea typeface="Source Sans Pro" panose="020B0503030403020204" pitchFamily="34" charset="0"/>
+              <a:cs typeface="Source Sans Pro Light" charset="0"/>
+            </a:endParaRPr>
+          </a:p>
+        </p:txBody>
+      </p:sp>
+      <p:sp>
+        <p:nvSpPr>
+          <p:cNvPr id="59" name="Rectangle 58"/>
+          <p:cNvSpPr/>
+          <p:nvPr/>
+        </p:nvSpPr>
+        <p:spPr>
+          <a:xfrm>
+            <a:off x="3646796" y="2807103"/>
+            <a:ext cx="1616148" cy="276999"/>
+          </a:xfrm>
+          <a:prstGeom prst="rect">
+            <a:avLst/>
+          </a:prstGeom>
+        </p:spPr>
+        <p:txBody>
+          <a:bodyPr wrap="none">
+            <a:spAutoFit/>
+          </a:bodyPr>
+          <a:lstStyle/>
+          <a:p>
+            <a:r>
+              <a:rPr lang="en-US" sz="1200" dirty="0">
+                <a:solidFill>
+                  <a:schemeClr val="tx2"/>
+                </a:solidFill>
+                <a:latin typeface="Source Sans Pro Light" charset="0"/>
+                <a:ea typeface="Source Sans Pro Light" charset="0"/>
+                <a:cs typeface="Source Sans Pro Light" charset="0"/>
+              </a:rPr>
+              <a:t>Apply </a:t>
+            </a:r>
+            <a:r>
+              <a:rPr lang="en-US" sz="1200" dirty="0" smtClean="0">
+                <a:solidFill>
+                  <a:schemeClr val="tx2"/>
+                </a:solidFill>
+                <a:latin typeface="Source Sans Pro Light" charset="0"/>
+                <a:ea typeface="Source Sans Pro Light" charset="0"/>
+                <a:cs typeface="Source Sans Pro Light" charset="0"/>
+              </a:rPr>
+              <a:t>Code relocations</a:t>
+            </a:r>
+            <a:endParaRPr lang="en-US" sz="1200" dirty="0">
+              <a:solidFill>
+                <a:schemeClr val="tx2"/>
+              </a:solidFill>
+              <a:latin typeface="Source Sans Pro Light" charset="0"/>
+              <a:ea typeface="Source Sans Pro Light" charset="0"/>
+              <a:cs typeface="Source Sans Pro Light" charset="0"/>
+            </a:endParaRPr>
+          </a:p>
+        </p:txBody>
+      </p:sp>
+      <p:sp>
+        <p:nvSpPr>
+          <p:cNvPr id="66" name="Oval 65">
+            <a:extLst>
+              <a:ext uri="{FF2B5EF4-FFF2-40B4-BE49-F238E27FC236}">
+                <a16:creationId xmlns="" xmlns:a16="http://schemas.microsoft.com/office/drawing/2014/main" id="{D23C6353-F2C3-EA4A-9C2E-DAB87E982EFE}"/>
+              </a:ext>
+            </a:extLst>
+          </p:cNvPr>
+          <p:cNvSpPr/>
+          <p:nvPr/>
+        </p:nvSpPr>
+        <p:spPr>
+          <a:xfrm>
+            <a:off x="3368689" y="3227963"/>
+            <a:ext cx="289335" cy="298400"/>
+          </a:xfrm>
+          <a:prstGeom prst="ellipse">
+            <a:avLst/>
+          </a:prstGeom>
+          <a:ln>
+            <a:noFill/>
+          </a:ln>
+        </p:spPr>
+        <p:style>
+          <a:lnRef idx="2">
+            <a:schemeClr val="accent1">
+              <a:shade val="50000"/>
+            </a:schemeClr>
+          </a:lnRef>
+          <a:fillRef idx="1">
+            <a:schemeClr val="accent1"/>
+          </a:fillRef>
+          <a:effectRef idx="0">
+            <a:schemeClr val="accent1"/>
+          </a:effectRef>
+          <a:fontRef idx="minor">
+            <a:schemeClr val="lt1"/>
+          </a:fontRef>
+        </p:style>
+        <p:txBody>
+          <a:bodyPr lIns="0" tIns="0" rIns="0" bIns="0" rtlCol="0" anchor="ctr"/>
+          <a:lstStyle/>
+          <a:p>
+            <a:pPr algn="ctr"/>
+            <a:r>
+              <a:rPr lang="en-US" sz="1100" b="1" dirty="0" smtClean="0">
+                <a:solidFill>
+                  <a:schemeClr val="bg1"/>
+                </a:solidFill>
+                <a:latin typeface="Source Sans Pro" panose="020B0503030403020204" pitchFamily="34" charset="0"/>
+                <a:ea typeface="Source Sans Pro" panose="020B0503030403020204" pitchFamily="34" charset="0"/>
+                <a:cs typeface="Source Sans Pro Light" charset="0"/>
+              </a:rPr>
+              <a:t>1.3</a:t>
+            </a:r>
+            <a:endParaRPr lang="en-US" sz="1100" b="1" dirty="0">
+              <a:solidFill>
+                <a:schemeClr val="bg1"/>
+              </a:solidFill>
+              <a:latin typeface="Source Sans Pro" panose="020B0503030403020204" pitchFamily="34" charset="0"/>
+              <a:ea typeface="Source Sans Pro" panose="020B0503030403020204" pitchFamily="34" charset="0"/>
+              <a:cs typeface="Source Sans Pro Light" charset="0"/>
+            </a:endParaRPr>
+          </a:p>
+        </p:txBody>
+      </p:sp>
+      <p:sp>
+        <p:nvSpPr>
+          <p:cNvPr id="67" name="Rectangle 66"/>
+          <p:cNvSpPr/>
+          <p:nvPr/>
+        </p:nvSpPr>
+        <p:spPr>
+          <a:xfrm>
+            <a:off x="3640981" y="3245725"/>
+            <a:ext cx="2566728" cy="276999"/>
+          </a:xfrm>
+          <a:prstGeom prst="rect">
+            <a:avLst/>
+          </a:prstGeom>
+        </p:spPr>
+        <p:txBody>
+          <a:bodyPr wrap="none">
+            <a:spAutoFit/>
+          </a:bodyPr>
+          <a:lstStyle/>
+          <a:p>
+            <a:r>
+              <a:rPr lang="en-GB" sz="1200" dirty="0">
+                <a:solidFill>
+                  <a:schemeClr val="tx2"/>
+                </a:solidFill>
+                <a:latin typeface="Source Sans Pro Light" charset="0"/>
+                <a:ea typeface="Source Sans Pro Light" charset="0"/>
+                <a:cs typeface="Source Sans Pro Light" charset="0"/>
+              </a:rPr>
+              <a:t>Transfer Code chunk to target location</a:t>
+            </a:r>
+            <a:endParaRPr lang="en-GB" sz="1200" dirty="0">
+              <a:solidFill>
+                <a:schemeClr val="tx2"/>
+              </a:solidFill>
+              <a:latin typeface="Source Sans Pro Light" charset="0"/>
+              <a:ea typeface="Source Sans Pro Light" charset="0"/>
+              <a:cs typeface="Source Sans Pro Light" charset="0"/>
+            </a:endParaRPr>
+          </a:p>
+        </p:txBody>
+      </p:sp>
+      <p:sp>
+        <p:nvSpPr>
+          <p:cNvPr id="72" name="Arc 71">
+            <a:extLst>
+              <a:ext uri="{FF2B5EF4-FFF2-40B4-BE49-F238E27FC236}">
+                <a16:creationId xmlns:lc="http://schemas.openxmlformats.org/drawingml/2006/lockedCanvas" xmlns:a16="http://schemas.microsoft.com/office/drawing/2014/main" xmlns="" id="{86EDDADF-7E45-6142-A0DD-94D136B9C42C}"/>
+              </a:ext>
+            </a:extLst>
+          </p:cNvPr>
+          <p:cNvSpPr/>
+          <p:nvPr/>
+        </p:nvSpPr>
+        <p:spPr>
           <a:xfrm rot="10800000">
-            <a:off x="6404496" y="2999159"/>
-            <a:ext cx="436914" cy="436914"/>
+            <a:off x="6386783" y="2798874"/>
+            <a:ext cx="436914" cy="320562"/>
           </a:xfrm>
           <a:prstGeom prst="arc">
             <a:avLst>
@@ -19814,7 +20911,7 @@
               <a:gd name="adj2" fmla="val 5359879"/>
             </a:avLst>
           </a:prstGeom>
-          <a:ln w="28575">
+          <a:ln w="19050">
             <a:solidFill>
               <a:schemeClr val="tx2">
                 <a:lumMod val="60000"/>
@@ -19941,151 +21038,12 @@
           </a:p>
         </p:txBody>
       </p:sp>
-      <p:sp>
-        <p:nvSpPr>
-          <p:cNvPr id="88" name="TextBox 87"/>
-          <p:cNvSpPr txBox="1"/>
-          <p:nvPr/>
-        </p:nvSpPr>
-        <p:spPr>
-          <a:xfrm>
-            <a:off x="3536807" y="4408143"/>
-            <a:ext cx="2756937" cy="215444"/>
-          </a:xfrm>
-          <a:prstGeom prst="rect">
-            <a:avLst/>
-          </a:prstGeom>
-          <a:noFill/>
-        </p:spPr>
-        <p:txBody>
-          <a:bodyPr vert="horz" wrap="square" lIns="0" tIns="0" rIns="0" bIns="0" numCol="1" spcCol="288000" rtlCol="0" anchor="t" anchorCtr="0">
-            <a:spAutoFit/>
-          </a:bodyPr>
-          <a:lstStyle/>
-          <a:p>
-            <a:pPr>
-              <a:spcBef>
-                <a:spcPts val="0"/>
-              </a:spcBef>
-              <a:spcAft>
-                <a:spcPts val="600"/>
-              </a:spcAft>
-            </a:pPr>
-            <a:r>
-              <a:rPr lang="en-US" sz="1400" b="0" i="0" spc="0" dirty="0" smtClean="0">
-                <a:ln>
-                  <a:noFill/>
-                </a:ln>
-                <a:solidFill>
-                  <a:schemeClr val="tx2"/>
-                </a:solidFill>
-                <a:latin typeface="Source Sans Pro Light" charset="0"/>
-                <a:ea typeface="Source Sans Pro Light" charset="0"/>
-                <a:cs typeface="Source Sans Pro Light" charset="0"/>
-              </a:rPr>
-              <a:t>Free </a:t>
-            </a:r>
-            <a:r>
-              <a:rPr lang="en-US" sz="1400" dirty="0" smtClean="0">
-                <a:solidFill>
-                  <a:schemeClr val="tx2"/>
-                </a:solidFill>
-                <a:latin typeface="Source Sans Pro Light" charset="0"/>
-                <a:ea typeface="Source Sans Pro Light" charset="0"/>
-                <a:cs typeface="Source Sans Pro Light" charset="0"/>
-              </a:rPr>
-              <a:t>temporary </a:t>
-            </a:r>
-            <a:r>
-              <a:rPr lang="en-US" sz="1400" dirty="0" smtClean="0">
-                <a:solidFill>
-                  <a:schemeClr val="tx2"/>
-                </a:solidFill>
-                <a:latin typeface="Source Sans Pro Light" charset="0"/>
-                <a:ea typeface="Source Sans Pro Light" charset="0"/>
-                <a:cs typeface="Source Sans Pro Light" charset="0"/>
-              </a:rPr>
-              <a:t>locations</a:t>
-            </a:r>
-            <a:endParaRPr lang="en-US" sz="1400" b="0" i="0" spc="0" dirty="0" smtClean="0">
-              <a:ln>
-                <a:noFill/>
-              </a:ln>
-              <a:solidFill>
-                <a:schemeClr val="tx2"/>
-              </a:solidFill>
-              <a:latin typeface="Source Sans Pro Light" charset="0"/>
-              <a:ea typeface="Source Sans Pro Light" charset="0"/>
-              <a:cs typeface="Source Sans Pro Light" charset="0"/>
-            </a:endParaRPr>
-          </a:p>
-        </p:txBody>
-      </p:sp>
-      <p:sp>
-        <p:nvSpPr>
-          <p:cNvPr id="89" name="Oval 88">
+      <p:pic>
+        <p:nvPicPr>
+          <p:cNvPr id="73" name="Picture 72">
             <a:extLst>
               <a:ext uri="{FF2B5EF4-FFF2-40B4-BE49-F238E27FC236}">
-                <a16:creationId xmlns:a16="http://schemas.microsoft.com/office/drawing/2014/main" xmlns="" id="{8F099C04-5029-5348-BB2C-AE4DBD46822A}"/>
-              </a:ext>
-            </a:extLst>
-          </p:cNvPr>
-          <p:cNvSpPr/>
-          <p:nvPr/>
-        </p:nvSpPr>
-        <p:spPr>
-          <a:xfrm>
-            <a:off x="3010183" y="4371849"/>
-            <a:ext cx="288032" cy="288032"/>
-          </a:xfrm>
-          <a:prstGeom prst="ellipse">
-            <a:avLst/>
-          </a:prstGeom>
-          <a:ln>
-            <a:noFill/>
-          </a:ln>
-        </p:spPr>
-        <p:style>
-          <a:lnRef idx="2">
-            <a:schemeClr val="accent1">
-              <a:shade val="50000"/>
-            </a:schemeClr>
-          </a:lnRef>
-          <a:fillRef idx="1">
-            <a:schemeClr val="accent1"/>
-          </a:fillRef>
-          <a:effectRef idx="0">
-            <a:schemeClr val="accent1"/>
-          </a:effectRef>
-          <a:fontRef idx="minor">
-            <a:schemeClr val="lt1"/>
-          </a:fontRef>
-        </p:style>
-        <p:txBody>
-          <a:bodyPr rtlCol="0" anchor="ctr"/>
-          <a:lstStyle/>
-          <a:p>
-            <a:pPr algn="ctr"/>
-            <a:r>
-              <a:rPr lang="en-US" b="1" dirty="0">
-                <a:solidFill>
-                  <a:schemeClr val="bg1"/>
-                </a:solidFill>
-                <a:latin typeface="Source Sans Pro" panose="020B0503030403020204" pitchFamily="34" charset="0"/>
-                <a:ea typeface="Source Sans Pro" panose="020B0503030403020204" pitchFamily="34" charset="0"/>
-                <a:cs typeface="Source Sans Pro Light" charset="0"/>
-              </a:rPr>
-              <a:t>3</a:t>
-            </a:r>
-          </a:p>
-        </p:txBody>
-      </p:sp>
-      <p:pic>
-        <p:nvPicPr>
-          <p:cNvPr id="90" name="Picture 89">
-            <a:extLst>
-              <a:ext uri="{FF2B5EF4-FFF2-40B4-BE49-F238E27FC236}">
-                <a16:creationId xmlns="" xmlns:a16="http://schemas.microsoft.com/office/drawing/2014/main" xmlns:lc="http://schemas.openxmlformats.org/drawingml/2006/lockedCanvas" id="{1D3FE1F1-8624-5141-BA1D-0717D0491635}"/>
+                <a16:creationId xmlns:lc="http://schemas.openxmlformats.org/drawingml/2006/lockedCanvas" xmlns:a16="http://schemas.microsoft.com/office/drawing/2014/main" xmlns="" id="{1D3FE1F1-8624-5141-BA1D-0717D0491635}"/>
               </a:ext>
             </a:extLst>
           </p:cNvPr>
@@ -20108,8 +21066,8 @@
         </p:blipFill>
         <p:spPr>
           <a:xfrm>
-            <a:off x="5357747" y="4302815"/>
-            <a:ext cx="402708" cy="402708"/>
+            <a:off x="4798344" y="5762468"/>
+            <a:ext cx="297131" cy="297131"/>
           </a:xfrm>
           <a:prstGeom prst="rect">
             <a:avLst/>
@@ -20118,10 +21076,10 @@
       </p:pic>
       <p:pic>
         <p:nvPicPr>
-          <p:cNvPr id="91" name="Picture 90">
+          <p:cNvPr id="75" name="Picture 74">
             <a:extLst>
               <a:ext uri="{FF2B5EF4-FFF2-40B4-BE49-F238E27FC236}">
-                <a16:creationId xmlns="" xmlns:a16="http://schemas.microsoft.com/office/drawing/2014/main" xmlns:lc="http://schemas.openxmlformats.org/drawingml/2006/lockedCanvas" id="{1D3FE1F1-8624-5141-BA1D-0717D0491635}"/>
+                <a16:creationId xmlns:a16="http://schemas.microsoft.com/office/drawing/2014/main" xmlns="" id="{9D1405C3-E87A-EF4B-A430-B7CD1F8668BC}"/>
               </a:ext>
             </a:extLst>
           </p:cNvPr>
@@ -20144,18 +21102,99 @@
         </p:blipFill>
         <p:spPr>
           <a:xfrm>
-            <a:off x="7904676" y="4306315"/>
-            <a:ext cx="252000" cy="252000"/>
+            <a:off x="5770459" y="1972170"/>
+            <a:ext cx="408162" cy="408162"/>
           </a:xfrm>
           <a:prstGeom prst="rect">
             <a:avLst/>
           </a:prstGeom>
         </p:spPr>
       </p:pic>
+      <p:cxnSp>
+        <p:nvCxnSpPr>
+          <p:cNvPr id="63" name="Straight Connector 62"/>
+          <p:cNvCxnSpPr/>
+          <p:nvPr/>
+        </p:nvCxnSpPr>
+        <p:spPr>
+          <a:xfrm flipH="1" flipV="1">
+            <a:off x="2524723" y="2704204"/>
+            <a:ext cx="4098122" cy="18043"/>
+          </a:xfrm>
+          <a:prstGeom prst="line">
+            <a:avLst/>
+          </a:prstGeom>
+          <a:ln w="19050">
+            <a:solidFill>
+              <a:schemeClr val="tx2">
+                <a:lumMod val="60000"/>
+                <a:lumOff val="40000"/>
+              </a:schemeClr>
+            </a:solidFill>
+            <a:headEnd type="triangle"/>
+          </a:ln>
+        </p:spPr>
+        <p:style>
+          <a:lnRef idx="1">
+            <a:schemeClr val="accent1"/>
+          </a:lnRef>
+          <a:fillRef idx="0">
+            <a:schemeClr val="accent1"/>
+          </a:fillRef>
+          <a:effectRef idx="0">
+            <a:schemeClr val="accent1"/>
+          </a:effectRef>
+          <a:fontRef idx="minor">
+            <a:schemeClr val="tx1"/>
+          </a:fontRef>
+        </p:style>
+      </p:cxnSp>
+      <p:cxnSp>
+        <p:nvCxnSpPr>
+          <p:cNvPr id="78" name="Elbow Connector 77"/>
+          <p:cNvCxnSpPr/>
+          <p:nvPr/>
+        </p:nvCxnSpPr>
+        <p:spPr>
+          <a:xfrm>
+            <a:off x="2524723" y="4565767"/>
+            <a:ext cx="4098122" cy="725161"/>
+          </a:xfrm>
+          <a:prstGeom prst="bentConnector3">
+            <a:avLst>
+              <a:gd name="adj1" fmla="val 92349"/>
+            </a:avLst>
+          </a:prstGeom>
+          <a:ln w="19050">
+            <a:solidFill>
+              <a:schemeClr val="tx2">
+                <a:lumMod val="60000"/>
+                <a:lumOff val="40000"/>
+              </a:schemeClr>
+            </a:solidFill>
+            <a:headEnd type="none"/>
+            <a:tailEnd type="triangle"/>
+          </a:ln>
+        </p:spPr>
+        <p:style>
+          <a:lnRef idx="1">
+            <a:schemeClr val="accent1"/>
+          </a:lnRef>
+          <a:fillRef idx="0">
+            <a:schemeClr val="accent1"/>
+          </a:fillRef>
+          <a:effectRef idx="0">
+            <a:schemeClr val="accent1"/>
+          </a:effectRef>
+          <a:fontRef idx="minor">
+            <a:schemeClr val="tx1"/>
+          </a:fontRef>
+        </p:style>
+      </p:cxnSp>
     </p:spTree>
     <p:extLst>
       <p:ext uri="{BB962C8B-B14F-4D97-AF65-F5344CB8AC3E}">
-        <p14:creationId xmlns:p14="http://schemas.microsoft.com/office/powerpoint/2010/main" val="1324799231"/>
+        <p14:creationId xmlns:p14="http://schemas.microsoft.com/office/powerpoint/2010/main" val="4022837917"/>
       </p:ext>
     </p:extLst>
   </p:cSld>
@@ -20194,7 +21233,7 @@
           <p:cNvPr id="27" name="TextBox 25">
             <a:extLst>
               <a:ext uri="{FF2B5EF4-FFF2-40B4-BE49-F238E27FC236}">
-                <a16:creationId xmlns="" xmlns:a16="http://schemas.microsoft.com/office/drawing/2014/main" xmlns:lc="http://schemas.openxmlformats.org/drawingml/2006/lockedCanvas" id="{02FBA541-B7B7-48BA-8F04-E0D53532B862}"/>
+                <a16:creationId xmlns:lc="http://schemas.openxmlformats.org/drawingml/2006/lockedCanvas" xmlns:a16="http://schemas.microsoft.com/office/drawing/2014/main" xmlns="" id="{02FBA541-B7B7-48BA-8F04-E0D53532B862}"/>
               </a:ext>
             </a:extLst>
           </p:cNvPr>
@@ -20203,7 +21242,7 @@
         </p:nvSpPr>
         <p:spPr>
           <a:xfrm>
-            <a:off x="8398647" y="2508700"/>
+            <a:off x="8398647" y="2594425"/>
             <a:ext cx="675503" cy="369332"/>
           </a:xfrm>
           <a:prstGeom prst="rect">
@@ -20346,12 +21385,8 @@
           <a:lstStyle/>
           <a:p>
             <a:r>
-              <a:rPr lang="en-US" dirty="0" err="1" smtClean="0"/>
-              <a:t>Vx.y</a:t>
-            </a:r>
-            <a:r>
-              <a:rPr lang="en-US" dirty="0" smtClean="0"/>
-              <a:t> Jan. 2022</a:t>
+              <a:rPr lang="en-US" smtClean="0"/>
+              <a:t>Vx.y Jan. 2022</a:t>
             </a:r>
             <a:endParaRPr lang="en-US" dirty="0"/>
           </a:p>
@@ -20367,27 +21402,14 @@
             <p:ph type="ftr" sz="quarter" idx="11"/>
           </p:nvPr>
         </p:nvSpPr>
-        <p:spPr>
-          <a:xfrm>
-            <a:off x="98614" y="6686537"/>
-            <a:ext cx="5212080" cy="144016"/>
-          </a:xfrm>
-        </p:spPr>
+        <p:spPr/>
         <p:txBody>
           <a:bodyPr/>
           <a:lstStyle/>
           <a:p>
             <a:r>
-              <a:rPr lang="en-US" dirty="0" smtClean="0"/>
-              <a:t>© </a:t>
-            </a:r>
-            <a:r>
-              <a:rPr lang="en-US" dirty="0" err="1" smtClean="0"/>
-              <a:t>MicroEJ</a:t>
-            </a:r>
-            <a:r>
-              <a:rPr lang="en-US" dirty="0" smtClean="0"/>
-              <a:t> Corp. 2022 - CONFIDENTIAL</a:t>
+              <a:rPr lang="en-US" smtClean="0"/>
+              <a:t>© MicroEJ Corp. 2022 - CONFIDENTIAL</a:t>
             </a:r>
             <a:endParaRPr lang="en-US" dirty="0"/>
           </a:p>
@@ -20405,8 +21427,8 @@
         </p:nvSpPr>
         <p:spPr>
           <a:xfrm>
-            <a:off x="550864" y="442933"/>
-            <a:ext cx="5002212" cy="465786"/>
+            <a:off x="550863" y="442933"/>
+            <a:ext cx="7875216" cy="465786"/>
           </a:xfrm>
         </p:spPr>
         <p:txBody>
@@ -20414,8 +21436,16 @@
           <a:lstStyle/>
           <a:p>
             <a:r>
-              <a:rPr lang="en-US" dirty="0"/>
-              <a:t>CUSTOM INSTALLATION</a:t>
+              <a:rPr lang="en-US" dirty="0" smtClean="0"/>
+              <a:t>LEGACY In-</a:t>
+            </a:r>
+            <a:r>
+              <a:rPr lang="en-US" dirty="0" err="1" smtClean="0"/>
+              <a:t>PlacE</a:t>
+            </a:r>
+            <a:r>
+              <a:rPr lang="en-US" dirty="0" smtClean="0"/>
+              <a:t> INSTALLATION FLOW</a:t>
             </a:r>
             <a:endParaRPr lang="en-US" dirty="0"/>
           </a:p>
@@ -20429,8 +21459,8 @@
         </p:nvSpPr>
         <p:spPr>
           <a:xfrm>
-            <a:off x="6632203" y="1138797"/>
-            <a:ext cx="1793876" cy="3399066"/>
+            <a:off x="6632203" y="1224521"/>
+            <a:ext cx="1793876" cy="3557029"/>
           </a:xfrm>
           <a:prstGeom prst="roundRect">
             <a:avLst>
@@ -20570,13 +21600,142 @@
       </p:sp>
       <p:sp>
         <p:nvSpPr>
+          <p:cNvPr id="26" name="Rounded Rectangle 25"/>
+          <p:cNvSpPr/>
+          <p:nvPr/>
+        </p:nvSpPr>
+        <p:spPr>
+          <a:xfrm>
+            <a:off x="6748057" y="1343849"/>
+            <a:ext cx="1567847" cy="2255815"/>
+          </a:xfrm>
+          <a:prstGeom prst="roundRect">
+            <a:avLst>
+              <a:gd name="adj" fmla="val 8016"/>
+            </a:avLst>
+          </a:prstGeom>
+          <a:solidFill>
+            <a:schemeClr val="accent1"/>
+          </a:solidFill>
+          <a:ln w="12700">
+            <a:noFill/>
+          </a:ln>
+          <a:effectLst/>
+        </p:spPr>
+        <p:style>
+          <a:lnRef idx="2">
+            <a:schemeClr val="dk1"/>
+          </a:lnRef>
+          <a:fillRef idx="1">
+            <a:schemeClr val="lt1"/>
+          </a:fillRef>
+          <a:effectRef idx="0">
+            <a:schemeClr val="dk1"/>
+          </a:effectRef>
+          <a:fontRef idx="minor">
+            <a:schemeClr val="dk1"/>
+          </a:fontRef>
+        </p:style>
+        <p:txBody>
+          <a:bodyPr wrap="square" tIns="36000" bIns="36000" rtlCol="0" anchor="t" anchorCtr="0">
+            <a:noAutofit/>
+          </a:bodyPr>
+          <a:lstStyle/>
+          <a:p>
+            <a:pPr algn="ctr"/>
+            <a:r>
+              <a:rPr lang="en-US" sz="1200" b="1" i="1" dirty="0">
+                <a:solidFill>
+                  <a:schemeClr val="bg1"/>
+                </a:solidFill>
+                <a:latin typeface="Source Sans Pro Light" charset="0"/>
+                <a:ea typeface="Source Sans Pro Light" charset="0"/>
+                <a:cs typeface="Source Sans Pro Light" charset="0"/>
+              </a:rPr>
+              <a:t>Kernel Working Buffer</a:t>
+            </a:r>
+          </a:p>
+        </p:txBody>
+      </p:sp>
+      <p:sp>
+        <p:nvSpPr>
+          <p:cNvPr id="30" name="Rounded Rectangle 29"/>
+          <p:cNvSpPr/>
+          <p:nvPr/>
+        </p:nvSpPr>
+        <p:spPr>
+          <a:xfrm>
+            <a:off x="6748057" y="3704773"/>
+            <a:ext cx="1567847" cy="977324"/>
+          </a:xfrm>
+          <a:prstGeom prst="roundRect">
+            <a:avLst>
+              <a:gd name="adj" fmla="val 19644"/>
+            </a:avLst>
+          </a:prstGeom>
+          <a:solidFill>
+            <a:srgbClr val="F0B602"/>
+          </a:solidFill>
+          <a:ln w="12700">
+            <a:noFill/>
+          </a:ln>
+          <a:effectLst/>
+        </p:spPr>
+        <p:style>
+          <a:lnRef idx="2">
+            <a:schemeClr val="dk1"/>
+          </a:lnRef>
+          <a:fillRef idx="1">
+            <a:schemeClr val="lt1"/>
+          </a:fillRef>
+          <a:effectRef idx="0">
+            <a:schemeClr val="dk1"/>
+          </a:effectRef>
+          <a:fontRef idx="minor">
+            <a:schemeClr val="dk1"/>
+          </a:fontRef>
+        </p:style>
+        <p:txBody>
+          <a:bodyPr wrap="square" tIns="36000" bIns="36000" rtlCol="0" anchor="t" anchorCtr="0">
+            <a:noAutofit/>
+          </a:bodyPr>
+          <a:lstStyle/>
+          <a:p>
+            <a:pPr algn="ctr"/>
+            <a:r>
+              <a:rPr lang="en-US" sz="1200" b="1" i="1" dirty="0">
+                <a:solidFill>
+                  <a:schemeClr val="bg1"/>
+                </a:solidFill>
+                <a:latin typeface="Source Sans Pro Light" charset="0"/>
+                <a:ea typeface="Source Sans Pro Light" charset="0"/>
+                <a:cs typeface="Source Sans Pro Light" charset="0"/>
+              </a:rPr>
+              <a:t>Java </a:t>
+            </a:r>
+            <a:r>
+              <a:rPr lang="en-US" sz="1200" b="1" i="1" dirty="0" smtClean="0">
+                <a:solidFill>
+                  <a:schemeClr val="bg1"/>
+                </a:solidFill>
+                <a:latin typeface="Source Sans Pro Light" charset="0"/>
+                <a:ea typeface="Source Sans Pro Light" charset="0"/>
+                <a:cs typeface="Source Sans Pro Light" charset="0"/>
+              </a:rPr>
+              <a:t>Heap</a:t>
+            </a:r>
+          </a:p>
+        </p:txBody>
+      </p:sp>
+      <p:sp>
+        <p:nvSpPr>
           <p:cNvPr id="43" name="Rounded Rectangle 42"/>
           <p:cNvSpPr/>
           <p:nvPr/>
         </p:nvSpPr>
         <p:spPr>
           <a:xfrm>
-            <a:off x="1018111" y="1925091"/>
+            <a:off x="1018111" y="2010816"/>
             <a:ext cx="1473200" cy="2584450"/>
           </a:xfrm>
           <a:prstGeom prst="roundRect">
@@ -20723,7 +21882,7 @@
         </p:nvSpPr>
         <p:spPr>
           <a:xfrm>
-            <a:off x="1123305" y="3265480"/>
+            <a:off x="1123305" y="3351205"/>
             <a:ext cx="1260000" cy="540000"/>
           </a:xfrm>
           <a:prstGeom prst="roundRect">
@@ -20887,7 +22046,7 @@
         </p:nvSpPr>
         <p:spPr>
           <a:xfrm>
-            <a:off x="1124295" y="2638652"/>
+            <a:off x="1124295" y="2724377"/>
             <a:ext cx="1260000" cy="540000"/>
           </a:xfrm>
           <a:prstGeom prst="roundRect">
@@ -21050,7 +22209,7 @@
         </p:nvSpPr>
         <p:spPr>
           <a:xfrm>
-            <a:off x="1123305" y="3890140"/>
+            <a:off x="1123305" y="3975865"/>
             <a:ext cx="1260000" cy="540000"/>
           </a:xfrm>
           <a:prstGeom prst="roundRect">
@@ -21215,7 +22374,7 @@
         </p:nvSpPr>
         <p:spPr>
           <a:xfrm>
-            <a:off x="1124295" y="2014704"/>
+            <a:off x="1124295" y="2100429"/>
             <a:ext cx="1260000" cy="540000"/>
           </a:xfrm>
           <a:prstGeom prst="roundRect">
@@ -21372,10 +22531,665 @@
       </p:sp>
       <p:sp>
         <p:nvSpPr>
+          <p:cNvPr id="56" name="Rounded Rectangle 55"/>
+          <p:cNvSpPr/>
+          <p:nvPr/>
+        </p:nvSpPr>
+        <p:spPr>
+          <a:xfrm>
+            <a:off x="6882100" y="1676669"/>
+            <a:ext cx="1260000" cy="540000"/>
+          </a:xfrm>
+          <a:prstGeom prst="roundRect">
+            <a:avLst>
+              <a:gd name="adj" fmla="val 19644"/>
+            </a:avLst>
+          </a:prstGeom>
+          <a:solidFill>
+            <a:schemeClr val="tx2">
+              <a:lumMod val="60000"/>
+              <a:lumOff val="40000"/>
+            </a:schemeClr>
+          </a:solidFill>
+          <a:ln w="12700">
+            <a:noFill/>
+          </a:ln>
+          <a:effectLst/>
+        </p:spPr>
+        <p:style>
+          <a:lnRef idx="2">
+            <a:schemeClr val="dk1"/>
+          </a:lnRef>
+          <a:fillRef idx="1">
+            <a:schemeClr val="lt1"/>
+          </a:fillRef>
+          <a:effectRef idx="0">
+            <a:schemeClr val="dk1"/>
+          </a:effectRef>
+          <a:fontRef idx="minor">
+            <a:schemeClr val="dk1"/>
+          </a:fontRef>
+        </p:style>
+        <p:txBody>
+          <a:bodyPr wrap="square" tIns="36000" bIns="36000" rtlCol="0" anchor="ctr">
+            <a:noAutofit/>
+          </a:bodyPr>
+          <a:lstStyle>
+            <a:defPPr>
+              <a:defRPr lang="en-US"/>
+            </a:defPPr>
+            <a:lvl1pPr marL="0" algn="l" defTabSz="914377" rtl="0" eaLnBrk="1" latinLnBrk="0" hangingPunct="1">
+              <a:defRPr sz="1800" kern="1200">
+                <a:solidFill>
+                  <a:schemeClr val="dk1"/>
+                </a:solidFill>
+                <a:latin typeface="+mn-lt"/>
+                <a:ea typeface="+mn-ea"/>
+                <a:cs typeface="+mn-cs"/>
+              </a:defRPr>
+            </a:lvl1pPr>
+            <a:lvl2pPr marL="457189" algn="l" defTabSz="914377" rtl="0" eaLnBrk="1" latinLnBrk="0" hangingPunct="1">
+              <a:defRPr sz="1800" kern="1200">
+                <a:solidFill>
+                  <a:schemeClr val="dk1"/>
+                </a:solidFill>
+                <a:latin typeface="+mn-lt"/>
+                <a:ea typeface="+mn-ea"/>
+                <a:cs typeface="+mn-cs"/>
+              </a:defRPr>
+            </a:lvl2pPr>
+            <a:lvl3pPr marL="914377" algn="l" defTabSz="914377" rtl="0" eaLnBrk="1" latinLnBrk="0" hangingPunct="1">
+              <a:defRPr sz="1800" kern="1200">
+                <a:solidFill>
+                  <a:schemeClr val="dk1"/>
+                </a:solidFill>
+                <a:latin typeface="+mn-lt"/>
+                <a:ea typeface="+mn-ea"/>
+                <a:cs typeface="+mn-cs"/>
+              </a:defRPr>
+            </a:lvl3pPr>
+            <a:lvl4pPr marL="1371566" algn="l" defTabSz="914377" rtl="0" eaLnBrk="1" latinLnBrk="0" hangingPunct="1">
+              <a:defRPr sz="1800" kern="1200">
+                <a:solidFill>
+                  <a:schemeClr val="dk1"/>
+                </a:solidFill>
+                <a:latin typeface="+mn-lt"/>
+                <a:ea typeface="+mn-ea"/>
+                <a:cs typeface="+mn-cs"/>
+              </a:defRPr>
+            </a:lvl4pPr>
+            <a:lvl5pPr marL="1828754" algn="l" defTabSz="914377" rtl="0" eaLnBrk="1" latinLnBrk="0" hangingPunct="1">
+              <a:defRPr sz="1800" kern="1200">
+                <a:solidFill>
+                  <a:schemeClr val="dk1"/>
+                </a:solidFill>
+                <a:latin typeface="+mn-lt"/>
+                <a:ea typeface="+mn-ea"/>
+                <a:cs typeface="+mn-cs"/>
+              </a:defRPr>
+            </a:lvl5pPr>
+            <a:lvl6pPr marL="2285943" algn="l" defTabSz="914377" rtl="0" eaLnBrk="1" latinLnBrk="0" hangingPunct="1">
+              <a:defRPr sz="1800" kern="1200">
+                <a:solidFill>
+                  <a:schemeClr val="dk1"/>
+                </a:solidFill>
+                <a:latin typeface="+mn-lt"/>
+                <a:ea typeface="+mn-ea"/>
+                <a:cs typeface="+mn-cs"/>
+              </a:defRPr>
+            </a:lvl6pPr>
+            <a:lvl7pPr marL="2743131" algn="l" defTabSz="914377" rtl="0" eaLnBrk="1" latinLnBrk="0" hangingPunct="1">
+              <a:defRPr sz="1800" kern="1200">
+                <a:solidFill>
+                  <a:schemeClr val="dk1"/>
+                </a:solidFill>
+                <a:latin typeface="+mn-lt"/>
+                <a:ea typeface="+mn-ea"/>
+                <a:cs typeface="+mn-cs"/>
+              </a:defRPr>
+            </a:lvl7pPr>
+            <a:lvl8pPr marL="3200320" algn="l" defTabSz="914377" rtl="0" eaLnBrk="1" latinLnBrk="0" hangingPunct="1">
+              <a:defRPr sz="1800" kern="1200">
+                <a:solidFill>
+                  <a:schemeClr val="dk1"/>
+                </a:solidFill>
+                <a:latin typeface="+mn-lt"/>
+                <a:ea typeface="+mn-ea"/>
+                <a:cs typeface="+mn-cs"/>
+              </a:defRPr>
+            </a:lvl8pPr>
+            <a:lvl9pPr marL="3657509" algn="l" defTabSz="914377" rtl="0" eaLnBrk="1" latinLnBrk="0" hangingPunct="1">
+              <a:defRPr sz="1800" kern="1200">
+                <a:solidFill>
+                  <a:schemeClr val="dk1"/>
+                </a:solidFill>
+                <a:latin typeface="+mn-lt"/>
+                <a:ea typeface="+mn-ea"/>
+                <a:cs typeface="+mn-cs"/>
+              </a:defRPr>
+            </a:lvl9pPr>
+          </a:lstStyle>
+          <a:p>
+            <a:pPr algn="ctr"/>
+            <a:r>
+              <a:rPr lang="en-US" sz="1200" i="1" dirty="0" smtClean="0">
+                <a:solidFill>
+                  <a:schemeClr val="bg1"/>
+                </a:solidFill>
+                <a:latin typeface="Source Sans Pro Light" charset="0"/>
+                <a:ea typeface="Source Sans Pro Light" charset="0"/>
+                <a:cs typeface="Source Sans Pro Light" charset="0"/>
+              </a:rPr>
+              <a:t>RW Data</a:t>
+            </a:r>
+            <a:endParaRPr lang="en-US" sz="1200" i="1" dirty="0">
+              <a:solidFill>
+                <a:schemeClr val="bg1"/>
+              </a:solidFill>
+              <a:latin typeface="Source Sans Pro Light" charset="0"/>
+              <a:ea typeface="Source Sans Pro Light" charset="0"/>
+              <a:cs typeface="Source Sans Pro Light" charset="0"/>
+            </a:endParaRPr>
+          </a:p>
+        </p:txBody>
+      </p:sp>
+      <p:sp>
+        <p:nvSpPr>
+          <p:cNvPr id="57" name="Rounded Rectangle 56"/>
+          <p:cNvSpPr/>
+          <p:nvPr/>
+        </p:nvSpPr>
+        <p:spPr>
+          <a:xfrm>
+            <a:off x="6899337" y="2300496"/>
+            <a:ext cx="1260000" cy="540000"/>
+          </a:xfrm>
+          <a:prstGeom prst="roundRect">
+            <a:avLst>
+              <a:gd name="adj" fmla="val 19644"/>
+            </a:avLst>
+          </a:prstGeom>
+          <a:solidFill>
+            <a:schemeClr val="bg2">
+              <a:lumMod val="50000"/>
+            </a:schemeClr>
+          </a:solidFill>
+          <a:ln w="12700">
+            <a:noFill/>
+          </a:ln>
+          <a:effectLst/>
+        </p:spPr>
+        <p:style>
+          <a:lnRef idx="2">
+            <a:schemeClr val="dk1"/>
+          </a:lnRef>
+          <a:fillRef idx="1">
+            <a:schemeClr val="lt1"/>
+          </a:fillRef>
+          <a:effectRef idx="0">
+            <a:schemeClr val="dk1"/>
+          </a:effectRef>
+          <a:fontRef idx="minor">
+            <a:schemeClr val="dk1"/>
+          </a:fontRef>
+        </p:style>
+        <p:txBody>
+          <a:bodyPr wrap="square" tIns="36000" bIns="36000" rtlCol="0" anchor="ctr">
+            <a:noAutofit/>
+          </a:bodyPr>
+          <a:lstStyle>
+            <a:defPPr>
+              <a:defRPr lang="en-US"/>
+            </a:defPPr>
+            <a:lvl1pPr marL="0" algn="l" defTabSz="914377" rtl="0" eaLnBrk="1" latinLnBrk="0" hangingPunct="1">
+              <a:defRPr sz="1800" kern="1200">
+                <a:solidFill>
+                  <a:schemeClr val="dk1"/>
+                </a:solidFill>
+                <a:latin typeface="+mn-lt"/>
+                <a:ea typeface="+mn-ea"/>
+                <a:cs typeface="+mn-cs"/>
+              </a:defRPr>
+            </a:lvl1pPr>
+            <a:lvl2pPr marL="457189" algn="l" defTabSz="914377" rtl="0" eaLnBrk="1" latinLnBrk="0" hangingPunct="1">
+              <a:defRPr sz="1800" kern="1200">
+                <a:solidFill>
+                  <a:schemeClr val="dk1"/>
+                </a:solidFill>
+                <a:latin typeface="+mn-lt"/>
+                <a:ea typeface="+mn-ea"/>
+                <a:cs typeface="+mn-cs"/>
+              </a:defRPr>
+            </a:lvl2pPr>
+            <a:lvl3pPr marL="914377" algn="l" defTabSz="914377" rtl="0" eaLnBrk="1" latinLnBrk="0" hangingPunct="1">
+              <a:defRPr sz="1800" kern="1200">
+                <a:solidFill>
+                  <a:schemeClr val="dk1"/>
+                </a:solidFill>
+                <a:latin typeface="+mn-lt"/>
+                <a:ea typeface="+mn-ea"/>
+                <a:cs typeface="+mn-cs"/>
+              </a:defRPr>
+            </a:lvl3pPr>
+            <a:lvl4pPr marL="1371566" algn="l" defTabSz="914377" rtl="0" eaLnBrk="1" latinLnBrk="0" hangingPunct="1">
+              <a:defRPr sz="1800" kern="1200">
+                <a:solidFill>
+                  <a:schemeClr val="dk1"/>
+                </a:solidFill>
+                <a:latin typeface="+mn-lt"/>
+                <a:ea typeface="+mn-ea"/>
+                <a:cs typeface="+mn-cs"/>
+              </a:defRPr>
+            </a:lvl4pPr>
+            <a:lvl5pPr marL="1828754" algn="l" defTabSz="914377" rtl="0" eaLnBrk="1" latinLnBrk="0" hangingPunct="1">
+              <a:defRPr sz="1800" kern="1200">
+                <a:solidFill>
+                  <a:schemeClr val="dk1"/>
+                </a:solidFill>
+                <a:latin typeface="+mn-lt"/>
+                <a:ea typeface="+mn-ea"/>
+                <a:cs typeface="+mn-cs"/>
+              </a:defRPr>
+            </a:lvl5pPr>
+            <a:lvl6pPr marL="2285943" algn="l" defTabSz="914377" rtl="0" eaLnBrk="1" latinLnBrk="0" hangingPunct="1">
+              <a:defRPr sz="1800" kern="1200">
+                <a:solidFill>
+                  <a:schemeClr val="dk1"/>
+                </a:solidFill>
+                <a:latin typeface="+mn-lt"/>
+                <a:ea typeface="+mn-ea"/>
+                <a:cs typeface="+mn-cs"/>
+              </a:defRPr>
+            </a:lvl6pPr>
+            <a:lvl7pPr marL="2743131" algn="l" defTabSz="914377" rtl="0" eaLnBrk="1" latinLnBrk="0" hangingPunct="1">
+              <a:defRPr sz="1800" kern="1200">
+                <a:solidFill>
+                  <a:schemeClr val="dk1"/>
+                </a:solidFill>
+                <a:latin typeface="+mn-lt"/>
+                <a:ea typeface="+mn-ea"/>
+                <a:cs typeface="+mn-cs"/>
+              </a:defRPr>
+            </a:lvl7pPr>
+            <a:lvl8pPr marL="3200320" algn="l" defTabSz="914377" rtl="0" eaLnBrk="1" latinLnBrk="0" hangingPunct="1">
+              <a:defRPr sz="1800" kern="1200">
+                <a:solidFill>
+                  <a:schemeClr val="dk1"/>
+                </a:solidFill>
+                <a:latin typeface="+mn-lt"/>
+                <a:ea typeface="+mn-ea"/>
+                <a:cs typeface="+mn-cs"/>
+              </a:defRPr>
+            </a:lvl8pPr>
+            <a:lvl9pPr marL="3657509" algn="l" defTabSz="914377" rtl="0" eaLnBrk="1" latinLnBrk="0" hangingPunct="1">
+              <a:defRPr sz="1800" kern="1200">
+                <a:solidFill>
+                  <a:schemeClr val="dk1"/>
+                </a:solidFill>
+                <a:latin typeface="+mn-lt"/>
+                <a:ea typeface="+mn-ea"/>
+                <a:cs typeface="+mn-cs"/>
+              </a:defRPr>
+            </a:lvl9pPr>
+          </a:lstStyle>
+          <a:p>
+            <a:pPr algn="ctr"/>
+            <a:r>
+              <a:rPr lang="en-US" sz="1200" i="1" dirty="0" smtClean="0">
+                <a:solidFill>
+                  <a:schemeClr val="bg1"/>
+                </a:solidFill>
+                <a:latin typeface="Source Sans Pro Light" charset="0"/>
+                <a:ea typeface="Source Sans Pro Light" charset="0"/>
+                <a:cs typeface="Source Sans Pro Light" charset="0"/>
+              </a:rPr>
+              <a:t>RO Data</a:t>
+            </a:r>
+            <a:endParaRPr lang="en-US" sz="1200" i="1" dirty="0">
+              <a:solidFill>
+                <a:schemeClr val="bg1"/>
+              </a:solidFill>
+              <a:latin typeface="Source Sans Pro Light" charset="0"/>
+              <a:ea typeface="Source Sans Pro Light" charset="0"/>
+              <a:cs typeface="Source Sans Pro Light" charset="0"/>
+            </a:endParaRPr>
+          </a:p>
+        </p:txBody>
+      </p:sp>
+      <p:sp>
+        <p:nvSpPr>
+          <p:cNvPr id="58" name="Rounded Rectangle 57"/>
+          <p:cNvSpPr/>
+          <p:nvPr/>
+        </p:nvSpPr>
+        <p:spPr>
+          <a:xfrm>
+            <a:off x="6899337" y="2924323"/>
+            <a:ext cx="1260000" cy="540000"/>
+          </a:xfrm>
+          <a:prstGeom prst="roundRect">
+            <a:avLst>
+              <a:gd name="adj" fmla="val 19644"/>
+            </a:avLst>
+          </a:prstGeom>
+          <a:solidFill>
+            <a:schemeClr val="bg2">
+              <a:lumMod val="25000"/>
+            </a:schemeClr>
+          </a:solidFill>
+          <a:ln w="12700">
+            <a:noFill/>
+          </a:ln>
+          <a:effectLst/>
+        </p:spPr>
+        <p:style>
+          <a:lnRef idx="2">
+            <a:schemeClr val="dk1"/>
+          </a:lnRef>
+          <a:fillRef idx="1">
+            <a:schemeClr val="lt1"/>
+          </a:fillRef>
+          <a:effectRef idx="0">
+            <a:schemeClr val="dk1"/>
+          </a:effectRef>
+          <a:fontRef idx="minor">
+            <a:schemeClr val="dk1"/>
+          </a:fontRef>
+        </p:style>
+        <p:txBody>
+          <a:bodyPr wrap="square" tIns="36000" bIns="36000" rtlCol="0" anchor="ctr">
+            <a:noAutofit/>
+          </a:bodyPr>
+          <a:lstStyle>
+            <a:defPPr>
+              <a:defRPr lang="en-US"/>
+            </a:defPPr>
+            <a:lvl1pPr marL="0" algn="l" defTabSz="914377" rtl="0" eaLnBrk="1" latinLnBrk="0" hangingPunct="1">
+              <a:defRPr sz="1800" kern="1200">
+                <a:solidFill>
+                  <a:schemeClr val="dk1"/>
+                </a:solidFill>
+                <a:latin typeface="+mn-lt"/>
+                <a:ea typeface="+mn-ea"/>
+                <a:cs typeface="+mn-cs"/>
+              </a:defRPr>
+            </a:lvl1pPr>
+            <a:lvl2pPr marL="457189" algn="l" defTabSz="914377" rtl="0" eaLnBrk="1" latinLnBrk="0" hangingPunct="1">
+              <a:defRPr sz="1800" kern="1200">
+                <a:solidFill>
+                  <a:schemeClr val="dk1"/>
+                </a:solidFill>
+                <a:latin typeface="+mn-lt"/>
+                <a:ea typeface="+mn-ea"/>
+                <a:cs typeface="+mn-cs"/>
+              </a:defRPr>
+            </a:lvl2pPr>
+            <a:lvl3pPr marL="914377" algn="l" defTabSz="914377" rtl="0" eaLnBrk="1" latinLnBrk="0" hangingPunct="1">
+              <a:defRPr sz="1800" kern="1200">
+                <a:solidFill>
+                  <a:schemeClr val="dk1"/>
+                </a:solidFill>
+                <a:latin typeface="+mn-lt"/>
+                <a:ea typeface="+mn-ea"/>
+                <a:cs typeface="+mn-cs"/>
+              </a:defRPr>
+            </a:lvl3pPr>
+            <a:lvl4pPr marL="1371566" algn="l" defTabSz="914377" rtl="0" eaLnBrk="1" latinLnBrk="0" hangingPunct="1">
+              <a:defRPr sz="1800" kern="1200">
+                <a:solidFill>
+                  <a:schemeClr val="dk1"/>
+                </a:solidFill>
+                <a:latin typeface="+mn-lt"/>
+                <a:ea typeface="+mn-ea"/>
+                <a:cs typeface="+mn-cs"/>
+              </a:defRPr>
+            </a:lvl4pPr>
+            <a:lvl5pPr marL="1828754" algn="l" defTabSz="914377" rtl="0" eaLnBrk="1" latinLnBrk="0" hangingPunct="1">
+              <a:defRPr sz="1800" kern="1200">
+                <a:solidFill>
+                  <a:schemeClr val="dk1"/>
+                </a:solidFill>
+                <a:latin typeface="+mn-lt"/>
+                <a:ea typeface="+mn-ea"/>
+                <a:cs typeface="+mn-cs"/>
+              </a:defRPr>
+            </a:lvl5pPr>
+            <a:lvl6pPr marL="2285943" algn="l" defTabSz="914377" rtl="0" eaLnBrk="1" latinLnBrk="0" hangingPunct="1">
+              <a:defRPr sz="1800" kern="1200">
+                <a:solidFill>
+                  <a:schemeClr val="dk1"/>
+                </a:solidFill>
+                <a:latin typeface="+mn-lt"/>
+                <a:ea typeface="+mn-ea"/>
+                <a:cs typeface="+mn-cs"/>
+              </a:defRPr>
+            </a:lvl6pPr>
+            <a:lvl7pPr marL="2743131" algn="l" defTabSz="914377" rtl="0" eaLnBrk="1" latinLnBrk="0" hangingPunct="1">
+              <a:defRPr sz="1800" kern="1200">
+                <a:solidFill>
+                  <a:schemeClr val="dk1"/>
+                </a:solidFill>
+                <a:latin typeface="+mn-lt"/>
+                <a:ea typeface="+mn-ea"/>
+                <a:cs typeface="+mn-cs"/>
+              </a:defRPr>
+            </a:lvl7pPr>
+            <a:lvl8pPr marL="3200320" algn="l" defTabSz="914377" rtl="0" eaLnBrk="1" latinLnBrk="0" hangingPunct="1">
+              <a:defRPr sz="1800" kern="1200">
+                <a:solidFill>
+                  <a:schemeClr val="dk1"/>
+                </a:solidFill>
+                <a:latin typeface="+mn-lt"/>
+                <a:ea typeface="+mn-ea"/>
+                <a:cs typeface="+mn-cs"/>
+              </a:defRPr>
+            </a:lvl8pPr>
+            <a:lvl9pPr marL="3657509" algn="l" defTabSz="914377" rtl="0" eaLnBrk="1" latinLnBrk="0" hangingPunct="1">
+              <a:defRPr sz="1800" kern="1200">
+                <a:solidFill>
+                  <a:schemeClr val="dk1"/>
+                </a:solidFill>
+                <a:latin typeface="+mn-lt"/>
+                <a:ea typeface="+mn-ea"/>
+                <a:cs typeface="+mn-cs"/>
+              </a:defRPr>
+            </a:lvl9pPr>
+          </a:lstStyle>
+          <a:p>
+            <a:pPr algn="ctr"/>
+            <a:r>
+              <a:rPr lang="en-US" sz="1200" i="1" dirty="0" smtClean="0">
+                <a:solidFill>
+                  <a:schemeClr val="bg1"/>
+                </a:solidFill>
+                <a:latin typeface="Source Sans Pro Light" charset="0"/>
+                <a:ea typeface="Source Sans Pro Light" charset="0"/>
+                <a:cs typeface="Source Sans Pro Light" charset="0"/>
+              </a:rPr>
+              <a:t>Linked Code</a:t>
+            </a:r>
+            <a:endParaRPr lang="en-US" sz="1200" i="1" dirty="0">
+              <a:solidFill>
+                <a:schemeClr val="bg1"/>
+              </a:solidFill>
+              <a:latin typeface="Source Sans Pro Light" charset="0"/>
+              <a:ea typeface="Source Sans Pro Light" charset="0"/>
+              <a:cs typeface="Source Sans Pro Light" charset="0"/>
+            </a:endParaRPr>
+          </a:p>
+        </p:txBody>
+      </p:sp>
+      <p:sp>
+        <p:nvSpPr>
+          <p:cNvPr id="59" name="Rounded Rectangle 58"/>
+          <p:cNvSpPr/>
+          <p:nvPr/>
+        </p:nvSpPr>
+        <p:spPr>
+          <a:xfrm>
+            <a:off x="6898347" y="4047078"/>
+            <a:ext cx="1260000" cy="540000"/>
+          </a:xfrm>
+          <a:prstGeom prst="roundRect">
+            <a:avLst>
+              <a:gd name="adj" fmla="val 19644"/>
+            </a:avLst>
+          </a:prstGeom>
+          <a:solidFill>
+            <a:schemeClr val="bg1">
+              <a:lumMod val="95000"/>
+            </a:schemeClr>
+          </a:solidFill>
+          <a:ln w="12700">
+            <a:solidFill>
+              <a:schemeClr val="bg2"/>
+            </a:solidFill>
+          </a:ln>
+          <a:effectLst/>
+        </p:spPr>
+        <p:style>
+          <a:lnRef idx="2">
+            <a:schemeClr val="dk1"/>
+          </a:lnRef>
+          <a:fillRef idx="1">
+            <a:schemeClr val="lt1"/>
+          </a:fillRef>
+          <a:effectRef idx="0">
+            <a:schemeClr val="dk1"/>
+          </a:effectRef>
+          <a:fontRef idx="minor">
+            <a:schemeClr val="dk1"/>
+          </a:fontRef>
+        </p:style>
+        <p:txBody>
+          <a:bodyPr wrap="square" tIns="36000" bIns="36000" rtlCol="0" anchor="ctr">
+            <a:noAutofit/>
+          </a:bodyPr>
+          <a:lstStyle>
+            <a:defPPr>
+              <a:defRPr lang="en-US"/>
+            </a:defPPr>
+            <a:lvl1pPr marL="0" algn="l" defTabSz="914377" rtl="0" eaLnBrk="1" latinLnBrk="0" hangingPunct="1">
+              <a:defRPr sz="1800" kern="1200">
+                <a:solidFill>
+                  <a:schemeClr val="dk1"/>
+                </a:solidFill>
+                <a:latin typeface="+mn-lt"/>
+                <a:ea typeface="+mn-ea"/>
+                <a:cs typeface="+mn-cs"/>
+              </a:defRPr>
+            </a:lvl1pPr>
+            <a:lvl2pPr marL="457189" algn="l" defTabSz="914377" rtl="0" eaLnBrk="1" latinLnBrk="0" hangingPunct="1">
+              <a:defRPr sz="1800" kern="1200">
+                <a:solidFill>
+                  <a:schemeClr val="dk1"/>
+                </a:solidFill>
+                <a:latin typeface="+mn-lt"/>
+                <a:ea typeface="+mn-ea"/>
+                <a:cs typeface="+mn-cs"/>
+              </a:defRPr>
+            </a:lvl2pPr>
+            <a:lvl3pPr marL="914377" algn="l" defTabSz="914377" rtl="0" eaLnBrk="1" latinLnBrk="0" hangingPunct="1">
+              <a:defRPr sz="1800" kern="1200">
+                <a:solidFill>
+                  <a:schemeClr val="dk1"/>
+                </a:solidFill>
+                <a:latin typeface="+mn-lt"/>
+                <a:ea typeface="+mn-ea"/>
+                <a:cs typeface="+mn-cs"/>
+              </a:defRPr>
+            </a:lvl3pPr>
+            <a:lvl4pPr marL="1371566" algn="l" defTabSz="914377" rtl="0" eaLnBrk="1" latinLnBrk="0" hangingPunct="1">
+              <a:defRPr sz="1800" kern="1200">
+                <a:solidFill>
+                  <a:schemeClr val="dk1"/>
+                </a:solidFill>
+                <a:latin typeface="+mn-lt"/>
+                <a:ea typeface="+mn-ea"/>
+                <a:cs typeface="+mn-cs"/>
+              </a:defRPr>
+            </a:lvl4pPr>
+            <a:lvl5pPr marL="1828754" algn="l" defTabSz="914377" rtl="0" eaLnBrk="1" latinLnBrk="0" hangingPunct="1">
+              <a:defRPr sz="1800" kern="1200">
+                <a:solidFill>
+                  <a:schemeClr val="dk1"/>
+                </a:solidFill>
+                <a:latin typeface="+mn-lt"/>
+                <a:ea typeface="+mn-ea"/>
+                <a:cs typeface="+mn-cs"/>
+              </a:defRPr>
+            </a:lvl5pPr>
+            <a:lvl6pPr marL="2285943" algn="l" defTabSz="914377" rtl="0" eaLnBrk="1" latinLnBrk="0" hangingPunct="1">
+              <a:defRPr sz="1800" kern="1200">
+                <a:solidFill>
+                  <a:schemeClr val="dk1"/>
+                </a:solidFill>
+                <a:latin typeface="+mn-lt"/>
+                <a:ea typeface="+mn-ea"/>
+                <a:cs typeface="+mn-cs"/>
+              </a:defRPr>
+            </a:lvl6pPr>
+            <a:lvl7pPr marL="2743131" algn="l" defTabSz="914377" rtl="0" eaLnBrk="1" latinLnBrk="0" hangingPunct="1">
+              <a:defRPr sz="1800" kern="1200">
+                <a:solidFill>
+                  <a:schemeClr val="dk1"/>
+                </a:solidFill>
+                <a:latin typeface="+mn-lt"/>
+                <a:ea typeface="+mn-ea"/>
+                <a:cs typeface="+mn-cs"/>
+              </a:defRPr>
+            </a:lvl7pPr>
+            <a:lvl8pPr marL="3200320" algn="l" defTabSz="914377" rtl="0" eaLnBrk="1" latinLnBrk="0" hangingPunct="1">
+              <a:defRPr sz="1800" kern="1200">
+                <a:solidFill>
+                  <a:schemeClr val="dk1"/>
+                </a:solidFill>
+                <a:latin typeface="+mn-lt"/>
+                <a:ea typeface="+mn-ea"/>
+                <a:cs typeface="+mn-cs"/>
+              </a:defRPr>
+            </a:lvl8pPr>
+            <a:lvl9pPr marL="3657509" algn="l" defTabSz="914377" rtl="0" eaLnBrk="1" latinLnBrk="0" hangingPunct="1">
+              <a:defRPr sz="1800" kern="1200">
+                <a:solidFill>
+                  <a:schemeClr val="dk1"/>
+                </a:solidFill>
+                <a:latin typeface="+mn-lt"/>
+                <a:ea typeface="+mn-ea"/>
+                <a:cs typeface="+mn-cs"/>
+              </a:defRPr>
+            </a:lvl9pPr>
+          </a:lstStyle>
+          <a:p>
+            <a:pPr algn="ctr"/>
+            <a:r>
+              <a:rPr lang="en-US" sz="1200" i="1" dirty="0" smtClean="0">
+                <a:solidFill>
+                  <a:schemeClr val="tx1"/>
+                </a:solidFill>
+                <a:latin typeface="Source Sans Pro Light" charset="0"/>
+                <a:ea typeface="Source Sans Pro Light" charset="0"/>
+                <a:cs typeface="Source Sans Pro Light" charset="0"/>
+              </a:rPr>
+              <a:t>Metadata</a:t>
+            </a:r>
+            <a:endParaRPr lang="en-US" sz="1200" i="1" dirty="0">
+              <a:solidFill>
+                <a:schemeClr val="tx1"/>
+              </a:solidFill>
+              <a:latin typeface="Source Sans Pro Light" charset="0"/>
+              <a:ea typeface="Source Sans Pro Light" charset="0"/>
+              <a:cs typeface="Source Sans Pro Light" charset="0"/>
+            </a:endParaRPr>
+          </a:p>
+        </p:txBody>
+      </p:sp>
+      <p:sp>
+        <p:nvSpPr>
           <p:cNvPr id="61" name="Oval 60">
             <a:extLst>
               <a:ext uri="{FF2B5EF4-FFF2-40B4-BE49-F238E27FC236}">
-                <a16:creationId xmlns:a16="http://schemas.microsoft.com/office/drawing/2014/main" xmlns="" id="{1738B30C-7F19-6540-929D-76AF6C73BEF4}"/>
+                <a16:creationId xmlns="" xmlns:a16="http://schemas.microsoft.com/office/drawing/2014/main" id="{1738B30C-7F19-6540-929D-76AF6C73BEF4}"/>
               </a:ext>
             </a:extLst>
           </p:cNvPr>
@@ -21384,7 +23198,7 @@
         </p:nvSpPr>
         <p:spPr>
           <a:xfrm>
-            <a:off x="3010183" y="1810381"/>
+            <a:off x="3010183" y="1896106"/>
             <a:ext cx="288032" cy="288032"/>
           </a:xfrm>
           <a:prstGeom prst="ellipse">
@@ -21434,7 +23248,7 @@
           <p:cNvPr id="62" name="Oval 61">
             <a:extLst>
               <a:ext uri="{FF2B5EF4-FFF2-40B4-BE49-F238E27FC236}">
-                <a16:creationId xmlns:a16="http://schemas.microsoft.com/office/drawing/2014/main" xmlns="" id="{D23C6353-F2C3-EA4A-9C2E-DAB87E982EFE}"/>
+                <a16:creationId xmlns="" xmlns:a16="http://schemas.microsoft.com/office/drawing/2014/main" id="{D23C6353-F2C3-EA4A-9C2E-DAB87E982EFE}"/>
               </a:ext>
             </a:extLst>
           </p:cNvPr>
@@ -21443,7 +23257,7 @@
         </p:nvSpPr>
         <p:spPr>
           <a:xfrm>
-            <a:off x="2998799" y="2848228"/>
+            <a:off x="2998799" y="3133978"/>
             <a:ext cx="288032" cy="288032"/>
           </a:xfrm>
           <a:prstGeom prst="ellipse">
@@ -21496,7 +23310,7 @@
         </p:nvCxnSpPr>
         <p:spPr>
           <a:xfrm flipH="1">
-            <a:off x="2491313" y="2219549"/>
+            <a:off x="2491313" y="2305274"/>
             <a:ext cx="4140890" cy="0"/>
           </a:xfrm>
           <a:prstGeom prst="line">
@@ -21535,7 +23349,7 @@
         </p:nvSpPr>
         <p:spPr>
           <a:xfrm>
-            <a:off x="3536807" y="2880418"/>
+            <a:off x="3536807" y="3166168"/>
             <a:ext cx="2130341" cy="215444"/>
           </a:xfrm>
           <a:prstGeom prst="rect">
@@ -21563,18 +23377,7 @@
                 <a:ea typeface="Source Sans Pro Light" charset="0"/>
                 <a:cs typeface="Source Sans Pro Light" charset="0"/>
               </a:rPr>
-              <a:t>Apply </a:t>
-            </a:r>
-            <a:r>
-              <a:rPr lang="en-US" sz="1400" dirty="0" smtClean="0">
-                <a:solidFill>
-                  <a:schemeClr val="tx2"/>
-                </a:solidFill>
-                <a:latin typeface="Source Sans Pro Light" charset="0"/>
-                <a:ea typeface="Source Sans Pro Light" charset="0"/>
-                <a:cs typeface="Source Sans Pro Light" charset="0"/>
-              </a:rPr>
-              <a:t>Code relocations</a:t>
+              <a:t>Apply Code relocations</a:t>
             </a:r>
             <a:endParaRPr lang="en-US" sz="1400" dirty="0">
               <a:solidFill>
@@ -21587,12 +23390,59 @@
           </a:p>
         </p:txBody>
       </p:sp>
+      <p:sp>
+        <p:nvSpPr>
+          <p:cNvPr id="66" name="TextBox 65"/>
+          <p:cNvSpPr txBox="1"/>
+          <p:nvPr/>
+        </p:nvSpPr>
+        <p:spPr>
+          <a:xfrm>
+            <a:off x="3536808" y="1809716"/>
+            <a:ext cx="2288491" cy="430887"/>
+          </a:xfrm>
+          <a:prstGeom prst="rect">
+            <a:avLst/>
+          </a:prstGeom>
+          <a:noFill/>
+        </p:spPr>
+        <p:txBody>
+          <a:bodyPr vert="horz" wrap="square" lIns="0" tIns="0" rIns="0" bIns="0" numCol="1" spcCol="288000" rtlCol="0" anchor="t" anchorCtr="0">
+            <a:spAutoFit/>
+          </a:bodyPr>
+          <a:lstStyle/>
+          <a:p>
+            <a:r>
+              <a:rPr lang="en-US" sz="1400" dirty="0" smtClean="0">
+                <a:solidFill>
+                  <a:schemeClr val="tx2"/>
+                </a:solidFill>
+                <a:latin typeface="Source Sans Pro Light" charset="0"/>
+                <a:ea typeface="Source Sans Pro Light" charset="0"/>
+                <a:cs typeface="Source Sans Pro Light" charset="0"/>
+              </a:rPr>
+              <a:t>Allocate sections and transfer bytes to Kernel Working Buffer</a:t>
+            </a:r>
+            <a:endParaRPr lang="en-US" sz="1400" b="0" i="0" spc="0" dirty="0" smtClean="0">
+              <a:ln>
+                <a:noFill/>
+              </a:ln>
+              <a:solidFill>
+                <a:schemeClr val="tx2"/>
+              </a:solidFill>
+              <a:latin typeface="Source Sans Pro Light" charset="0"/>
+              <a:ea typeface="Source Sans Pro Light" charset="0"/>
+              <a:cs typeface="Source Sans Pro Light" charset="0"/>
+            </a:endParaRPr>
+          </a:p>
+        </p:txBody>
+      </p:sp>
       <p:grpSp>
         <p:nvGrpSpPr>
           <p:cNvPr id="68" name="Group 67">
             <a:extLst>
               <a:ext uri="{FF2B5EF4-FFF2-40B4-BE49-F238E27FC236}">
-                <a16:creationId xmlns:a16="http://schemas.microsoft.com/office/drawing/2014/main" xmlns="" id="{15BC43EA-EC65-9B4E-800D-0F0DF0929470}"/>
+                <a16:creationId xmlns="" xmlns:a16="http://schemas.microsoft.com/office/drawing/2014/main" id="{15BC43EA-EC65-9B4E-800D-0F0DF0929470}"/>
               </a:ext>
             </a:extLst>
           </p:cNvPr>
@@ -21601,7 +23451,7 @@
         </p:nvGrpSpPr>
         <p:grpSpPr>
           <a:xfrm>
-            <a:off x="1429588" y="1097229"/>
+            <a:off x="1429588" y="1182954"/>
             <a:ext cx="647434" cy="764048"/>
             <a:chOff x="2881736" y="3875028"/>
             <a:chExt cx="1246398" cy="1246398"/>
@@ -21612,7 +23462,7 @@
             <p:cNvPr id="69" name="Picture 68">
               <a:extLst>
                 <a:ext uri="{FF2B5EF4-FFF2-40B4-BE49-F238E27FC236}">
-                  <a16:creationId xmlns:a16="http://schemas.microsoft.com/office/drawing/2014/main" xmlns="" id="{33D843E7-E97C-394E-B834-687499FC1D14}"/>
+                  <a16:creationId xmlns="" xmlns:a16="http://schemas.microsoft.com/office/drawing/2014/main" id="{33D843E7-E97C-394E-B834-687499FC1D14}"/>
                 </a:ext>
               </a:extLst>
             </p:cNvPr>
@@ -21649,7 +23499,7 @@
             <p:cNvPr id="70" name="Picture 69">
               <a:extLst>
                 <a:ext uri="{FF2B5EF4-FFF2-40B4-BE49-F238E27FC236}">
-                  <a16:creationId xmlns:a16="http://schemas.microsoft.com/office/drawing/2014/main" xmlns="" id="{62FF445E-CBEC-7446-878C-D56FDB709BE5}"/>
+                  <a16:creationId xmlns="" xmlns:a16="http://schemas.microsoft.com/office/drawing/2014/main" id="{62FF445E-CBEC-7446-878C-D56FDB709BE5}"/>
                 </a:ext>
               </a:extLst>
             </p:cNvPr>
@@ -21692,7 +23542,7 @@
             <p:cNvPr id="71" name="Rectangle 70">
               <a:extLst>
                 <a:ext uri="{FF2B5EF4-FFF2-40B4-BE49-F238E27FC236}">
-                  <a16:creationId xmlns:a16="http://schemas.microsoft.com/office/drawing/2014/main" xmlns="" id="{2EDF0AB2-C32D-D543-9E57-25F96D93E28B}"/>
+                  <a16:creationId xmlns="" xmlns:a16="http://schemas.microsoft.com/office/drawing/2014/main" id="{2EDF0AB2-C32D-D543-9E57-25F96D93E28B}"/>
                 </a:ext>
               </a:extLst>
             </p:cNvPr>
@@ -21773,7 +23623,7 @@
           <p:cNvPr id="86" name="Arc 85">
             <a:extLst>
               <a:ext uri="{FF2B5EF4-FFF2-40B4-BE49-F238E27FC236}">
-                <a16:creationId xmlns="" xmlns:a16="http://schemas.microsoft.com/office/drawing/2014/main" xmlns:lc="http://schemas.openxmlformats.org/drawingml/2006/lockedCanvas" id="{86EDDADF-7E45-6142-A0DD-94D136B9C42C}"/>
+                <a16:creationId xmlns:lc="http://schemas.openxmlformats.org/drawingml/2006/lockedCanvas" xmlns:a16="http://schemas.microsoft.com/office/drawing/2014/main" xmlns="" id="{86EDDADF-7E45-6142-A0DD-94D136B9C42C}"/>
               </a:ext>
             </a:extLst>
           </p:cNvPr>
@@ -21782,7 +23632,7 @@
         </p:nvSpPr>
         <p:spPr>
           <a:xfrm rot="10800000">
-            <a:off x="6413744" y="2703631"/>
+            <a:off x="6404496" y="2999159"/>
             <a:ext cx="436914" cy="436914"/>
           </a:xfrm>
           <a:prstGeom prst="arc">
@@ -21926,7 +23776,7 @@
         </p:nvSpPr>
         <p:spPr>
           <a:xfrm>
-            <a:off x="3536807" y="4722468"/>
+            <a:off x="3536807" y="4408143"/>
             <a:ext cx="2756937" cy="215444"/>
           </a:xfrm>
           <a:prstGeom prst="rect">
@@ -21971,18 +23821,7 @@
                 <a:ea typeface="Source Sans Pro Light" charset="0"/>
                 <a:cs typeface="Source Sans Pro Light" charset="0"/>
               </a:rPr>
-              <a:t>temporary </a:t>
-            </a:r>
-            <a:r>
-              <a:rPr lang="en-US" sz="1400" dirty="0" smtClean="0">
-                <a:solidFill>
-                  <a:schemeClr val="tx2"/>
-                </a:solidFill>
-                <a:latin typeface="Source Sans Pro Light" charset="0"/>
-                <a:ea typeface="Source Sans Pro Light" charset="0"/>
-                <a:cs typeface="Source Sans Pro Light" charset="0"/>
-              </a:rPr>
-              <a:t>locations</a:t>
+              <a:t>temporary locations</a:t>
             </a:r>
             <a:endParaRPr lang="en-US" sz="1400" b="0" i="0" spc="0" dirty="0" smtClean="0">
               <a:ln>
@@ -22003,7 +23842,7 @@
           <p:cNvPr id="89" name="Oval 88">
             <a:extLst>
               <a:ext uri="{FF2B5EF4-FFF2-40B4-BE49-F238E27FC236}">
-                <a16:creationId xmlns:a16="http://schemas.microsoft.com/office/drawing/2014/main" xmlns="" id="{8F099C04-5029-5348-BB2C-AE4DBD46822A}"/>
+                <a16:creationId xmlns="" xmlns:a16="http://schemas.microsoft.com/office/drawing/2014/main" id="{8F099C04-5029-5348-BB2C-AE4DBD46822A}"/>
               </a:ext>
             </a:extLst>
           </p:cNvPr>
@@ -22012,7 +23851,7 @@
         </p:nvSpPr>
         <p:spPr>
           <a:xfrm>
-            <a:off x="3010183" y="4686174"/>
+            <a:off x="3010183" y="4371849"/>
             <a:ext cx="288032" cy="288032"/>
           </a:xfrm>
           <a:prstGeom prst="ellipse">
@@ -22052,16 +23891,8 @@
                 <a:ea typeface="Source Sans Pro" panose="020B0503030403020204" pitchFamily="34" charset="0"/>
                 <a:cs typeface="Source Sans Pro Light" charset="0"/>
               </a:rPr>
-              <a:t>4</a:t>
-            </a:r>
-            <a:endParaRPr lang="en-US" b="1" dirty="0">
-              <a:solidFill>
-                <a:schemeClr val="bg1"/>
-              </a:solidFill>
-              <a:latin typeface="Source Sans Pro" panose="020B0503030403020204" pitchFamily="34" charset="0"/>
-              <a:ea typeface="Source Sans Pro" panose="020B0503030403020204" pitchFamily="34" charset="0"/>
-              <a:cs typeface="Source Sans Pro Light" charset="0"/>
-            </a:endParaRPr>
+              <a:t>3</a:t>
+            </a:r>
           </a:p>
         </p:txBody>
       </p:sp>
@@ -22070,7 +23901,7 @@
           <p:cNvPr id="90" name="Picture 89">
             <a:extLst>
               <a:ext uri="{FF2B5EF4-FFF2-40B4-BE49-F238E27FC236}">
-                <a16:creationId xmlns="" xmlns:a16="http://schemas.microsoft.com/office/drawing/2014/main" xmlns:lc="http://schemas.openxmlformats.org/drawingml/2006/lockedCanvas" id="{1D3FE1F1-8624-5141-BA1D-0717D0491635}"/>
+                <a16:creationId xmlns:lc="http://schemas.openxmlformats.org/drawingml/2006/lockedCanvas" xmlns:a16="http://schemas.microsoft.com/office/drawing/2014/main" xmlns="" id="{1D3FE1F1-8624-5141-BA1D-0717D0491635}"/>
               </a:ext>
             </a:extLst>
           </p:cNvPr>
@@ -22093,7 +23924,7 @@
         </p:blipFill>
         <p:spPr>
           <a:xfrm>
-            <a:off x="5357747" y="4617140"/>
+            <a:off x="5357747" y="4302815"/>
             <a:ext cx="402708" cy="402708"/>
           </a:xfrm>
           <a:prstGeom prst="rect">
@@ -22101,1716 +23932,12 @@
           </a:prstGeom>
         </p:spPr>
       </p:pic>
-      <p:sp>
-        <p:nvSpPr>
-          <p:cNvPr id="34" name="Rounded Rectangle 33"/>
-          <p:cNvSpPr/>
-          <p:nvPr/>
-        </p:nvSpPr>
-        <p:spPr>
-          <a:xfrm>
-            <a:off x="6748057" y="2353500"/>
-            <a:ext cx="1567847" cy="979586"/>
-          </a:xfrm>
-          <a:prstGeom prst="roundRect">
-            <a:avLst>
-              <a:gd name="adj" fmla="val 8016"/>
-            </a:avLst>
-          </a:prstGeom>
-          <a:solidFill>
-            <a:schemeClr val="accent1"/>
-          </a:solidFill>
-          <a:ln w="12700">
-            <a:noFill/>
-          </a:ln>
-          <a:effectLst/>
-        </p:spPr>
-        <p:style>
-          <a:lnRef idx="2">
-            <a:schemeClr val="dk1"/>
-          </a:lnRef>
-          <a:fillRef idx="1">
-            <a:schemeClr val="lt1"/>
-          </a:fillRef>
-          <a:effectRef idx="0">
-            <a:schemeClr val="dk1"/>
-          </a:effectRef>
-          <a:fontRef idx="minor">
-            <a:schemeClr val="dk1"/>
-          </a:fontRef>
-        </p:style>
-        <p:txBody>
-          <a:bodyPr wrap="square" tIns="36000" bIns="36000" rtlCol="0" anchor="t" anchorCtr="0">
-            <a:noAutofit/>
-          </a:bodyPr>
-          <a:lstStyle/>
-          <a:p>
-            <a:pPr algn="ctr"/>
-            <a:r>
-              <a:rPr lang="en-US" sz="1200" b="1" i="1" dirty="0">
-                <a:solidFill>
-                  <a:schemeClr val="bg1"/>
-                </a:solidFill>
-                <a:latin typeface="Source Sans Pro Light" charset="0"/>
-                <a:ea typeface="Source Sans Pro Light" charset="0"/>
-                <a:cs typeface="Source Sans Pro Light" charset="0"/>
-              </a:rPr>
-              <a:t>Kernel Working Buffer</a:t>
-            </a:r>
-          </a:p>
-        </p:txBody>
-      </p:sp>
-      <p:sp>
-        <p:nvSpPr>
-          <p:cNvPr id="35" name="Rounded Rectangle 34"/>
-          <p:cNvSpPr/>
-          <p:nvPr/>
-        </p:nvSpPr>
-        <p:spPr>
-          <a:xfrm>
-            <a:off x="6748057" y="3439561"/>
-            <a:ext cx="1567847" cy="977324"/>
-          </a:xfrm>
-          <a:prstGeom prst="roundRect">
-            <a:avLst>
-              <a:gd name="adj" fmla="val 11847"/>
-            </a:avLst>
-          </a:prstGeom>
-          <a:solidFill>
-            <a:srgbClr val="F0B602"/>
-          </a:solidFill>
-          <a:ln w="12700">
-            <a:noFill/>
-          </a:ln>
-          <a:effectLst/>
-        </p:spPr>
-        <p:style>
-          <a:lnRef idx="2">
-            <a:schemeClr val="dk1"/>
-          </a:lnRef>
-          <a:fillRef idx="1">
-            <a:schemeClr val="lt1"/>
-          </a:fillRef>
-          <a:effectRef idx="0">
-            <a:schemeClr val="dk1"/>
-          </a:effectRef>
-          <a:fontRef idx="minor">
-            <a:schemeClr val="dk1"/>
-          </a:fontRef>
-        </p:style>
-        <p:txBody>
-          <a:bodyPr wrap="square" tIns="36000" bIns="36000" rtlCol="0" anchor="t" anchorCtr="0">
-            <a:noAutofit/>
-          </a:bodyPr>
-          <a:lstStyle/>
-          <a:p>
-            <a:pPr algn="ctr"/>
-            <a:r>
-              <a:rPr lang="en-US" sz="1200" b="1" i="1" dirty="0">
-                <a:solidFill>
-                  <a:schemeClr val="bg1"/>
-                </a:solidFill>
-                <a:latin typeface="Source Sans Pro Light" charset="0"/>
-                <a:ea typeface="Source Sans Pro Light" charset="0"/>
-                <a:cs typeface="Source Sans Pro Light" charset="0"/>
-              </a:rPr>
-              <a:t>Java </a:t>
-            </a:r>
-            <a:r>
-              <a:rPr lang="en-US" sz="1200" b="1" i="1" dirty="0" smtClean="0">
-                <a:solidFill>
-                  <a:schemeClr val="bg1"/>
-                </a:solidFill>
-                <a:latin typeface="Source Sans Pro Light" charset="0"/>
-                <a:ea typeface="Source Sans Pro Light" charset="0"/>
-                <a:cs typeface="Source Sans Pro Light" charset="0"/>
-              </a:rPr>
-              <a:t>Heap</a:t>
-            </a:r>
-            <a:endParaRPr lang="en-US" sz="1200" b="1" i="1" dirty="0" smtClean="0">
-              <a:solidFill>
-                <a:schemeClr val="bg1"/>
-              </a:solidFill>
-              <a:latin typeface="Source Sans Pro Light" charset="0"/>
-              <a:ea typeface="Source Sans Pro Light" charset="0"/>
-              <a:cs typeface="Source Sans Pro Light" charset="0"/>
-            </a:endParaRPr>
-          </a:p>
-        </p:txBody>
-      </p:sp>
-      <p:sp>
-        <p:nvSpPr>
-          <p:cNvPr id="36" name="Rounded Rectangle 35"/>
-          <p:cNvSpPr/>
-          <p:nvPr/>
-        </p:nvSpPr>
-        <p:spPr>
-          <a:xfrm>
-            <a:off x="6899337" y="2686198"/>
-            <a:ext cx="1260000" cy="540000"/>
-          </a:xfrm>
-          <a:prstGeom prst="roundRect">
-            <a:avLst>
-              <a:gd name="adj" fmla="val 19644"/>
-            </a:avLst>
-          </a:prstGeom>
-          <a:solidFill>
-            <a:schemeClr val="bg2">
-              <a:lumMod val="25000"/>
-            </a:schemeClr>
-          </a:solidFill>
-          <a:ln w="12700">
-            <a:noFill/>
-          </a:ln>
-          <a:effectLst/>
-        </p:spPr>
-        <p:style>
-          <a:lnRef idx="2">
-            <a:schemeClr val="dk1"/>
-          </a:lnRef>
-          <a:fillRef idx="1">
-            <a:schemeClr val="lt1"/>
-          </a:fillRef>
-          <a:effectRef idx="0">
-            <a:schemeClr val="dk1"/>
-          </a:effectRef>
-          <a:fontRef idx="minor">
-            <a:schemeClr val="dk1"/>
-          </a:fontRef>
-        </p:style>
-        <p:txBody>
-          <a:bodyPr wrap="square" tIns="36000" bIns="36000" rtlCol="0" anchor="ctr">
-            <a:noAutofit/>
-          </a:bodyPr>
-          <a:lstStyle>
-            <a:defPPr>
-              <a:defRPr lang="en-US"/>
-            </a:defPPr>
-            <a:lvl1pPr marL="0" algn="l" defTabSz="914377" rtl="0" eaLnBrk="1" latinLnBrk="0" hangingPunct="1">
-              <a:defRPr sz="1800" kern="1200">
-                <a:solidFill>
-                  <a:schemeClr val="dk1"/>
-                </a:solidFill>
-                <a:latin typeface="+mn-lt"/>
-                <a:ea typeface="+mn-ea"/>
-                <a:cs typeface="+mn-cs"/>
-              </a:defRPr>
-            </a:lvl1pPr>
-            <a:lvl2pPr marL="457189" algn="l" defTabSz="914377" rtl="0" eaLnBrk="1" latinLnBrk="0" hangingPunct="1">
-              <a:defRPr sz="1800" kern="1200">
-                <a:solidFill>
-                  <a:schemeClr val="dk1"/>
-                </a:solidFill>
-                <a:latin typeface="+mn-lt"/>
-                <a:ea typeface="+mn-ea"/>
-                <a:cs typeface="+mn-cs"/>
-              </a:defRPr>
-            </a:lvl2pPr>
-            <a:lvl3pPr marL="914377" algn="l" defTabSz="914377" rtl="0" eaLnBrk="1" latinLnBrk="0" hangingPunct="1">
-              <a:defRPr sz="1800" kern="1200">
-                <a:solidFill>
-                  <a:schemeClr val="dk1"/>
-                </a:solidFill>
-                <a:latin typeface="+mn-lt"/>
-                <a:ea typeface="+mn-ea"/>
-                <a:cs typeface="+mn-cs"/>
-              </a:defRPr>
-            </a:lvl3pPr>
-            <a:lvl4pPr marL="1371566" algn="l" defTabSz="914377" rtl="0" eaLnBrk="1" latinLnBrk="0" hangingPunct="1">
-              <a:defRPr sz="1800" kern="1200">
-                <a:solidFill>
-                  <a:schemeClr val="dk1"/>
-                </a:solidFill>
-                <a:latin typeface="+mn-lt"/>
-                <a:ea typeface="+mn-ea"/>
-                <a:cs typeface="+mn-cs"/>
-              </a:defRPr>
-            </a:lvl4pPr>
-            <a:lvl5pPr marL="1828754" algn="l" defTabSz="914377" rtl="0" eaLnBrk="1" latinLnBrk="0" hangingPunct="1">
-              <a:defRPr sz="1800" kern="1200">
-                <a:solidFill>
-                  <a:schemeClr val="dk1"/>
-                </a:solidFill>
-                <a:latin typeface="+mn-lt"/>
-                <a:ea typeface="+mn-ea"/>
-                <a:cs typeface="+mn-cs"/>
-              </a:defRPr>
-            </a:lvl5pPr>
-            <a:lvl6pPr marL="2285943" algn="l" defTabSz="914377" rtl="0" eaLnBrk="1" latinLnBrk="0" hangingPunct="1">
-              <a:defRPr sz="1800" kern="1200">
-                <a:solidFill>
-                  <a:schemeClr val="dk1"/>
-                </a:solidFill>
-                <a:latin typeface="+mn-lt"/>
-                <a:ea typeface="+mn-ea"/>
-                <a:cs typeface="+mn-cs"/>
-              </a:defRPr>
-            </a:lvl6pPr>
-            <a:lvl7pPr marL="2743131" algn="l" defTabSz="914377" rtl="0" eaLnBrk="1" latinLnBrk="0" hangingPunct="1">
-              <a:defRPr sz="1800" kern="1200">
-                <a:solidFill>
-                  <a:schemeClr val="dk1"/>
-                </a:solidFill>
-                <a:latin typeface="+mn-lt"/>
-                <a:ea typeface="+mn-ea"/>
-                <a:cs typeface="+mn-cs"/>
-              </a:defRPr>
-            </a:lvl7pPr>
-            <a:lvl8pPr marL="3200320" algn="l" defTabSz="914377" rtl="0" eaLnBrk="1" latinLnBrk="0" hangingPunct="1">
-              <a:defRPr sz="1800" kern="1200">
-                <a:solidFill>
-                  <a:schemeClr val="dk1"/>
-                </a:solidFill>
-                <a:latin typeface="+mn-lt"/>
-                <a:ea typeface="+mn-ea"/>
-                <a:cs typeface="+mn-cs"/>
-              </a:defRPr>
-            </a:lvl8pPr>
-            <a:lvl9pPr marL="3657509" algn="l" defTabSz="914377" rtl="0" eaLnBrk="1" latinLnBrk="0" hangingPunct="1">
-              <a:defRPr sz="1800" kern="1200">
-                <a:solidFill>
-                  <a:schemeClr val="dk1"/>
-                </a:solidFill>
-                <a:latin typeface="+mn-lt"/>
-                <a:ea typeface="+mn-ea"/>
-                <a:cs typeface="+mn-cs"/>
-              </a:defRPr>
-            </a:lvl9pPr>
-          </a:lstStyle>
-          <a:p>
-            <a:pPr algn="ctr"/>
-            <a:r>
-              <a:rPr lang="en-US" sz="1200" i="1" dirty="0" smtClean="0">
-                <a:solidFill>
-                  <a:schemeClr val="bg1"/>
-                </a:solidFill>
-                <a:latin typeface="Source Sans Pro Light" charset="0"/>
-                <a:ea typeface="Source Sans Pro Light" charset="0"/>
-                <a:cs typeface="Source Sans Pro Light" charset="0"/>
-              </a:rPr>
-              <a:t>Code</a:t>
-            </a:r>
-            <a:endParaRPr lang="en-US" sz="1200" i="1" dirty="0">
-              <a:solidFill>
-                <a:schemeClr val="bg1"/>
-              </a:solidFill>
-              <a:latin typeface="Source Sans Pro Light" charset="0"/>
-              <a:ea typeface="Source Sans Pro Light" charset="0"/>
-              <a:cs typeface="Source Sans Pro Light" charset="0"/>
-            </a:endParaRPr>
-          </a:p>
-        </p:txBody>
-      </p:sp>
-      <p:sp>
-        <p:nvSpPr>
-          <p:cNvPr id="37" name="Rounded Rectangle 36"/>
-          <p:cNvSpPr/>
-          <p:nvPr/>
-        </p:nvSpPr>
-        <p:spPr>
-          <a:xfrm>
-            <a:off x="6898347" y="3781866"/>
-            <a:ext cx="1260000" cy="540000"/>
-          </a:xfrm>
-          <a:prstGeom prst="roundRect">
-            <a:avLst>
-              <a:gd name="adj" fmla="val 19644"/>
-            </a:avLst>
-          </a:prstGeom>
-          <a:solidFill>
-            <a:schemeClr val="bg1">
-              <a:lumMod val="95000"/>
-            </a:schemeClr>
-          </a:solidFill>
-          <a:ln w="12700">
-            <a:solidFill>
-              <a:schemeClr val="bg2"/>
-            </a:solidFill>
-          </a:ln>
-          <a:effectLst/>
-        </p:spPr>
-        <p:style>
-          <a:lnRef idx="2">
-            <a:schemeClr val="dk1"/>
-          </a:lnRef>
-          <a:fillRef idx="1">
-            <a:schemeClr val="lt1"/>
-          </a:fillRef>
-          <a:effectRef idx="0">
-            <a:schemeClr val="dk1"/>
-          </a:effectRef>
-          <a:fontRef idx="minor">
-            <a:schemeClr val="dk1"/>
-          </a:fontRef>
-        </p:style>
-        <p:txBody>
-          <a:bodyPr wrap="square" tIns="36000" bIns="36000" rtlCol="0" anchor="ctr">
-            <a:noAutofit/>
-          </a:bodyPr>
-          <a:lstStyle>
-            <a:defPPr>
-              <a:defRPr lang="en-US"/>
-            </a:defPPr>
-            <a:lvl1pPr marL="0" algn="l" defTabSz="914377" rtl="0" eaLnBrk="1" latinLnBrk="0" hangingPunct="1">
-              <a:defRPr sz="1800" kern="1200">
-                <a:solidFill>
-                  <a:schemeClr val="dk1"/>
-                </a:solidFill>
-                <a:latin typeface="+mn-lt"/>
-                <a:ea typeface="+mn-ea"/>
-                <a:cs typeface="+mn-cs"/>
-              </a:defRPr>
-            </a:lvl1pPr>
-            <a:lvl2pPr marL="457189" algn="l" defTabSz="914377" rtl="0" eaLnBrk="1" latinLnBrk="0" hangingPunct="1">
-              <a:defRPr sz="1800" kern="1200">
-                <a:solidFill>
-                  <a:schemeClr val="dk1"/>
-                </a:solidFill>
-                <a:latin typeface="+mn-lt"/>
-                <a:ea typeface="+mn-ea"/>
-                <a:cs typeface="+mn-cs"/>
-              </a:defRPr>
-            </a:lvl2pPr>
-            <a:lvl3pPr marL="914377" algn="l" defTabSz="914377" rtl="0" eaLnBrk="1" latinLnBrk="0" hangingPunct="1">
-              <a:defRPr sz="1800" kern="1200">
-                <a:solidFill>
-                  <a:schemeClr val="dk1"/>
-                </a:solidFill>
-                <a:latin typeface="+mn-lt"/>
-                <a:ea typeface="+mn-ea"/>
-                <a:cs typeface="+mn-cs"/>
-              </a:defRPr>
-            </a:lvl3pPr>
-            <a:lvl4pPr marL="1371566" algn="l" defTabSz="914377" rtl="0" eaLnBrk="1" latinLnBrk="0" hangingPunct="1">
-              <a:defRPr sz="1800" kern="1200">
-                <a:solidFill>
-                  <a:schemeClr val="dk1"/>
-                </a:solidFill>
-                <a:latin typeface="+mn-lt"/>
-                <a:ea typeface="+mn-ea"/>
-                <a:cs typeface="+mn-cs"/>
-              </a:defRPr>
-            </a:lvl4pPr>
-            <a:lvl5pPr marL="1828754" algn="l" defTabSz="914377" rtl="0" eaLnBrk="1" latinLnBrk="0" hangingPunct="1">
-              <a:defRPr sz="1800" kern="1200">
-                <a:solidFill>
-                  <a:schemeClr val="dk1"/>
-                </a:solidFill>
-                <a:latin typeface="+mn-lt"/>
-                <a:ea typeface="+mn-ea"/>
-                <a:cs typeface="+mn-cs"/>
-              </a:defRPr>
-            </a:lvl5pPr>
-            <a:lvl6pPr marL="2285943" algn="l" defTabSz="914377" rtl="0" eaLnBrk="1" latinLnBrk="0" hangingPunct="1">
-              <a:defRPr sz="1800" kern="1200">
-                <a:solidFill>
-                  <a:schemeClr val="dk1"/>
-                </a:solidFill>
-                <a:latin typeface="+mn-lt"/>
-                <a:ea typeface="+mn-ea"/>
-                <a:cs typeface="+mn-cs"/>
-              </a:defRPr>
-            </a:lvl6pPr>
-            <a:lvl7pPr marL="2743131" algn="l" defTabSz="914377" rtl="0" eaLnBrk="1" latinLnBrk="0" hangingPunct="1">
-              <a:defRPr sz="1800" kern="1200">
-                <a:solidFill>
-                  <a:schemeClr val="dk1"/>
-                </a:solidFill>
-                <a:latin typeface="+mn-lt"/>
-                <a:ea typeface="+mn-ea"/>
-                <a:cs typeface="+mn-cs"/>
-              </a:defRPr>
-            </a:lvl7pPr>
-            <a:lvl8pPr marL="3200320" algn="l" defTabSz="914377" rtl="0" eaLnBrk="1" latinLnBrk="0" hangingPunct="1">
-              <a:defRPr sz="1800" kern="1200">
-                <a:solidFill>
-                  <a:schemeClr val="dk1"/>
-                </a:solidFill>
-                <a:latin typeface="+mn-lt"/>
-                <a:ea typeface="+mn-ea"/>
-                <a:cs typeface="+mn-cs"/>
-              </a:defRPr>
-            </a:lvl8pPr>
-            <a:lvl9pPr marL="3657509" algn="l" defTabSz="914377" rtl="0" eaLnBrk="1" latinLnBrk="0" hangingPunct="1">
-              <a:defRPr sz="1800" kern="1200">
-                <a:solidFill>
-                  <a:schemeClr val="dk1"/>
-                </a:solidFill>
-                <a:latin typeface="+mn-lt"/>
-                <a:ea typeface="+mn-ea"/>
-                <a:cs typeface="+mn-cs"/>
-              </a:defRPr>
-            </a:lvl9pPr>
-          </a:lstStyle>
-          <a:p>
-            <a:pPr algn="ctr"/>
-            <a:r>
-              <a:rPr lang="en-US" sz="1200" i="1" dirty="0" smtClean="0">
-                <a:solidFill>
-                  <a:schemeClr val="tx1"/>
-                </a:solidFill>
-                <a:latin typeface="Source Sans Pro Light" charset="0"/>
-                <a:ea typeface="Source Sans Pro Light" charset="0"/>
-                <a:cs typeface="Source Sans Pro Light" charset="0"/>
-              </a:rPr>
-              <a:t>Metadata</a:t>
-            </a:r>
-            <a:endParaRPr lang="en-US" sz="1200" i="1" dirty="0">
-              <a:solidFill>
-                <a:schemeClr val="tx1"/>
-              </a:solidFill>
-              <a:latin typeface="Source Sans Pro Light" charset="0"/>
-              <a:ea typeface="Source Sans Pro Light" charset="0"/>
-              <a:cs typeface="Source Sans Pro Light" charset="0"/>
-            </a:endParaRPr>
-          </a:p>
-        </p:txBody>
-      </p:sp>
-      <p:sp>
-        <p:nvSpPr>
-          <p:cNvPr id="38" name="Rounded Rectangle 37"/>
-          <p:cNvSpPr/>
-          <p:nvPr/>
-        </p:nvSpPr>
-        <p:spPr>
-          <a:xfrm>
-            <a:off x="6748057" y="1224145"/>
-            <a:ext cx="1567847" cy="999691"/>
-          </a:xfrm>
-          <a:prstGeom prst="roundRect">
-            <a:avLst>
-              <a:gd name="adj" fmla="val 9163"/>
-            </a:avLst>
-          </a:prstGeom>
-          <a:solidFill>
-            <a:schemeClr val="accent4"/>
-          </a:solidFill>
-          <a:ln w="12700">
-            <a:noFill/>
-          </a:ln>
-          <a:effectLst/>
-        </p:spPr>
-        <p:style>
-          <a:lnRef idx="2">
-            <a:schemeClr val="dk1"/>
-          </a:lnRef>
-          <a:fillRef idx="1">
-            <a:schemeClr val="lt1"/>
-          </a:fillRef>
-          <a:effectRef idx="0">
-            <a:schemeClr val="dk1"/>
-          </a:effectRef>
-          <a:fontRef idx="minor">
-            <a:schemeClr val="dk1"/>
-          </a:fontRef>
-        </p:style>
-        <p:txBody>
-          <a:bodyPr wrap="square" tIns="36000" bIns="36000" rtlCol="0" anchor="t" anchorCtr="0">
-            <a:noAutofit/>
-          </a:bodyPr>
-          <a:lstStyle/>
-          <a:p>
-            <a:pPr algn="ctr"/>
-            <a:r>
-              <a:rPr lang="en-US" sz="1200" b="1" i="1" dirty="0" smtClean="0">
-                <a:solidFill>
-                  <a:schemeClr val="bg1"/>
-                </a:solidFill>
-                <a:latin typeface="Source Sans Pro Light" charset="0"/>
-                <a:ea typeface="Source Sans Pro Light" charset="0"/>
-                <a:cs typeface="Source Sans Pro Light" charset="0"/>
-              </a:rPr>
-              <a:t>Features RAM Area </a:t>
-            </a:r>
-            <a:endParaRPr lang="en-US" sz="1200" b="1" i="1" dirty="0" smtClean="0">
-              <a:solidFill>
-                <a:schemeClr val="bg1"/>
-              </a:solidFill>
-              <a:latin typeface="Source Sans Pro Light" charset="0"/>
-              <a:ea typeface="Source Sans Pro Light" charset="0"/>
-              <a:cs typeface="Source Sans Pro Light" charset="0"/>
-            </a:endParaRPr>
-          </a:p>
-        </p:txBody>
-      </p:sp>
-      <p:sp>
-        <p:nvSpPr>
-          <p:cNvPr id="39" name="Rounded Rectangle 38"/>
-          <p:cNvSpPr/>
-          <p:nvPr/>
-        </p:nvSpPr>
-        <p:spPr>
-          <a:xfrm>
-            <a:off x="6898347" y="1554106"/>
-            <a:ext cx="1260000" cy="540000"/>
-          </a:xfrm>
-          <a:prstGeom prst="roundRect">
-            <a:avLst>
-              <a:gd name="adj" fmla="val 19644"/>
-            </a:avLst>
-          </a:prstGeom>
-          <a:solidFill>
-            <a:schemeClr val="tx2">
-              <a:lumMod val="60000"/>
-              <a:lumOff val="40000"/>
-            </a:schemeClr>
-          </a:solidFill>
-          <a:ln w="12700">
-            <a:noFill/>
-          </a:ln>
-          <a:effectLst/>
-        </p:spPr>
-        <p:style>
-          <a:lnRef idx="2">
-            <a:schemeClr val="dk1"/>
-          </a:lnRef>
-          <a:fillRef idx="1">
-            <a:schemeClr val="lt1"/>
-          </a:fillRef>
-          <a:effectRef idx="0">
-            <a:schemeClr val="dk1"/>
-          </a:effectRef>
-          <a:fontRef idx="minor">
-            <a:schemeClr val="dk1"/>
-          </a:fontRef>
-        </p:style>
-        <p:txBody>
-          <a:bodyPr wrap="square" tIns="36000" bIns="36000" rtlCol="0" anchor="ctr">
-            <a:noAutofit/>
-          </a:bodyPr>
-          <a:lstStyle>
-            <a:defPPr>
-              <a:defRPr lang="en-US"/>
-            </a:defPPr>
-            <a:lvl1pPr marL="0" algn="l" defTabSz="914377" rtl="0" eaLnBrk="1" latinLnBrk="0" hangingPunct="1">
-              <a:defRPr sz="1800" kern="1200">
-                <a:solidFill>
-                  <a:schemeClr val="dk1"/>
-                </a:solidFill>
-                <a:latin typeface="+mn-lt"/>
-                <a:ea typeface="+mn-ea"/>
-                <a:cs typeface="+mn-cs"/>
-              </a:defRPr>
-            </a:lvl1pPr>
-            <a:lvl2pPr marL="457189" algn="l" defTabSz="914377" rtl="0" eaLnBrk="1" latinLnBrk="0" hangingPunct="1">
-              <a:defRPr sz="1800" kern="1200">
-                <a:solidFill>
-                  <a:schemeClr val="dk1"/>
-                </a:solidFill>
-                <a:latin typeface="+mn-lt"/>
-                <a:ea typeface="+mn-ea"/>
-                <a:cs typeface="+mn-cs"/>
-              </a:defRPr>
-            </a:lvl2pPr>
-            <a:lvl3pPr marL="914377" algn="l" defTabSz="914377" rtl="0" eaLnBrk="1" latinLnBrk="0" hangingPunct="1">
-              <a:defRPr sz="1800" kern="1200">
-                <a:solidFill>
-                  <a:schemeClr val="dk1"/>
-                </a:solidFill>
-                <a:latin typeface="+mn-lt"/>
-                <a:ea typeface="+mn-ea"/>
-                <a:cs typeface="+mn-cs"/>
-              </a:defRPr>
-            </a:lvl3pPr>
-            <a:lvl4pPr marL="1371566" algn="l" defTabSz="914377" rtl="0" eaLnBrk="1" latinLnBrk="0" hangingPunct="1">
-              <a:defRPr sz="1800" kern="1200">
-                <a:solidFill>
-                  <a:schemeClr val="dk1"/>
-                </a:solidFill>
-                <a:latin typeface="+mn-lt"/>
-                <a:ea typeface="+mn-ea"/>
-                <a:cs typeface="+mn-cs"/>
-              </a:defRPr>
-            </a:lvl4pPr>
-            <a:lvl5pPr marL="1828754" algn="l" defTabSz="914377" rtl="0" eaLnBrk="1" latinLnBrk="0" hangingPunct="1">
-              <a:defRPr sz="1800" kern="1200">
-                <a:solidFill>
-                  <a:schemeClr val="dk1"/>
-                </a:solidFill>
-                <a:latin typeface="+mn-lt"/>
-                <a:ea typeface="+mn-ea"/>
-                <a:cs typeface="+mn-cs"/>
-              </a:defRPr>
-            </a:lvl5pPr>
-            <a:lvl6pPr marL="2285943" algn="l" defTabSz="914377" rtl="0" eaLnBrk="1" latinLnBrk="0" hangingPunct="1">
-              <a:defRPr sz="1800" kern="1200">
-                <a:solidFill>
-                  <a:schemeClr val="dk1"/>
-                </a:solidFill>
-                <a:latin typeface="+mn-lt"/>
-                <a:ea typeface="+mn-ea"/>
-                <a:cs typeface="+mn-cs"/>
-              </a:defRPr>
-            </a:lvl6pPr>
-            <a:lvl7pPr marL="2743131" algn="l" defTabSz="914377" rtl="0" eaLnBrk="1" latinLnBrk="0" hangingPunct="1">
-              <a:defRPr sz="1800" kern="1200">
-                <a:solidFill>
-                  <a:schemeClr val="dk1"/>
-                </a:solidFill>
-                <a:latin typeface="+mn-lt"/>
-                <a:ea typeface="+mn-ea"/>
-                <a:cs typeface="+mn-cs"/>
-              </a:defRPr>
-            </a:lvl7pPr>
-            <a:lvl8pPr marL="3200320" algn="l" defTabSz="914377" rtl="0" eaLnBrk="1" latinLnBrk="0" hangingPunct="1">
-              <a:defRPr sz="1800" kern="1200">
-                <a:solidFill>
-                  <a:schemeClr val="dk1"/>
-                </a:solidFill>
-                <a:latin typeface="+mn-lt"/>
-                <a:ea typeface="+mn-ea"/>
-                <a:cs typeface="+mn-cs"/>
-              </a:defRPr>
-            </a:lvl8pPr>
-            <a:lvl9pPr marL="3657509" algn="l" defTabSz="914377" rtl="0" eaLnBrk="1" latinLnBrk="0" hangingPunct="1">
-              <a:defRPr sz="1800" kern="1200">
-                <a:solidFill>
-                  <a:schemeClr val="dk1"/>
-                </a:solidFill>
-                <a:latin typeface="+mn-lt"/>
-                <a:ea typeface="+mn-ea"/>
-                <a:cs typeface="+mn-cs"/>
-              </a:defRPr>
-            </a:lvl9pPr>
-          </a:lstStyle>
-          <a:p>
-            <a:pPr algn="ctr"/>
-            <a:r>
-              <a:rPr lang="en-US" sz="1200" i="1" dirty="0" smtClean="0">
-                <a:solidFill>
-                  <a:schemeClr val="bg1"/>
-                </a:solidFill>
-                <a:latin typeface="Source Sans Pro Light" charset="0"/>
-                <a:ea typeface="Source Sans Pro Light" charset="0"/>
-                <a:cs typeface="Source Sans Pro Light" charset="0"/>
-              </a:rPr>
-              <a:t>RW Data</a:t>
-            </a:r>
-            <a:endParaRPr lang="en-US" sz="1200" i="1" dirty="0">
-              <a:solidFill>
-                <a:schemeClr val="bg1"/>
-              </a:solidFill>
-              <a:latin typeface="Source Sans Pro Light" charset="0"/>
-              <a:ea typeface="Source Sans Pro Light" charset="0"/>
-              <a:cs typeface="Source Sans Pro Light" charset="0"/>
-            </a:endParaRPr>
-          </a:p>
-        </p:txBody>
-      </p:sp>
-      <p:sp>
-        <p:nvSpPr>
-          <p:cNvPr id="40" name="TextBox 25">
+      <p:pic>
+        <p:nvPicPr>
+          <p:cNvPr id="91" name="Picture 90">
             <a:extLst>
               <a:ext uri="{FF2B5EF4-FFF2-40B4-BE49-F238E27FC236}">
-                <a16:creationId xmlns="" xmlns:a16="http://schemas.microsoft.com/office/drawing/2014/main" xmlns:lc="http://schemas.openxmlformats.org/drawingml/2006/lockedCanvas" id="{02FBA541-B7B7-48BA-8F04-E0D53532B862}"/>
-              </a:ext>
-            </a:extLst>
-          </p:cNvPr>
-          <p:cNvSpPr txBox="1"/>
-          <p:nvPr/>
-        </p:nvSpPr>
-        <p:spPr>
-          <a:xfrm>
-            <a:off x="8398647" y="5522840"/>
-            <a:ext cx="675503" cy="369332"/>
-          </a:xfrm>
-          <a:prstGeom prst="rect">
-            <a:avLst/>
-          </a:prstGeom>
-          <a:solidFill>
-            <a:schemeClr val="bg1"/>
-          </a:solidFill>
-        </p:spPr>
-        <p:txBody>
-          <a:bodyPr wrap="square" lIns="108000" rIns="108000" rtlCol="0">
-            <a:spAutoFit/>
-          </a:bodyPr>
-          <a:lstStyle>
-            <a:defPPr>
-              <a:defRPr lang="en-US"/>
-            </a:defPPr>
-            <a:lvl1pPr marL="0" algn="l" defTabSz="914377" rtl="0" eaLnBrk="1" latinLnBrk="0" hangingPunct="1">
-              <a:defRPr sz="1800" kern="1200">
-                <a:solidFill>
-                  <a:schemeClr val="tx1"/>
-                </a:solidFill>
-                <a:latin typeface="+mn-lt"/>
-                <a:ea typeface="+mn-ea"/>
-                <a:cs typeface="+mn-cs"/>
-              </a:defRPr>
-            </a:lvl1pPr>
-            <a:lvl2pPr marL="457189" algn="l" defTabSz="914377" rtl="0" eaLnBrk="1" latinLnBrk="0" hangingPunct="1">
-              <a:defRPr sz="1800" kern="1200">
-                <a:solidFill>
-                  <a:schemeClr val="tx1"/>
-                </a:solidFill>
-                <a:latin typeface="+mn-lt"/>
-                <a:ea typeface="+mn-ea"/>
-                <a:cs typeface="+mn-cs"/>
-              </a:defRPr>
-            </a:lvl2pPr>
-            <a:lvl3pPr marL="914377" algn="l" defTabSz="914377" rtl="0" eaLnBrk="1" latinLnBrk="0" hangingPunct="1">
-              <a:defRPr sz="1800" kern="1200">
-                <a:solidFill>
-                  <a:schemeClr val="tx1"/>
-                </a:solidFill>
-                <a:latin typeface="+mn-lt"/>
-                <a:ea typeface="+mn-ea"/>
-                <a:cs typeface="+mn-cs"/>
-              </a:defRPr>
-            </a:lvl3pPr>
-            <a:lvl4pPr marL="1371566" algn="l" defTabSz="914377" rtl="0" eaLnBrk="1" latinLnBrk="0" hangingPunct="1">
-              <a:defRPr sz="1800" kern="1200">
-                <a:solidFill>
-                  <a:schemeClr val="tx1"/>
-                </a:solidFill>
-                <a:latin typeface="+mn-lt"/>
-                <a:ea typeface="+mn-ea"/>
-                <a:cs typeface="+mn-cs"/>
-              </a:defRPr>
-            </a:lvl4pPr>
-            <a:lvl5pPr marL="1828754" algn="l" defTabSz="914377" rtl="0" eaLnBrk="1" latinLnBrk="0" hangingPunct="1">
-              <a:defRPr sz="1800" kern="1200">
-                <a:solidFill>
-                  <a:schemeClr val="tx1"/>
-                </a:solidFill>
-                <a:latin typeface="+mn-lt"/>
-                <a:ea typeface="+mn-ea"/>
-                <a:cs typeface="+mn-cs"/>
-              </a:defRPr>
-            </a:lvl5pPr>
-            <a:lvl6pPr marL="2285943" algn="l" defTabSz="914377" rtl="0" eaLnBrk="1" latinLnBrk="0" hangingPunct="1">
-              <a:defRPr sz="1800" kern="1200">
-                <a:solidFill>
-                  <a:schemeClr val="tx1"/>
-                </a:solidFill>
-                <a:latin typeface="+mn-lt"/>
-                <a:ea typeface="+mn-ea"/>
-                <a:cs typeface="+mn-cs"/>
-              </a:defRPr>
-            </a:lvl6pPr>
-            <a:lvl7pPr marL="2743131" algn="l" defTabSz="914377" rtl="0" eaLnBrk="1" latinLnBrk="0" hangingPunct="1">
-              <a:defRPr sz="1800" kern="1200">
-                <a:solidFill>
-                  <a:schemeClr val="tx1"/>
-                </a:solidFill>
-                <a:latin typeface="+mn-lt"/>
-                <a:ea typeface="+mn-ea"/>
-                <a:cs typeface="+mn-cs"/>
-              </a:defRPr>
-            </a:lvl7pPr>
-            <a:lvl8pPr marL="3200320" algn="l" defTabSz="914377" rtl="0" eaLnBrk="1" latinLnBrk="0" hangingPunct="1">
-              <a:defRPr sz="1800" kern="1200">
-                <a:solidFill>
-                  <a:schemeClr val="tx1"/>
-                </a:solidFill>
-                <a:latin typeface="+mn-lt"/>
-                <a:ea typeface="+mn-ea"/>
-                <a:cs typeface="+mn-cs"/>
-              </a:defRPr>
-            </a:lvl8pPr>
-            <a:lvl9pPr marL="3657509" algn="l" defTabSz="914377" rtl="0" eaLnBrk="1" latinLnBrk="0" hangingPunct="1">
-              <a:defRPr sz="1800" kern="1200">
-                <a:solidFill>
-                  <a:schemeClr val="tx1"/>
-                </a:solidFill>
-                <a:latin typeface="+mn-lt"/>
-                <a:ea typeface="+mn-ea"/>
-                <a:cs typeface="+mn-cs"/>
-              </a:defRPr>
-            </a:lvl9pPr>
-          </a:lstStyle>
-          <a:p>
-            <a:pPr algn="ctr"/>
-            <a:r>
-              <a:rPr lang="en-US" dirty="0" smtClean="0">
-                <a:latin typeface="Source Sans Pro Light" charset="0"/>
-                <a:ea typeface="Source Sans Pro Light" charset="0"/>
-                <a:cs typeface="Source Sans Pro Light" charset="0"/>
-              </a:rPr>
-              <a:t>ROM</a:t>
-            </a:r>
-            <a:endParaRPr lang="en-US" dirty="0">
-              <a:latin typeface="Source Sans Pro Light" charset="0"/>
-              <a:ea typeface="Source Sans Pro Light" charset="0"/>
-              <a:cs typeface="Source Sans Pro Light" charset="0"/>
-            </a:endParaRPr>
-          </a:p>
-        </p:txBody>
-      </p:sp>
-      <p:sp>
-        <p:nvSpPr>
-          <p:cNvPr id="41" name="Rounded Rectangle 40"/>
-          <p:cNvSpPr/>
-          <p:nvPr/>
-        </p:nvSpPr>
-        <p:spPr>
-          <a:xfrm>
-            <a:off x="6632203" y="4634972"/>
-            <a:ext cx="1826336" cy="1956327"/>
-          </a:xfrm>
-          <a:prstGeom prst="roundRect">
-            <a:avLst>
-              <a:gd name="adj" fmla="val 9036"/>
-            </a:avLst>
-          </a:prstGeom>
-          <a:solidFill>
-            <a:schemeClr val="bg1"/>
-          </a:solidFill>
-          <a:ln w="12700">
-            <a:solidFill>
-              <a:schemeClr val="bg2"/>
-            </a:solidFill>
-          </a:ln>
-        </p:spPr>
-        <p:style>
-          <a:lnRef idx="2">
-            <a:schemeClr val="accent1">
-              <a:shade val="50000"/>
-            </a:schemeClr>
-          </a:lnRef>
-          <a:fillRef idx="1">
-            <a:schemeClr val="accent1"/>
-          </a:fillRef>
-          <a:effectRef idx="0">
-            <a:schemeClr val="accent1"/>
-          </a:effectRef>
-          <a:fontRef idx="minor">
-            <a:schemeClr val="lt1"/>
-          </a:fontRef>
-        </p:style>
-        <p:txBody>
-          <a:bodyPr rtlCol="0" anchor="ctr"/>
-          <a:lstStyle>
-            <a:defPPr>
-              <a:defRPr lang="en-US"/>
-            </a:defPPr>
-            <a:lvl1pPr marL="0" algn="l" defTabSz="914377" rtl="0" eaLnBrk="1" latinLnBrk="0" hangingPunct="1">
-              <a:defRPr sz="1800" kern="1200">
-                <a:solidFill>
-                  <a:schemeClr val="lt1"/>
-                </a:solidFill>
-                <a:latin typeface="+mn-lt"/>
-                <a:ea typeface="+mn-ea"/>
-                <a:cs typeface="+mn-cs"/>
-              </a:defRPr>
-            </a:lvl1pPr>
-            <a:lvl2pPr marL="457189" algn="l" defTabSz="914377" rtl="0" eaLnBrk="1" latinLnBrk="0" hangingPunct="1">
-              <a:defRPr sz="1800" kern="1200">
-                <a:solidFill>
-                  <a:schemeClr val="lt1"/>
-                </a:solidFill>
-                <a:latin typeface="+mn-lt"/>
-                <a:ea typeface="+mn-ea"/>
-                <a:cs typeface="+mn-cs"/>
-              </a:defRPr>
-            </a:lvl2pPr>
-            <a:lvl3pPr marL="914377" algn="l" defTabSz="914377" rtl="0" eaLnBrk="1" latinLnBrk="0" hangingPunct="1">
-              <a:defRPr sz="1800" kern="1200">
-                <a:solidFill>
-                  <a:schemeClr val="lt1"/>
-                </a:solidFill>
-                <a:latin typeface="+mn-lt"/>
-                <a:ea typeface="+mn-ea"/>
-                <a:cs typeface="+mn-cs"/>
-              </a:defRPr>
-            </a:lvl3pPr>
-            <a:lvl4pPr marL="1371566" algn="l" defTabSz="914377" rtl="0" eaLnBrk="1" latinLnBrk="0" hangingPunct="1">
-              <a:defRPr sz="1800" kern="1200">
-                <a:solidFill>
-                  <a:schemeClr val="lt1"/>
-                </a:solidFill>
-                <a:latin typeface="+mn-lt"/>
-                <a:ea typeface="+mn-ea"/>
-                <a:cs typeface="+mn-cs"/>
-              </a:defRPr>
-            </a:lvl4pPr>
-            <a:lvl5pPr marL="1828754" algn="l" defTabSz="914377" rtl="0" eaLnBrk="1" latinLnBrk="0" hangingPunct="1">
-              <a:defRPr sz="1800" kern="1200">
-                <a:solidFill>
-                  <a:schemeClr val="lt1"/>
-                </a:solidFill>
-                <a:latin typeface="+mn-lt"/>
-                <a:ea typeface="+mn-ea"/>
-                <a:cs typeface="+mn-cs"/>
-              </a:defRPr>
-            </a:lvl5pPr>
-            <a:lvl6pPr marL="2285943" algn="l" defTabSz="914377" rtl="0" eaLnBrk="1" latinLnBrk="0" hangingPunct="1">
-              <a:defRPr sz="1800" kern="1200">
-                <a:solidFill>
-                  <a:schemeClr val="lt1"/>
-                </a:solidFill>
-                <a:latin typeface="+mn-lt"/>
-                <a:ea typeface="+mn-ea"/>
-                <a:cs typeface="+mn-cs"/>
-              </a:defRPr>
-            </a:lvl6pPr>
-            <a:lvl7pPr marL="2743131" algn="l" defTabSz="914377" rtl="0" eaLnBrk="1" latinLnBrk="0" hangingPunct="1">
-              <a:defRPr sz="1800" kern="1200">
-                <a:solidFill>
-                  <a:schemeClr val="lt1"/>
-                </a:solidFill>
-                <a:latin typeface="+mn-lt"/>
-                <a:ea typeface="+mn-ea"/>
-                <a:cs typeface="+mn-cs"/>
-              </a:defRPr>
-            </a:lvl7pPr>
-            <a:lvl8pPr marL="3200320" algn="l" defTabSz="914377" rtl="0" eaLnBrk="1" latinLnBrk="0" hangingPunct="1">
-              <a:defRPr sz="1800" kern="1200">
-                <a:solidFill>
-                  <a:schemeClr val="lt1"/>
-                </a:solidFill>
-                <a:latin typeface="+mn-lt"/>
-                <a:ea typeface="+mn-ea"/>
-                <a:cs typeface="+mn-cs"/>
-              </a:defRPr>
-            </a:lvl8pPr>
-            <a:lvl9pPr marL="3657509" algn="l" defTabSz="914377" rtl="0" eaLnBrk="1" latinLnBrk="0" hangingPunct="1">
-              <a:defRPr sz="1800" kern="1200">
-                <a:solidFill>
-                  <a:schemeClr val="lt1"/>
-                </a:solidFill>
-                <a:latin typeface="+mn-lt"/>
-                <a:ea typeface="+mn-ea"/>
-                <a:cs typeface="+mn-cs"/>
-              </a:defRPr>
-            </a:lvl9pPr>
-          </a:lstStyle>
-          <a:p>
-            <a:pPr algn="ctr"/>
-            <a:endParaRPr lang="en-US" dirty="0">
-              <a:latin typeface="Source Sans Pro" panose="020B0503030403020204" pitchFamily="34" charset="0"/>
-              <a:ea typeface="Source Sans Pro" panose="020B0503030403020204" pitchFamily="34" charset="0"/>
-            </a:endParaRPr>
-          </a:p>
-        </p:txBody>
-      </p:sp>
-      <p:sp>
-        <p:nvSpPr>
-          <p:cNvPr id="42" name="Rounded Rectangle 41"/>
-          <p:cNvSpPr/>
-          <p:nvPr/>
-        </p:nvSpPr>
-        <p:spPr>
-          <a:xfrm>
-            <a:off x="6748057" y="4768715"/>
-            <a:ext cx="1567847" cy="1679710"/>
-          </a:xfrm>
-          <a:prstGeom prst="roundRect">
-            <a:avLst>
-              <a:gd name="adj" fmla="val 5064"/>
-            </a:avLst>
-          </a:prstGeom>
-          <a:solidFill>
-            <a:schemeClr val="accent2"/>
-          </a:solidFill>
-          <a:ln w="12700">
-            <a:noFill/>
-          </a:ln>
-          <a:effectLst/>
-        </p:spPr>
-        <p:style>
-          <a:lnRef idx="2">
-            <a:schemeClr val="dk1"/>
-          </a:lnRef>
-          <a:fillRef idx="1">
-            <a:schemeClr val="lt1"/>
-          </a:fillRef>
-          <a:effectRef idx="0">
-            <a:schemeClr val="dk1"/>
-          </a:effectRef>
-          <a:fontRef idx="minor">
-            <a:schemeClr val="dk1"/>
-          </a:fontRef>
-        </p:style>
-        <p:txBody>
-          <a:bodyPr wrap="square" tIns="36000" bIns="36000" rtlCol="0" anchor="t" anchorCtr="0">
-            <a:noAutofit/>
-          </a:bodyPr>
-          <a:lstStyle/>
-          <a:p>
-            <a:pPr algn="ctr"/>
-            <a:r>
-              <a:rPr lang="en-US" sz="1200" b="1" i="1" dirty="0" smtClean="0">
-                <a:solidFill>
-                  <a:schemeClr val="bg1"/>
-                </a:solidFill>
-                <a:latin typeface="Source Sans Pro Light" charset="0"/>
-                <a:ea typeface="Source Sans Pro Light" charset="0"/>
-                <a:cs typeface="Source Sans Pro Light" charset="0"/>
-              </a:rPr>
-              <a:t>Features ROM Area</a:t>
-            </a:r>
-            <a:endParaRPr lang="en-US" sz="1200" i="1" dirty="0">
-              <a:solidFill>
-                <a:schemeClr val="bg1"/>
-              </a:solidFill>
-              <a:latin typeface="Source Sans Pro Light" charset="0"/>
-              <a:ea typeface="Source Sans Pro Light" charset="0"/>
-              <a:cs typeface="Source Sans Pro Light" charset="0"/>
-            </a:endParaRPr>
-          </a:p>
-        </p:txBody>
-      </p:sp>
-      <p:sp>
-        <p:nvSpPr>
-          <p:cNvPr id="48" name="Rounded Rectangle 47"/>
-          <p:cNvSpPr/>
-          <p:nvPr/>
-        </p:nvSpPr>
-        <p:spPr>
-          <a:xfrm>
-            <a:off x="6915371" y="5761696"/>
-            <a:ext cx="1260000" cy="540000"/>
-          </a:xfrm>
-          <a:prstGeom prst="roundRect">
-            <a:avLst>
-              <a:gd name="adj" fmla="val 19644"/>
-            </a:avLst>
-          </a:prstGeom>
-          <a:solidFill>
-            <a:schemeClr val="bg2">
-              <a:lumMod val="50000"/>
-            </a:schemeClr>
-          </a:solidFill>
-          <a:ln w="12700">
-            <a:noFill/>
-          </a:ln>
-          <a:effectLst/>
-        </p:spPr>
-        <p:style>
-          <a:lnRef idx="2">
-            <a:schemeClr val="dk1"/>
-          </a:lnRef>
-          <a:fillRef idx="1">
-            <a:schemeClr val="lt1"/>
-          </a:fillRef>
-          <a:effectRef idx="0">
-            <a:schemeClr val="dk1"/>
-          </a:effectRef>
-          <a:fontRef idx="minor">
-            <a:schemeClr val="dk1"/>
-          </a:fontRef>
-        </p:style>
-        <p:txBody>
-          <a:bodyPr wrap="square" tIns="36000" bIns="36000" rtlCol="0" anchor="ctr">
-            <a:noAutofit/>
-          </a:bodyPr>
-          <a:lstStyle>
-            <a:defPPr>
-              <a:defRPr lang="en-US"/>
-            </a:defPPr>
-            <a:lvl1pPr marL="0" algn="l" defTabSz="914377" rtl="0" eaLnBrk="1" latinLnBrk="0" hangingPunct="1">
-              <a:defRPr sz="1800" kern="1200">
-                <a:solidFill>
-                  <a:schemeClr val="dk1"/>
-                </a:solidFill>
-                <a:latin typeface="+mn-lt"/>
-                <a:ea typeface="+mn-ea"/>
-                <a:cs typeface="+mn-cs"/>
-              </a:defRPr>
-            </a:lvl1pPr>
-            <a:lvl2pPr marL="457189" algn="l" defTabSz="914377" rtl="0" eaLnBrk="1" latinLnBrk="0" hangingPunct="1">
-              <a:defRPr sz="1800" kern="1200">
-                <a:solidFill>
-                  <a:schemeClr val="dk1"/>
-                </a:solidFill>
-                <a:latin typeface="+mn-lt"/>
-                <a:ea typeface="+mn-ea"/>
-                <a:cs typeface="+mn-cs"/>
-              </a:defRPr>
-            </a:lvl2pPr>
-            <a:lvl3pPr marL="914377" algn="l" defTabSz="914377" rtl="0" eaLnBrk="1" latinLnBrk="0" hangingPunct="1">
-              <a:defRPr sz="1800" kern="1200">
-                <a:solidFill>
-                  <a:schemeClr val="dk1"/>
-                </a:solidFill>
-                <a:latin typeface="+mn-lt"/>
-                <a:ea typeface="+mn-ea"/>
-                <a:cs typeface="+mn-cs"/>
-              </a:defRPr>
-            </a:lvl3pPr>
-            <a:lvl4pPr marL="1371566" algn="l" defTabSz="914377" rtl="0" eaLnBrk="1" latinLnBrk="0" hangingPunct="1">
-              <a:defRPr sz="1800" kern="1200">
-                <a:solidFill>
-                  <a:schemeClr val="dk1"/>
-                </a:solidFill>
-                <a:latin typeface="+mn-lt"/>
-                <a:ea typeface="+mn-ea"/>
-                <a:cs typeface="+mn-cs"/>
-              </a:defRPr>
-            </a:lvl4pPr>
-            <a:lvl5pPr marL="1828754" algn="l" defTabSz="914377" rtl="0" eaLnBrk="1" latinLnBrk="0" hangingPunct="1">
-              <a:defRPr sz="1800" kern="1200">
-                <a:solidFill>
-                  <a:schemeClr val="dk1"/>
-                </a:solidFill>
-                <a:latin typeface="+mn-lt"/>
-                <a:ea typeface="+mn-ea"/>
-                <a:cs typeface="+mn-cs"/>
-              </a:defRPr>
-            </a:lvl5pPr>
-            <a:lvl6pPr marL="2285943" algn="l" defTabSz="914377" rtl="0" eaLnBrk="1" latinLnBrk="0" hangingPunct="1">
-              <a:defRPr sz="1800" kern="1200">
-                <a:solidFill>
-                  <a:schemeClr val="dk1"/>
-                </a:solidFill>
-                <a:latin typeface="+mn-lt"/>
-                <a:ea typeface="+mn-ea"/>
-                <a:cs typeface="+mn-cs"/>
-              </a:defRPr>
-            </a:lvl6pPr>
-            <a:lvl7pPr marL="2743131" algn="l" defTabSz="914377" rtl="0" eaLnBrk="1" latinLnBrk="0" hangingPunct="1">
-              <a:defRPr sz="1800" kern="1200">
-                <a:solidFill>
-                  <a:schemeClr val="dk1"/>
-                </a:solidFill>
-                <a:latin typeface="+mn-lt"/>
-                <a:ea typeface="+mn-ea"/>
-                <a:cs typeface="+mn-cs"/>
-              </a:defRPr>
-            </a:lvl7pPr>
-            <a:lvl8pPr marL="3200320" algn="l" defTabSz="914377" rtl="0" eaLnBrk="1" latinLnBrk="0" hangingPunct="1">
-              <a:defRPr sz="1800" kern="1200">
-                <a:solidFill>
-                  <a:schemeClr val="dk1"/>
-                </a:solidFill>
-                <a:latin typeface="+mn-lt"/>
-                <a:ea typeface="+mn-ea"/>
-                <a:cs typeface="+mn-cs"/>
-              </a:defRPr>
-            </a:lvl8pPr>
-            <a:lvl9pPr marL="3657509" algn="l" defTabSz="914377" rtl="0" eaLnBrk="1" latinLnBrk="0" hangingPunct="1">
-              <a:defRPr sz="1800" kern="1200">
-                <a:solidFill>
-                  <a:schemeClr val="dk1"/>
-                </a:solidFill>
-                <a:latin typeface="+mn-lt"/>
-                <a:ea typeface="+mn-ea"/>
-                <a:cs typeface="+mn-cs"/>
-              </a:defRPr>
-            </a:lvl9pPr>
-          </a:lstStyle>
-          <a:p>
-            <a:pPr algn="ctr"/>
-            <a:r>
-              <a:rPr lang="en-US" sz="1200" i="1" dirty="0" smtClean="0">
-                <a:solidFill>
-                  <a:schemeClr val="bg1"/>
-                </a:solidFill>
-                <a:latin typeface="Source Sans Pro Light" charset="0"/>
-                <a:ea typeface="Source Sans Pro Light" charset="0"/>
-                <a:cs typeface="Source Sans Pro Light" charset="0"/>
-              </a:rPr>
-              <a:t>RO Data</a:t>
-            </a:r>
-            <a:endParaRPr lang="en-US" sz="1200" i="1" dirty="0">
-              <a:solidFill>
-                <a:schemeClr val="bg1"/>
-              </a:solidFill>
-              <a:latin typeface="Source Sans Pro Light" charset="0"/>
-              <a:ea typeface="Source Sans Pro Light" charset="0"/>
-              <a:cs typeface="Source Sans Pro Light" charset="0"/>
-            </a:endParaRPr>
-          </a:p>
-        </p:txBody>
-      </p:sp>
-      <p:sp>
-        <p:nvSpPr>
-          <p:cNvPr id="49" name="Rounded Rectangle 48"/>
-          <p:cNvSpPr/>
-          <p:nvPr/>
-        </p:nvSpPr>
-        <p:spPr>
-          <a:xfrm>
-            <a:off x="6916698" y="5093768"/>
-            <a:ext cx="1260000" cy="540000"/>
-          </a:xfrm>
-          <a:prstGeom prst="roundRect">
-            <a:avLst>
-              <a:gd name="adj" fmla="val 19644"/>
-            </a:avLst>
-          </a:prstGeom>
-          <a:solidFill>
-            <a:schemeClr val="bg2">
-              <a:lumMod val="25000"/>
-            </a:schemeClr>
-          </a:solidFill>
-          <a:ln w="12700">
-            <a:noFill/>
-          </a:ln>
-          <a:effectLst/>
-        </p:spPr>
-        <p:style>
-          <a:lnRef idx="2">
-            <a:schemeClr val="dk1"/>
-          </a:lnRef>
-          <a:fillRef idx="1">
-            <a:schemeClr val="lt1"/>
-          </a:fillRef>
-          <a:effectRef idx="0">
-            <a:schemeClr val="dk1"/>
-          </a:effectRef>
-          <a:fontRef idx="minor">
-            <a:schemeClr val="dk1"/>
-          </a:fontRef>
-        </p:style>
-        <p:txBody>
-          <a:bodyPr wrap="square" tIns="36000" bIns="36000" rtlCol="0" anchor="ctr">
-            <a:noAutofit/>
-          </a:bodyPr>
-          <a:lstStyle>
-            <a:defPPr>
-              <a:defRPr lang="en-US"/>
-            </a:defPPr>
-            <a:lvl1pPr marL="0" algn="l" defTabSz="914377" rtl="0" eaLnBrk="1" latinLnBrk="0" hangingPunct="1">
-              <a:defRPr sz="1800" kern="1200">
-                <a:solidFill>
-                  <a:schemeClr val="dk1"/>
-                </a:solidFill>
-                <a:latin typeface="+mn-lt"/>
-                <a:ea typeface="+mn-ea"/>
-                <a:cs typeface="+mn-cs"/>
-              </a:defRPr>
-            </a:lvl1pPr>
-            <a:lvl2pPr marL="457189" algn="l" defTabSz="914377" rtl="0" eaLnBrk="1" latinLnBrk="0" hangingPunct="1">
-              <a:defRPr sz="1800" kern="1200">
-                <a:solidFill>
-                  <a:schemeClr val="dk1"/>
-                </a:solidFill>
-                <a:latin typeface="+mn-lt"/>
-                <a:ea typeface="+mn-ea"/>
-                <a:cs typeface="+mn-cs"/>
-              </a:defRPr>
-            </a:lvl2pPr>
-            <a:lvl3pPr marL="914377" algn="l" defTabSz="914377" rtl="0" eaLnBrk="1" latinLnBrk="0" hangingPunct="1">
-              <a:defRPr sz="1800" kern="1200">
-                <a:solidFill>
-                  <a:schemeClr val="dk1"/>
-                </a:solidFill>
-                <a:latin typeface="+mn-lt"/>
-                <a:ea typeface="+mn-ea"/>
-                <a:cs typeface="+mn-cs"/>
-              </a:defRPr>
-            </a:lvl3pPr>
-            <a:lvl4pPr marL="1371566" algn="l" defTabSz="914377" rtl="0" eaLnBrk="1" latinLnBrk="0" hangingPunct="1">
-              <a:defRPr sz="1800" kern="1200">
-                <a:solidFill>
-                  <a:schemeClr val="dk1"/>
-                </a:solidFill>
-                <a:latin typeface="+mn-lt"/>
-                <a:ea typeface="+mn-ea"/>
-                <a:cs typeface="+mn-cs"/>
-              </a:defRPr>
-            </a:lvl4pPr>
-            <a:lvl5pPr marL="1828754" algn="l" defTabSz="914377" rtl="0" eaLnBrk="1" latinLnBrk="0" hangingPunct="1">
-              <a:defRPr sz="1800" kern="1200">
-                <a:solidFill>
-                  <a:schemeClr val="dk1"/>
-                </a:solidFill>
-                <a:latin typeface="+mn-lt"/>
-                <a:ea typeface="+mn-ea"/>
-                <a:cs typeface="+mn-cs"/>
-              </a:defRPr>
-            </a:lvl5pPr>
-            <a:lvl6pPr marL="2285943" algn="l" defTabSz="914377" rtl="0" eaLnBrk="1" latinLnBrk="0" hangingPunct="1">
-              <a:defRPr sz="1800" kern="1200">
-                <a:solidFill>
-                  <a:schemeClr val="dk1"/>
-                </a:solidFill>
-                <a:latin typeface="+mn-lt"/>
-                <a:ea typeface="+mn-ea"/>
-                <a:cs typeface="+mn-cs"/>
-              </a:defRPr>
-            </a:lvl6pPr>
-            <a:lvl7pPr marL="2743131" algn="l" defTabSz="914377" rtl="0" eaLnBrk="1" latinLnBrk="0" hangingPunct="1">
-              <a:defRPr sz="1800" kern="1200">
-                <a:solidFill>
-                  <a:schemeClr val="dk1"/>
-                </a:solidFill>
-                <a:latin typeface="+mn-lt"/>
-                <a:ea typeface="+mn-ea"/>
-                <a:cs typeface="+mn-cs"/>
-              </a:defRPr>
-            </a:lvl7pPr>
-            <a:lvl8pPr marL="3200320" algn="l" defTabSz="914377" rtl="0" eaLnBrk="1" latinLnBrk="0" hangingPunct="1">
-              <a:defRPr sz="1800" kern="1200">
-                <a:solidFill>
-                  <a:schemeClr val="dk1"/>
-                </a:solidFill>
-                <a:latin typeface="+mn-lt"/>
-                <a:ea typeface="+mn-ea"/>
-                <a:cs typeface="+mn-cs"/>
-              </a:defRPr>
-            </a:lvl8pPr>
-            <a:lvl9pPr marL="3657509" algn="l" defTabSz="914377" rtl="0" eaLnBrk="1" latinLnBrk="0" hangingPunct="1">
-              <a:defRPr sz="1800" kern="1200">
-                <a:solidFill>
-                  <a:schemeClr val="dk1"/>
-                </a:solidFill>
-                <a:latin typeface="+mn-lt"/>
-                <a:ea typeface="+mn-ea"/>
-                <a:cs typeface="+mn-cs"/>
-              </a:defRPr>
-            </a:lvl9pPr>
-          </a:lstStyle>
-          <a:p>
-            <a:pPr algn="ctr"/>
-            <a:r>
-              <a:rPr lang="en-US" sz="1200" i="1" dirty="0" smtClean="0">
-                <a:solidFill>
-                  <a:schemeClr val="bg1"/>
-                </a:solidFill>
-                <a:latin typeface="Source Sans Pro Light" charset="0"/>
-                <a:ea typeface="Source Sans Pro Light" charset="0"/>
-                <a:cs typeface="Source Sans Pro Light" charset="0"/>
-              </a:rPr>
-              <a:t>Linked Code</a:t>
-            </a:r>
-            <a:endParaRPr lang="en-US" sz="1200" i="1" dirty="0">
-              <a:solidFill>
-                <a:schemeClr val="bg1"/>
-              </a:solidFill>
-              <a:latin typeface="Source Sans Pro Light" charset="0"/>
-              <a:ea typeface="Source Sans Pro Light" charset="0"/>
-              <a:cs typeface="Source Sans Pro Light" charset="0"/>
-            </a:endParaRPr>
-          </a:p>
-        </p:txBody>
-      </p:sp>
-      <p:sp>
-        <p:nvSpPr>
-          <p:cNvPr id="50" name="Arc 49"/>
-          <p:cNvSpPr/>
-          <p:nvPr/>
-        </p:nvSpPr>
-        <p:spPr>
-          <a:xfrm flipV="1">
-            <a:off x="7972425" y="2903907"/>
-            <a:ext cx="1054809" cy="2491003"/>
-          </a:xfrm>
-          <a:prstGeom prst="arc">
-            <a:avLst>
-              <a:gd name="adj1" fmla="val 16070642"/>
-              <a:gd name="adj2" fmla="val 5586237"/>
-            </a:avLst>
-          </a:prstGeom>
-          <a:ln w="28575">
-            <a:solidFill>
-              <a:schemeClr val="tx2">
-                <a:lumMod val="60000"/>
-                <a:lumOff val="40000"/>
-              </a:schemeClr>
-            </a:solidFill>
-            <a:headEnd type="triangle"/>
-          </a:ln>
-        </p:spPr>
-        <p:style>
-          <a:lnRef idx="1">
-            <a:schemeClr val="accent1"/>
-          </a:lnRef>
-          <a:fillRef idx="0">
-            <a:schemeClr val="accent1"/>
-          </a:fillRef>
-          <a:effectRef idx="0">
-            <a:schemeClr val="accent1"/>
-          </a:effectRef>
-          <a:fontRef idx="minor">
-            <a:schemeClr val="tx1"/>
-          </a:fontRef>
-        </p:style>
-        <p:txBody>
-          <a:bodyPr rtlCol="0" anchor="ctr"/>
-          <a:lstStyle/>
-          <a:p>
-            <a:pPr algn="ctr"/>
-            <a:endParaRPr lang="en-US"/>
-          </a:p>
-        </p:txBody>
-      </p:sp>
-      <p:sp>
-        <p:nvSpPr>
-          <p:cNvPr id="53" name="Oval 52">
-            <a:extLst>
-              <a:ext uri="{FF2B5EF4-FFF2-40B4-BE49-F238E27FC236}">
-                <a16:creationId xmlns:a16="http://schemas.microsoft.com/office/drawing/2014/main" xmlns="" id="{8F099C04-5029-5348-BB2C-AE4DBD46822A}"/>
-              </a:ext>
-            </a:extLst>
-          </p:cNvPr>
-          <p:cNvSpPr/>
-          <p:nvPr/>
-        </p:nvSpPr>
-        <p:spPr>
-          <a:xfrm>
-            <a:off x="8658511" y="3998092"/>
-            <a:ext cx="288032" cy="288032"/>
-          </a:xfrm>
-          <a:prstGeom prst="ellipse">
-            <a:avLst/>
-          </a:prstGeom>
-          <a:ln>
-            <a:noFill/>
-          </a:ln>
-        </p:spPr>
-        <p:style>
-          <a:lnRef idx="2">
-            <a:schemeClr val="accent1">
-              <a:shade val="50000"/>
-            </a:schemeClr>
-          </a:lnRef>
-          <a:fillRef idx="1">
-            <a:schemeClr val="accent1"/>
-          </a:fillRef>
-          <a:effectRef idx="0">
-            <a:schemeClr val="accent1"/>
-          </a:effectRef>
-          <a:fontRef idx="minor">
-            <a:schemeClr val="lt1"/>
-          </a:fontRef>
-        </p:style>
-        <p:txBody>
-          <a:bodyPr rtlCol="0" anchor="ctr"/>
-          <a:lstStyle/>
-          <a:p>
-            <a:pPr algn="ctr"/>
-            <a:r>
-              <a:rPr lang="en-US" b="1" dirty="0">
-                <a:solidFill>
-                  <a:schemeClr val="bg1"/>
-                </a:solidFill>
-                <a:latin typeface="Source Sans Pro" panose="020B0503030403020204" pitchFamily="34" charset="0"/>
-                <a:ea typeface="Source Sans Pro" panose="020B0503030403020204" pitchFamily="34" charset="0"/>
-                <a:cs typeface="Source Sans Pro Light" charset="0"/>
-              </a:rPr>
-              <a:t>3</a:t>
-            </a:r>
-          </a:p>
-        </p:txBody>
-      </p:sp>
-      <p:sp>
-        <p:nvSpPr>
-          <p:cNvPr id="54" name="TextBox 53"/>
-          <p:cNvSpPr txBox="1"/>
-          <p:nvPr/>
-        </p:nvSpPr>
-        <p:spPr>
-          <a:xfrm>
-            <a:off x="9122624" y="3928223"/>
-            <a:ext cx="1307251" cy="430887"/>
-          </a:xfrm>
-          <a:prstGeom prst="rect">
-            <a:avLst/>
-          </a:prstGeom>
-          <a:noFill/>
-        </p:spPr>
-        <p:txBody>
-          <a:bodyPr vert="horz" wrap="square" lIns="0" tIns="0" rIns="0" bIns="0" numCol="1" spcCol="288000" rtlCol="0" anchor="t" anchorCtr="0">
-            <a:spAutoFit/>
-          </a:bodyPr>
-          <a:lstStyle/>
-          <a:p>
-            <a:pPr>
-              <a:spcBef>
-                <a:spcPts val="0"/>
-              </a:spcBef>
-            </a:pPr>
-            <a:r>
-              <a:rPr lang="en-US" sz="1400" dirty="0">
-                <a:solidFill>
-                  <a:schemeClr val="tx2"/>
-                </a:solidFill>
-                <a:latin typeface="Source Sans Pro Light" charset="0"/>
-                <a:ea typeface="Source Sans Pro Light" charset="0"/>
-                <a:cs typeface="Source Sans Pro Light" charset="0"/>
-              </a:rPr>
-              <a:t>Transfer </a:t>
-            </a:r>
-            <a:r>
-              <a:rPr lang="en-US" sz="1400" dirty="0">
-                <a:solidFill>
-                  <a:schemeClr val="tx2"/>
-                </a:solidFill>
-                <a:latin typeface="Source Sans Pro Light" charset="0"/>
-                <a:ea typeface="Source Sans Pro Light" charset="0"/>
-                <a:cs typeface="Source Sans Pro Light" charset="0"/>
-              </a:rPr>
-              <a:t>C</a:t>
-            </a:r>
-            <a:r>
-              <a:rPr lang="en-US" sz="1400" dirty="0" smtClean="0">
-                <a:solidFill>
-                  <a:schemeClr val="tx2"/>
-                </a:solidFill>
-                <a:latin typeface="Source Sans Pro Light" charset="0"/>
-                <a:ea typeface="Source Sans Pro Light" charset="0"/>
-                <a:cs typeface="Source Sans Pro Light" charset="0"/>
-              </a:rPr>
-              <a:t>ode </a:t>
-            </a:r>
-          </a:p>
-          <a:p>
-            <a:pPr>
-              <a:spcBef>
-                <a:spcPts val="0"/>
-              </a:spcBef>
-            </a:pPr>
-            <a:r>
-              <a:rPr lang="en-US" sz="1400" dirty="0" smtClean="0">
-                <a:solidFill>
-                  <a:schemeClr val="tx2"/>
-                </a:solidFill>
-                <a:latin typeface="Source Sans Pro Light" charset="0"/>
-                <a:ea typeface="Source Sans Pro Light" charset="0"/>
-                <a:cs typeface="Source Sans Pro Light" charset="0"/>
-              </a:rPr>
-              <a:t>to </a:t>
-            </a:r>
-            <a:r>
-              <a:rPr lang="en-US" sz="1400" b="0" i="0" spc="0" dirty="0" smtClean="0">
-                <a:ln>
-                  <a:noFill/>
-                </a:ln>
-                <a:solidFill>
-                  <a:schemeClr val="tx2"/>
-                </a:solidFill>
-                <a:latin typeface="Source Sans Pro Light" charset="0"/>
-                <a:ea typeface="Source Sans Pro Light" charset="0"/>
-                <a:cs typeface="Source Sans Pro Light" charset="0"/>
-              </a:rPr>
-              <a:t>target </a:t>
-            </a:r>
-            <a:r>
-              <a:rPr lang="en-US" sz="1400" b="0" i="0" spc="0" dirty="0" smtClean="0">
-                <a:ln>
-                  <a:noFill/>
-                </a:ln>
-                <a:solidFill>
-                  <a:schemeClr val="tx2"/>
-                </a:solidFill>
-                <a:latin typeface="Source Sans Pro Light" charset="0"/>
-                <a:ea typeface="Source Sans Pro Light" charset="0"/>
-                <a:cs typeface="Source Sans Pro Light" charset="0"/>
-              </a:rPr>
-              <a:t>location</a:t>
-            </a:r>
-          </a:p>
-        </p:txBody>
-      </p:sp>
-      <p:sp>
-        <p:nvSpPr>
-          <p:cNvPr id="55" name="TextBox 54"/>
-          <p:cNvSpPr txBox="1"/>
-          <p:nvPr/>
-        </p:nvSpPr>
-        <p:spPr>
-          <a:xfrm>
-            <a:off x="3536807" y="1564588"/>
-            <a:ext cx="3125044" cy="615553"/>
-          </a:xfrm>
-          <a:prstGeom prst="rect">
-            <a:avLst/>
-          </a:prstGeom>
-          <a:noFill/>
-        </p:spPr>
-        <p:txBody>
-          <a:bodyPr vert="horz" wrap="square" lIns="0" tIns="0" rIns="0" bIns="0" numCol="1" spcCol="288000" rtlCol="0" anchor="t" anchorCtr="0">
-            <a:spAutoFit/>
-          </a:bodyPr>
-          <a:lstStyle/>
-          <a:p>
-            <a:pPr>
-              <a:spcBef>
-                <a:spcPts val="0"/>
-              </a:spcBef>
-            </a:pPr>
-            <a:r>
-              <a:rPr lang="en-US" sz="1400" dirty="0" smtClean="0">
-                <a:solidFill>
-                  <a:schemeClr val="tx2"/>
-                </a:solidFill>
-                <a:latin typeface="Source Sans Pro Light" charset="0"/>
-                <a:ea typeface="Source Sans Pro Light" charset="0"/>
-                <a:cs typeface="Source Sans Pro Light" charset="0"/>
-              </a:rPr>
-              <a:t>Allocate sections and transfer bytes</a:t>
-            </a:r>
-          </a:p>
-          <a:p>
-            <a:pPr marL="285750" indent="-285750">
-              <a:spcBef>
-                <a:spcPts val="0"/>
-              </a:spcBef>
-              <a:buFont typeface="Arial" panose="020B0604020202020204" pitchFamily="34" charset="0"/>
-              <a:buChar char="•"/>
-            </a:pPr>
-            <a:r>
-              <a:rPr lang="en-US" sz="1200" b="0" i="0" spc="0" dirty="0" smtClean="0">
-                <a:ln>
-                  <a:noFill/>
-                </a:ln>
-                <a:solidFill>
-                  <a:schemeClr val="tx2"/>
-                </a:solidFill>
-                <a:latin typeface="Source Sans Pro Light" charset="0"/>
-                <a:ea typeface="Source Sans Pro Light" charset="0"/>
-                <a:cs typeface="Source Sans Pro Light" charset="0"/>
-              </a:rPr>
-              <a:t>Code to temporary location</a:t>
-            </a:r>
-          </a:p>
-          <a:p>
-            <a:pPr marL="285750" indent="-285750">
-              <a:spcBef>
-                <a:spcPts val="0"/>
-              </a:spcBef>
-              <a:buFont typeface="Arial" panose="020B0604020202020204" pitchFamily="34" charset="0"/>
-              <a:buChar char="•"/>
-            </a:pPr>
-            <a:r>
-              <a:rPr lang="en-US" sz="1200" dirty="0" smtClean="0">
-                <a:solidFill>
-                  <a:schemeClr val="tx2"/>
-                </a:solidFill>
-                <a:latin typeface="Source Sans Pro Light" charset="0"/>
-                <a:ea typeface="Source Sans Pro Light" charset="0"/>
-                <a:cs typeface="Source Sans Pro Light" charset="0"/>
-              </a:rPr>
-              <a:t>RO Data to target location</a:t>
-            </a:r>
-            <a:r>
-              <a:rPr lang="en-US" sz="1400" b="0" i="0" spc="0" dirty="0" smtClean="0">
-                <a:ln>
-                  <a:noFill/>
-                </a:ln>
-                <a:solidFill>
-                  <a:schemeClr val="tx2"/>
-                </a:solidFill>
-                <a:latin typeface="Source Sans Pro Light" charset="0"/>
-                <a:ea typeface="Source Sans Pro Light" charset="0"/>
-                <a:cs typeface="Source Sans Pro Light" charset="0"/>
-              </a:rPr>
-              <a:t> </a:t>
-            </a:r>
-            <a:endParaRPr lang="en-US" sz="1400" b="0" i="0" spc="0" dirty="0" smtClean="0">
-              <a:ln>
-                <a:noFill/>
-              </a:ln>
-              <a:solidFill>
-                <a:schemeClr val="tx2"/>
-              </a:solidFill>
-              <a:latin typeface="Source Sans Pro Light" charset="0"/>
-              <a:ea typeface="Source Sans Pro Light" charset="0"/>
-              <a:cs typeface="Source Sans Pro Light" charset="0"/>
-            </a:endParaRPr>
-          </a:p>
-        </p:txBody>
-      </p:sp>
-      <p:pic>
-        <p:nvPicPr>
-          <p:cNvPr id="60" name="Picture 59">
-            <a:extLst>
-              <a:ext uri="{FF2B5EF4-FFF2-40B4-BE49-F238E27FC236}">
-                <a16:creationId xmlns="" xmlns:a16="http://schemas.microsoft.com/office/drawing/2014/main" xmlns:lc="http://schemas.openxmlformats.org/drawingml/2006/lockedCanvas" id="{1D3FE1F1-8624-5141-BA1D-0717D0491635}"/>
+                <a16:creationId xmlns:lc="http://schemas.openxmlformats.org/drawingml/2006/lockedCanvas" xmlns:a16="http://schemas.microsoft.com/office/drawing/2014/main" xmlns="" id="{1D3FE1F1-8624-5141-BA1D-0717D0491635}"/>
               </a:ext>
             </a:extLst>
           </p:cNvPr>
@@ -23833,43 +23960,7 @@
         </p:blipFill>
         <p:spPr>
           <a:xfrm>
-            <a:off x="7904676" y="4039615"/>
-            <a:ext cx="252000" cy="252000"/>
-          </a:xfrm>
-          <a:prstGeom prst="rect">
-            <a:avLst/>
-          </a:prstGeom>
-        </p:spPr>
-      </p:pic>
-      <p:pic>
-        <p:nvPicPr>
-          <p:cNvPr id="65" name="Picture 64">
-            <a:extLst>
-              <a:ext uri="{FF2B5EF4-FFF2-40B4-BE49-F238E27FC236}">
-                <a16:creationId xmlns="" xmlns:a16="http://schemas.microsoft.com/office/drawing/2014/main" xmlns:lc="http://schemas.openxmlformats.org/drawingml/2006/lockedCanvas" id="{1D3FE1F1-8624-5141-BA1D-0717D0491635}"/>
-              </a:ext>
-            </a:extLst>
-          </p:cNvPr>
-          <p:cNvPicPr>
-            <a:picLocks noChangeAspect="1"/>
-          </p:cNvPicPr>
-          <p:nvPr/>
-        </p:nvPicPr>
-        <p:blipFill>
-          <a:blip r:embed="rId5" cstate="print">
-            <a:extLst>
-              <a:ext uri="{28A0092B-C50C-407E-A947-70E740481C1C}">
-                <a14:useLocalDpi xmlns:a14="http://schemas.microsoft.com/office/drawing/2010/main" val="0"/>
-              </a:ext>
-            </a:extLst>
-          </a:blip>
-          <a:stretch>
-            <a:fillRect/>
-          </a:stretch>
-        </p:blipFill>
-        <p:spPr>
-          <a:xfrm>
-            <a:off x="7904676" y="2944240"/>
+            <a:off x="7904676" y="4306315"/>
             <a:ext cx="252000" cy="252000"/>
           </a:xfrm>
           <a:prstGeom prst="rect">
@@ -23880,7 +23971,7 @@
     </p:spTree>
     <p:extLst>
       <p:ext uri="{BB962C8B-B14F-4D97-AF65-F5344CB8AC3E}">
-        <p14:creationId xmlns:p14="http://schemas.microsoft.com/office/powerpoint/2010/main" val="4022837917"/>
+        <p14:creationId xmlns:p14="http://schemas.microsoft.com/office/powerpoint/2010/main" val="1324799231"/>
       </p:ext>
     </p:extLst>
   </p:cSld>
